--- a/server/analysis/charts/figures.pptx
+++ b/server/analysis/charts/figures.pptx
@@ -9,6 +9,9 @@
     <p:sldId id="257" r:id="rId3"/>
     <p:sldId id="258" r:id="rId4"/>
     <p:sldId id="259" r:id="rId5"/>
+    <p:sldId id="262" r:id="rId6"/>
+    <p:sldId id="260" r:id="rId7"/>
+    <p:sldId id="261" r:id="rId8"/>
   </p:sldIdLst>
   <p:sldSz cx="12192000" cy="6858000"/>
   <p:notesSz cx="6858000" cy="9144000"/>
@@ -262,7 +265,7 @@
           <a:p>
             <a:fld id="{3B2CC345-873D-4984-B66F-B40C09CA00A9}" type="datetimeFigureOut">
               <a:rPr lang="en-US" smtClean="0"/>
-              <a:t>4/19/2021</a:t>
+              <a:t>4/20/2021</a:t>
             </a:fld>
             <a:endParaRPr lang="en-US"/>
           </a:p>
@@ -460,7 +463,7 @@
           <a:p>
             <a:fld id="{3B2CC345-873D-4984-B66F-B40C09CA00A9}" type="datetimeFigureOut">
               <a:rPr lang="en-US" smtClean="0"/>
-              <a:t>4/19/2021</a:t>
+              <a:t>4/20/2021</a:t>
             </a:fld>
             <a:endParaRPr lang="en-US"/>
           </a:p>
@@ -668,7 +671,7 @@
           <a:p>
             <a:fld id="{3B2CC345-873D-4984-B66F-B40C09CA00A9}" type="datetimeFigureOut">
               <a:rPr lang="en-US" smtClean="0"/>
-              <a:t>4/19/2021</a:t>
+              <a:t>4/20/2021</a:t>
             </a:fld>
             <a:endParaRPr lang="en-US"/>
           </a:p>
@@ -866,7 +869,7 @@
           <a:p>
             <a:fld id="{3B2CC345-873D-4984-B66F-B40C09CA00A9}" type="datetimeFigureOut">
               <a:rPr lang="en-US" smtClean="0"/>
-              <a:t>4/19/2021</a:t>
+              <a:t>4/20/2021</a:t>
             </a:fld>
             <a:endParaRPr lang="en-US"/>
           </a:p>
@@ -1141,7 +1144,7 @@
           <a:p>
             <a:fld id="{3B2CC345-873D-4984-B66F-B40C09CA00A9}" type="datetimeFigureOut">
               <a:rPr lang="en-US" smtClean="0"/>
-              <a:t>4/19/2021</a:t>
+              <a:t>4/20/2021</a:t>
             </a:fld>
             <a:endParaRPr lang="en-US"/>
           </a:p>
@@ -1406,7 +1409,7 @@
           <a:p>
             <a:fld id="{3B2CC345-873D-4984-B66F-B40C09CA00A9}" type="datetimeFigureOut">
               <a:rPr lang="en-US" smtClean="0"/>
-              <a:t>4/19/2021</a:t>
+              <a:t>4/20/2021</a:t>
             </a:fld>
             <a:endParaRPr lang="en-US"/>
           </a:p>
@@ -1818,7 +1821,7 @@
           <a:p>
             <a:fld id="{3B2CC345-873D-4984-B66F-B40C09CA00A9}" type="datetimeFigureOut">
               <a:rPr lang="en-US" smtClean="0"/>
-              <a:t>4/19/2021</a:t>
+              <a:t>4/20/2021</a:t>
             </a:fld>
             <a:endParaRPr lang="en-US"/>
           </a:p>
@@ -1959,7 +1962,7 @@
           <a:p>
             <a:fld id="{3B2CC345-873D-4984-B66F-B40C09CA00A9}" type="datetimeFigureOut">
               <a:rPr lang="en-US" smtClean="0"/>
-              <a:t>4/19/2021</a:t>
+              <a:t>4/20/2021</a:t>
             </a:fld>
             <a:endParaRPr lang="en-US"/>
           </a:p>
@@ -2072,7 +2075,7 @@
           <a:p>
             <a:fld id="{3B2CC345-873D-4984-B66F-B40C09CA00A9}" type="datetimeFigureOut">
               <a:rPr lang="en-US" smtClean="0"/>
-              <a:t>4/19/2021</a:t>
+              <a:t>4/20/2021</a:t>
             </a:fld>
             <a:endParaRPr lang="en-US"/>
           </a:p>
@@ -2383,7 +2386,7 @@
           <a:p>
             <a:fld id="{3B2CC345-873D-4984-B66F-B40C09CA00A9}" type="datetimeFigureOut">
               <a:rPr lang="en-US" smtClean="0"/>
-              <a:t>4/19/2021</a:t>
+              <a:t>4/20/2021</a:t>
             </a:fld>
             <a:endParaRPr lang="en-US"/>
           </a:p>
@@ -2671,7 +2674,7 @@
           <a:p>
             <a:fld id="{3B2CC345-873D-4984-B66F-B40C09CA00A9}" type="datetimeFigureOut">
               <a:rPr lang="en-US" smtClean="0"/>
-              <a:t>4/19/2021</a:t>
+              <a:t>4/20/2021</a:t>
             </a:fld>
             <a:endParaRPr lang="en-US"/>
           </a:p>
@@ -2912,7 +2915,7 @@
           <a:p>
             <a:fld id="{3B2CC345-873D-4984-B66F-B40C09CA00A9}" type="datetimeFigureOut">
               <a:rPr lang="en-US" smtClean="0"/>
-              <a:t>4/19/2021</a:t>
+              <a:t>4/20/2021</a:t>
             </a:fld>
             <a:endParaRPr lang="en-US"/>
           </a:p>
@@ -3971,565 +3974,586 @@
           <a:chExt cx="0" cy="0"/>
         </a:xfrm>
       </p:grpSpPr>
-      <p:pic>
-        <p:nvPicPr>
-          <p:cNvPr id="3" name="Picture 2" descr="Graphical user interface&#10;&#10;Description automatically generated">
-            <a:extLst>
-              <a:ext uri="{FF2B5EF4-FFF2-40B4-BE49-F238E27FC236}">
-                <a16:creationId xmlns:a16="http://schemas.microsoft.com/office/drawing/2014/main" id="{B073FEB0-D560-441E-B65B-3CF40513FC0B}"/>
-              </a:ext>
-            </a:extLst>
-          </p:cNvPr>
-          <p:cNvPicPr>
-            <a:picLocks noChangeAspect="1"/>
-          </p:cNvPicPr>
+      <p:grpSp>
+        <p:nvGrpSpPr>
+          <p:cNvPr id="16" name="Group 15">
+            <a:extLst>
+              <a:ext uri="{FF2B5EF4-FFF2-40B4-BE49-F238E27FC236}">
+                <a16:creationId xmlns:a16="http://schemas.microsoft.com/office/drawing/2014/main" id="{C5E28A92-8FA7-40B8-9F94-AC8779F4205A}"/>
+              </a:ext>
+            </a:extLst>
+          </p:cNvPr>
+          <p:cNvGrpSpPr/>
           <p:nvPr/>
-        </p:nvPicPr>
-        <p:blipFill rotWithShape="1">
-          <a:blip r:embed="rId2">
-            <a:extLst>
-              <a:ext uri="{28A0092B-C50C-407E-A947-70E740481C1C}">
-                <a14:useLocalDpi xmlns:a14="http://schemas.microsoft.com/office/drawing/2010/main" val="0"/>
-              </a:ext>
-            </a:extLst>
-          </a:blip>
-          <a:srcRect l="3577" t="9715" r="88265" b="13398"/>
-          <a:stretch/>
-        </p:blipFill>
+        </p:nvGrpSpPr>
+        <p:grpSpPr>
+          <a:xfrm>
+            <a:off x="1696640" y="829733"/>
+            <a:ext cx="6174476" cy="3664073"/>
+            <a:chOff x="1696640" y="829733"/>
+            <a:chExt cx="6174476" cy="3664073"/>
+          </a:xfrm>
+        </p:grpSpPr>
+        <p:pic>
+          <p:nvPicPr>
+            <p:cNvPr id="3" name="Picture 2" descr="Graphical user interface&#10;&#10;Description automatically generated">
+              <a:extLst>
+                <a:ext uri="{FF2B5EF4-FFF2-40B4-BE49-F238E27FC236}">
+                  <a16:creationId xmlns:a16="http://schemas.microsoft.com/office/drawing/2014/main" id="{B073FEB0-D560-441E-B65B-3CF40513FC0B}"/>
+                </a:ext>
+              </a:extLst>
+            </p:cNvPr>
+            <p:cNvPicPr>
+              <a:picLocks noChangeAspect="1"/>
+            </p:cNvPicPr>
+            <p:nvPr/>
+          </p:nvPicPr>
+          <p:blipFill rotWithShape="1">
+            <a:blip r:embed="rId2">
+              <a:extLst>
+                <a:ext uri="{28A0092B-C50C-407E-A947-70E740481C1C}">
+                  <a14:useLocalDpi xmlns:a14="http://schemas.microsoft.com/office/drawing/2010/main" val="0"/>
+                </a:ext>
+              </a:extLst>
+            </a:blip>
+            <a:srcRect l="3577" t="9715" r="88265" b="13398"/>
+            <a:stretch/>
+          </p:blipFill>
+          <p:spPr>
+            <a:xfrm>
+              <a:off x="2144946" y="1592908"/>
+              <a:ext cx="484865" cy="2460396"/>
+            </a:xfrm>
+            <a:prstGeom prst="rect">
+              <a:avLst/>
+            </a:prstGeom>
+          </p:spPr>
+        </p:pic>
+        <p:pic>
+          <p:nvPicPr>
+            <p:cNvPr id="17" name="Picture 16" descr="Graphical user interface&#10;&#10;Description automatically generated">
+              <a:extLst>
+                <a:ext uri="{FF2B5EF4-FFF2-40B4-BE49-F238E27FC236}">
+                  <a16:creationId xmlns:a16="http://schemas.microsoft.com/office/drawing/2014/main" id="{2FDEBC43-383D-43BF-AD78-A9D4C6A212D4}"/>
+                </a:ext>
+              </a:extLst>
+            </p:cNvPr>
+            <p:cNvPicPr>
+              <a:picLocks noChangeAspect="1"/>
+            </p:cNvPicPr>
+            <p:nvPr/>
+          </p:nvPicPr>
+          <p:blipFill rotWithShape="1">
+            <a:blip r:embed="rId3">
+              <a:extLst>
+                <a:ext uri="{28A0092B-C50C-407E-A947-70E740481C1C}">
+                  <a14:useLocalDpi xmlns:a14="http://schemas.microsoft.com/office/drawing/2010/main" val="0"/>
+                </a:ext>
+              </a:extLst>
+            </a:blip>
+            <a:srcRect l="11805"/>
+            <a:stretch/>
+          </p:blipFill>
+          <p:spPr>
+            <a:xfrm>
+              <a:off x="2629811" y="1293806"/>
+              <a:ext cx="5241305" cy="3200000"/>
+            </a:xfrm>
+            <a:prstGeom prst="rect">
+              <a:avLst/>
+            </a:prstGeom>
+          </p:spPr>
+        </p:pic>
+        <p:sp>
+          <p:nvSpPr>
+            <p:cNvPr id="4" name="Oval 3">
+              <a:extLst>
+                <a:ext uri="{FF2B5EF4-FFF2-40B4-BE49-F238E27FC236}">
+                  <a16:creationId xmlns:a16="http://schemas.microsoft.com/office/drawing/2014/main" id="{50224053-CC87-407D-BECF-DD473B105968}"/>
+                </a:ext>
+              </a:extLst>
+            </p:cNvPr>
+            <p:cNvSpPr/>
+            <p:nvPr/>
+          </p:nvSpPr>
+          <p:spPr>
+            <a:xfrm>
+              <a:off x="3928028" y="1568397"/>
+              <a:ext cx="182880" cy="182880"/>
+            </a:xfrm>
+            <a:prstGeom prst="ellipse">
+              <a:avLst/>
+            </a:prstGeom>
+          </p:spPr>
+          <p:style>
+            <a:lnRef idx="2">
+              <a:schemeClr val="dk1">
+                <a:shade val="50000"/>
+              </a:schemeClr>
+            </a:lnRef>
+            <a:fillRef idx="1">
+              <a:schemeClr val="dk1"/>
+            </a:fillRef>
+            <a:effectRef idx="0">
+              <a:schemeClr val="dk1"/>
+            </a:effectRef>
+            <a:fontRef idx="minor">
+              <a:schemeClr val="lt1"/>
+            </a:fontRef>
+          </p:style>
+          <p:txBody>
+            <a:bodyPr rtlCol="0" anchor="ctr"/>
+            <a:lstStyle/>
+            <a:p>
+              <a:pPr algn="ctr"/>
+              <a:r>
+                <a:rPr lang="en-US" sz="1400" dirty="0"/>
+                <a:t>a</a:t>
+              </a:r>
+            </a:p>
+          </p:txBody>
+        </p:sp>
+        <p:sp>
+          <p:nvSpPr>
+            <p:cNvPr id="5" name="Oval 4">
+              <a:extLst>
+                <a:ext uri="{FF2B5EF4-FFF2-40B4-BE49-F238E27FC236}">
+                  <a16:creationId xmlns:a16="http://schemas.microsoft.com/office/drawing/2014/main" id="{8BA35C1F-7E05-49E6-88EE-820746070C9D}"/>
+                </a:ext>
+              </a:extLst>
+            </p:cNvPr>
+            <p:cNvSpPr/>
+            <p:nvPr/>
+          </p:nvSpPr>
+          <p:spPr>
+            <a:xfrm>
+              <a:off x="3933787" y="2893806"/>
+              <a:ext cx="182880" cy="182880"/>
+            </a:xfrm>
+            <a:prstGeom prst="ellipse">
+              <a:avLst/>
+            </a:prstGeom>
+          </p:spPr>
+          <p:style>
+            <a:lnRef idx="2">
+              <a:schemeClr val="dk1">
+                <a:shade val="50000"/>
+              </a:schemeClr>
+            </a:lnRef>
+            <a:fillRef idx="1">
+              <a:schemeClr val="dk1"/>
+            </a:fillRef>
+            <a:effectRef idx="0">
+              <a:schemeClr val="dk1"/>
+            </a:effectRef>
+            <a:fontRef idx="minor">
+              <a:schemeClr val="lt1"/>
+            </a:fontRef>
+          </p:style>
+          <p:txBody>
+            <a:bodyPr rtlCol="0" anchor="ctr"/>
+            <a:lstStyle/>
+            <a:p>
+              <a:pPr algn="ctr"/>
+              <a:r>
+                <a:rPr lang="en-US" sz="1400" dirty="0"/>
+                <a:t>b</a:t>
+              </a:r>
+            </a:p>
+          </p:txBody>
+        </p:sp>
+        <p:sp>
+          <p:nvSpPr>
+            <p:cNvPr id="6" name="Oval 5">
+              <a:extLst>
+                <a:ext uri="{FF2B5EF4-FFF2-40B4-BE49-F238E27FC236}">
+                  <a16:creationId xmlns:a16="http://schemas.microsoft.com/office/drawing/2014/main" id="{91431949-D14C-42EF-82F4-181B4E82FEDB}"/>
+                </a:ext>
+              </a:extLst>
+            </p:cNvPr>
+            <p:cNvSpPr/>
+            <p:nvPr/>
+          </p:nvSpPr>
+          <p:spPr>
+            <a:xfrm>
+              <a:off x="7193786" y="1568397"/>
+              <a:ext cx="182880" cy="182880"/>
+            </a:xfrm>
+            <a:prstGeom prst="ellipse">
+              <a:avLst/>
+            </a:prstGeom>
+          </p:spPr>
+          <p:style>
+            <a:lnRef idx="2">
+              <a:schemeClr val="dk1">
+                <a:shade val="50000"/>
+              </a:schemeClr>
+            </a:lnRef>
+            <a:fillRef idx="1">
+              <a:schemeClr val="dk1"/>
+            </a:fillRef>
+            <a:effectRef idx="0">
+              <a:schemeClr val="dk1"/>
+            </a:effectRef>
+            <a:fontRef idx="minor">
+              <a:schemeClr val="lt1"/>
+            </a:fontRef>
+          </p:style>
+          <p:txBody>
+            <a:bodyPr rtlCol="0" anchor="ctr"/>
+            <a:lstStyle/>
+            <a:p>
+              <a:pPr algn="ctr"/>
+              <a:r>
+                <a:rPr lang="en-US" sz="1400" dirty="0"/>
+                <a:t>c</a:t>
+              </a:r>
+            </a:p>
+          </p:txBody>
+        </p:sp>
+        <p:sp>
+          <p:nvSpPr>
+            <p:cNvPr id="7" name="Oval 6">
+              <a:extLst>
+                <a:ext uri="{FF2B5EF4-FFF2-40B4-BE49-F238E27FC236}">
+                  <a16:creationId xmlns:a16="http://schemas.microsoft.com/office/drawing/2014/main" id="{45C78218-3D65-4974-8503-EA9AC8FCA830}"/>
+                </a:ext>
+              </a:extLst>
+            </p:cNvPr>
+            <p:cNvSpPr/>
+            <p:nvPr/>
+          </p:nvSpPr>
+          <p:spPr>
+            <a:xfrm>
+              <a:off x="5563248" y="2893806"/>
+              <a:ext cx="182880" cy="182880"/>
+            </a:xfrm>
+            <a:prstGeom prst="ellipse">
+              <a:avLst/>
+            </a:prstGeom>
+          </p:spPr>
+          <p:style>
+            <a:lnRef idx="2">
+              <a:schemeClr val="dk1">
+                <a:shade val="50000"/>
+              </a:schemeClr>
+            </a:lnRef>
+            <a:fillRef idx="1">
+              <a:schemeClr val="dk1"/>
+            </a:fillRef>
+            <a:effectRef idx="0">
+              <a:schemeClr val="dk1"/>
+            </a:effectRef>
+            <a:fontRef idx="minor">
+              <a:schemeClr val="lt1"/>
+            </a:fontRef>
+          </p:style>
+          <p:txBody>
+            <a:bodyPr rtlCol="0" anchor="ctr"/>
+            <a:lstStyle/>
+            <a:p>
+              <a:pPr algn="ctr"/>
+              <a:r>
+                <a:rPr lang="en-US" sz="1400" dirty="0"/>
+                <a:t>f</a:t>
+              </a:r>
+            </a:p>
+          </p:txBody>
+        </p:sp>
+        <p:sp>
+          <p:nvSpPr>
+            <p:cNvPr id="8" name="Oval 7">
+              <a:extLst>
+                <a:ext uri="{FF2B5EF4-FFF2-40B4-BE49-F238E27FC236}">
+                  <a16:creationId xmlns:a16="http://schemas.microsoft.com/office/drawing/2014/main" id="{62AC76EE-51A1-47CE-8FC2-B56FDA8BCE23}"/>
+                </a:ext>
+              </a:extLst>
+            </p:cNvPr>
+            <p:cNvSpPr/>
+            <p:nvPr/>
+          </p:nvSpPr>
+          <p:spPr>
+            <a:xfrm>
+              <a:off x="5561049" y="1568397"/>
+              <a:ext cx="182880" cy="182880"/>
+            </a:xfrm>
+            <a:prstGeom prst="ellipse">
+              <a:avLst/>
+            </a:prstGeom>
+          </p:spPr>
+          <p:style>
+            <a:lnRef idx="2">
+              <a:schemeClr val="dk1">
+                <a:shade val="50000"/>
+              </a:schemeClr>
+            </a:lnRef>
+            <a:fillRef idx="1">
+              <a:schemeClr val="dk1"/>
+            </a:fillRef>
+            <a:effectRef idx="0">
+              <a:schemeClr val="dk1"/>
+            </a:effectRef>
+            <a:fontRef idx="minor">
+              <a:schemeClr val="lt1"/>
+            </a:fontRef>
+          </p:style>
+          <p:txBody>
+            <a:bodyPr rtlCol="0" anchor="ctr"/>
+            <a:lstStyle/>
+            <a:p>
+              <a:pPr algn="ctr"/>
+              <a:r>
+                <a:rPr lang="en-US" sz="1400" dirty="0"/>
+                <a:t>e</a:t>
+              </a:r>
+            </a:p>
+          </p:txBody>
+        </p:sp>
+        <p:sp>
+          <p:nvSpPr>
+            <p:cNvPr id="9" name="Oval 8">
+              <a:extLst>
+                <a:ext uri="{FF2B5EF4-FFF2-40B4-BE49-F238E27FC236}">
+                  <a16:creationId xmlns:a16="http://schemas.microsoft.com/office/drawing/2014/main" id="{F9663758-79D3-4635-8E73-1F812E5C6316}"/>
+                </a:ext>
+              </a:extLst>
+            </p:cNvPr>
+            <p:cNvSpPr/>
+            <p:nvPr/>
+          </p:nvSpPr>
+          <p:spPr>
+            <a:xfrm>
+              <a:off x="7193786" y="2893806"/>
+              <a:ext cx="182880" cy="182880"/>
+            </a:xfrm>
+            <a:prstGeom prst="ellipse">
+              <a:avLst/>
+            </a:prstGeom>
+          </p:spPr>
+          <p:style>
+            <a:lnRef idx="2">
+              <a:schemeClr val="dk1">
+                <a:shade val="50000"/>
+              </a:schemeClr>
+            </a:lnRef>
+            <a:fillRef idx="1">
+              <a:schemeClr val="dk1"/>
+            </a:fillRef>
+            <a:effectRef idx="0">
+              <a:schemeClr val="dk1"/>
+            </a:effectRef>
+            <a:fontRef idx="minor">
+              <a:schemeClr val="lt1"/>
+            </a:fontRef>
+          </p:style>
+          <p:txBody>
+            <a:bodyPr rtlCol="0" anchor="ctr"/>
+            <a:lstStyle/>
+            <a:p>
+              <a:pPr algn="ctr"/>
+              <a:r>
+                <a:rPr lang="en-US" sz="1400" dirty="0"/>
+                <a:t>d</a:t>
+              </a:r>
+            </a:p>
+          </p:txBody>
+        </p:sp>
+        <p:sp>
+          <p:nvSpPr>
+            <p:cNvPr id="10" name="TextBox 9">
+              <a:extLst>
+                <a:ext uri="{FF2B5EF4-FFF2-40B4-BE49-F238E27FC236}">
+                  <a16:creationId xmlns:a16="http://schemas.microsoft.com/office/drawing/2014/main" id="{51EBA926-1948-4284-A07C-91521CF00956}"/>
+                </a:ext>
+              </a:extLst>
+            </p:cNvPr>
+            <p:cNvSpPr txBox="1"/>
+            <p:nvPr/>
+          </p:nvSpPr>
+          <p:spPr>
+            <a:xfrm rot="16200000">
+              <a:off x="1215468" y="2074080"/>
+              <a:ext cx="1300898" cy="338554"/>
+            </a:xfrm>
+            <a:prstGeom prst="rect">
+              <a:avLst/>
+            </a:prstGeom>
+            <a:noFill/>
+          </p:spPr>
+          <p:txBody>
+            <a:bodyPr wrap="square" rtlCol="0">
+              <a:spAutoFit/>
+            </a:bodyPr>
+            <a:lstStyle/>
+            <a:p>
+              <a:pPr algn="ctr"/>
+              <a:r>
+                <a:rPr lang="en-US" sz="1600" dirty="0"/>
+                <a:t>Hiring</a:t>
+              </a:r>
+            </a:p>
+          </p:txBody>
+        </p:sp>
+        <p:sp>
+          <p:nvSpPr>
+            <p:cNvPr id="11" name="TextBox 10">
+              <a:extLst>
+                <a:ext uri="{FF2B5EF4-FFF2-40B4-BE49-F238E27FC236}">
+                  <a16:creationId xmlns:a16="http://schemas.microsoft.com/office/drawing/2014/main" id="{43409B2F-DF2B-4758-AC98-FCADB08B2795}"/>
+                </a:ext>
+              </a:extLst>
+            </p:cNvPr>
+            <p:cNvSpPr txBox="1"/>
+            <p:nvPr/>
+          </p:nvSpPr>
+          <p:spPr>
+            <a:xfrm rot="16200000">
+              <a:off x="1215469" y="3316062"/>
+              <a:ext cx="1300898" cy="338554"/>
+            </a:xfrm>
+            <a:prstGeom prst="rect">
+              <a:avLst/>
+            </a:prstGeom>
+            <a:noFill/>
+          </p:spPr>
+          <p:txBody>
+            <a:bodyPr wrap="square" rtlCol="0">
+              <a:spAutoFit/>
+            </a:bodyPr>
+            <a:lstStyle/>
+            <a:p>
+              <a:pPr algn="ctr"/>
+              <a:r>
+                <a:rPr lang="en-US" sz="1600" dirty="0"/>
+                <a:t>Movies</a:t>
+              </a:r>
+            </a:p>
+          </p:txBody>
+        </p:sp>
+        <p:sp>
+          <p:nvSpPr>
+            <p:cNvPr id="12" name="TextBox 11">
+              <a:extLst>
+                <a:ext uri="{FF2B5EF4-FFF2-40B4-BE49-F238E27FC236}">
+                  <a16:creationId xmlns:a16="http://schemas.microsoft.com/office/drawing/2014/main" id="{40D2E83F-1463-441D-96BC-E54C7882B8E8}"/>
+                </a:ext>
+              </a:extLst>
+            </p:cNvPr>
+            <p:cNvSpPr txBox="1"/>
+            <p:nvPr/>
+          </p:nvSpPr>
+          <p:spPr>
+            <a:xfrm>
+              <a:off x="2497903" y="978703"/>
+              <a:ext cx="1708053" cy="523220"/>
+            </a:xfrm>
+            <a:prstGeom prst="rect">
+              <a:avLst/>
+            </a:prstGeom>
+            <a:noFill/>
+          </p:spPr>
+          <p:txBody>
+            <a:bodyPr wrap="square" rtlCol="0">
+              <a:spAutoFit/>
+            </a:bodyPr>
+            <a:lstStyle/>
+            <a:p>
+              <a:pPr algn="ctr"/>
+              <a:r>
+                <a:rPr lang="en-US" sz="1400" dirty="0"/>
+                <a:t>How useful were the recommendations?</a:t>
+              </a:r>
+            </a:p>
+          </p:txBody>
+        </p:sp>
+        <p:sp>
+          <p:nvSpPr>
+            <p:cNvPr id="13" name="TextBox 12">
+              <a:extLst>
+                <a:ext uri="{FF2B5EF4-FFF2-40B4-BE49-F238E27FC236}">
+                  <a16:creationId xmlns:a16="http://schemas.microsoft.com/office/drawing/2014/main" id="{B0B7B688-F6BA-417B-9E89-100A27C9FEAC}"/>
+                </a:ext>
+              </a:extLst>
+            </p:cNvPr>
+            <p:cNvSpPr txBox="1"/>
+            <p:nvPr/>
+          </p:nvSpPr>
+          <p:spPr>
+            <a:xfrm>
+              <a:off x="4120258" y="829733"/>
+              <a:ext cx="1708053" cy="738664"/>
+            </a:xfrm>
+            <a:prstGeom prst="rect">
+              <a:avLst/>
+            </a:prstGeom>
+            <a:noFill/>
+          </p:spPr>
+          <p:txBody>
+            <a:bodyPr wrap="square" rtlCol="0">
+              <a:spAutoFit/>
+            </a:bodyPr>
+            <a:lstStyle/>
+            <a:p>
+              <a:pPr algn="ctr"/>
+              <a:r>
+                <a:rPr lang="en-US" sz="1400" dirty="0"/>
+                <a:t>How often did the recommendations affect your decision?</a:t>
+              </a:r>
+            </a:p>
+          </p:txBody>
+        </p:sp>
+        <p:sp>
+          <p:nvSpPr>
+            <p:cNvPr id="14" name="TextBox 13">
+              <a:extLst>
+                <a:ext uri="{FF2B5EF4-FFF2-40B4-BE49-F238E27FC236}">
+                  <a16:creationId xmlns:a16="http://schemas.microsoft.com/office/drawing/2014/main" id="{4C9F61B2-811F-4711-A1BE-D7E2EA78C22A}"/>
+                </a:ext>
+              </a:extLst>
+            </p:cNvPr>
+            <p:cNvSpPr txBox="1"/>
+            <p:nvPr/>
+          </p:nvSpPr>
+          <p:spPr>
+            <a:xfrm>
+              <a:off x="5828311" y="978703"/>
+              <a:ext cx="1548355" cy="523220"/>
+            </a:xfrm>
+            <a:prstGeom prst="rect">
+              <a:avLst/>
+            </a:prstGeom>
+            <a:noFill/>
+          </p:spPr>
+          <p:txBody>
+            <a:bodyPr wrap="square" rtlCol="0">
+              <a:spAutoFit/>
+            </a:bodyPr>
+            <a:lstStyle/>
+            <a:p>
+              <a:pPr algn="ctr"/>
+              <a:r>
+                <a:rPr lang="en-US" sz="1400" dirty="0"/>
+                <a:t>How useful were the reviews?</a:t>
+              </a:r>
+            </a:p>
+          </p:txBody>
+        </p:sp>
+      </p:grpSp>
+      <p:sp>
+        <p:nvSpPr>
+          <p:cNvPr id="15" name="TextBox 14">
+            <a:extLst>
+              <a:ext uri="{FF2B5EF4-FFF2-40B4-BE49-F238E27FC236}">
+                <a16:creationId xmlns:a16="http://schemas.microsoft.com/office/drawing/2014/main" id="{F0D1A989-ED8D-41D8-9080-89802F30190C}"/>
+              </a:ext>
+            </a:extLst>
+          </p:cNvPr>
+          <p:cNvSpPr txBox="1"/>
+          <p:nvPr/>
+        </p:nvSpPr>
         <p:spPr>
           <a:xfrm>
-            <a:off x="1857079" y="1536569"/>
-            <a:ext cx="484865" cy="2460396"/>
-          </a:xfrm>
-          <a:prstGeom prst="rect">
-            <a:avLst/>
-          </a:prstGeom>
-        </p:spPr>
-      </p:pic>
-      <p:pic>
-        <p:nvPicPr>
-          <p:cNvPr id="17" name="Picture 16" descr="Graphical user interface&#10;&#10;Description automatically generated">
-            <a:extLst>
-              <a:ext uri="{FF2B5EF4-FFF2-40B4-BE49-F238E27FC236}">
-                <a16:creationId xmlns:a16="http://schemas.microsoft.com/office/drawing/2014/main" id="{2FDEBC43-383D-43BF-AD78-A9D4C6A212D4}"/>
-              </a:ext>
-            </a:extLst>
-          </p:cNvPr>
-          <p:cNvPicPr>
-            <a:picLocks noChangeAspect="1"/>
-          </p:cNvPicPr>
-          <p:nvPr/>
-        </p:nvPicPr>
-        <p:blipFill rotWithShape="1">
-          <a:blip r:embed="rId3">
-            <a:extLst>
-              <a:ext uri="{28A0092B-C50C-407E-A947-70E740481C1C}">
-                <a14:useLocalDpi xmlns:a14="http://schemas.microsoft.com/office/drawing/2010/main" val="0"/>
-              </a:ext>
-            </a:extLst>
-          </a:blip>
-          <a:srcRect l="11805"/>
-          <a:stretch/>
-        </p:blipFill>
-        <p:spPr>
-          <a:xfrm>
-            <a:off x="2341944" y="1237467"/>
-            <a:ext cx="5241305" cy="3200000"/>
-          </a:xfrm>
-          <a:prstGeom prst="rect">
-            <a:avLst/>
-          </a:prstGeom>
-        </p:spPr>
-      </p:pic>
-      <p:sp>
-        <p:nvSpPr>
-          <p:cNvPr id="4" name="Oval 3">
-            <a:extLst>
-              <a:ext uri="{FF2B5EF4-FFF2-40B4-BE49-F238E27FC236}">
-                <a16:creationId xmlns:a16="http://schemas.microsoft.com/office/drawing/2014/main" id="{50224053-CC87-407D-BECF-DD473B105968}"/>
-              </a:ext>
-            </a:extLst>
-          </p:cNvPr>
-          <p:cNvSpPr/>
-          <p:nvPr/>
-        </p:nvSpPr>
-        <p:spPr>
-          <a:xfrm>
-            <a:off x="3640161" y="1512058"/>
-            <a:ext cx="182880" cy="182880"/>
-          </a:xfrm>
-          <a:prstGeom prst="ellipse">
-            <a:avLst/>
-          </a:prstGeom>
-        </p:spPr>
-        <p:style>
-          <a:lnRef idx="2">
-            <a:schemeClr val="dk1">
-              <a:shade val="50000"/>
-            </a:schemeClr>
-          </a:lnRef>
-          <a:fillRef idx="1">
-            <a:schemeClr val="dk1"/>
-          </a:fillRef>
-          <a:effectRef idx="0">
-            <a:schemeClr val="dk1"/>
-          </a:effectRef>
-          <a:fontRef idx="minor">
-            <a:schemeClr val="lt1"/>
-          </a:fontRef>
-        </p:style>
-        <p:txBody>
-          <a:bodyPr rtlCol="0" anchor="ctr"/>
-          <a:lstStyle/>
-          <a:p>
-            <a:pPr algn="ctr"/>
-            <a:r>
-              <a:rPr lang="en-US" sz="1400" dirty="0"/>
-              <a:t>a</a:t>
-            </a:r>
-          </a:p>
-        </p:txBody>
-      </p:sp>
-      <p:sp>
-        <p:nvSpPr>
-          <p:cNvPr id="5" name="Oval 4">
-            <a:extLst>
-              <a:ext uri="{FF2B5EF4-FFF2-40B4-BE49-F238E27FC236}">
-                <a16:creationId xmlns:a16="http://schemas.microsoft.com/office/drawing/2014/main" id="{8BA35C1F-7E05-49E6-88EE-820746070C9D}"/>
-              </a:ext>
-            </a:extLst>
-          </p:cNvPr>
-          <p:cNvSpPr/>
-          <p:nvPr/>
-        </p:nvSpPr>
-        <p:spPr>
-          <a:xfrm>
-            <a:off x="5277832" y="1512058"/>
-            <a:ext cx="182880" cy="182880"/>
-          </a:xfrm>
-          <a:prstGeom prst="ellipse">
-            <a:avLst/>
-          </a:prstGeom>
-        </p:spPr>
-        <p:style>
-          <a:lnRef idx="2">
-            <a:schemeClr val="dk1">
-              <a:shade val="50000"/>
-            </a:schemeClr>
-          </a:lnRef>
-          <a:fillRef idx="1">
-            <a:schemeClr val="dk1"/>
-          </a:fillRef>
-          <a:effectRef idx="0">
-            <a:schemeClr val="dk1"/>
-          </a:effectRef>
-          <a:fontRef idx="minor">
-            <a:schemeClr val="lt1"/>
-          </a:fontRef>
-        </p:style>
-        <p:txBody>
-          <a:bodyPr rtlCol="0" anchor="ctr"/>
-          <a:lstStyle/>
-          <a:p>
-            <a:pPr algn="ctr"/>
-            <a:r>
-              <a:rPr lang="en-US" sz="1400" dirty="0"/>
-              <a:t>b</a:t>
-            </a:r>
-          </a:p>
-        </p:txBody>
-      </p:sp>
-      <p:sp>
-        <p:nvSpPr>
-          <p:cNvPr id="6" name="Oval 5">
-            <a:extLst>
-              <a:ext uri="{FF2B5EF4-FFF2-40B4-BE49-F238E27FC236}">
-                <a16:creationId xmlns:a16="http://schemas.microsoft.com/office/drawing/2014/main" id="{91431949-D14C-42EF-82F4-181B4E82FEDB}"/>
-              </a:ext>
-            </a:extLst>
-          </p:cNvPr>
-          <p:cNvSpPr/>
-          <p:nvPr/>
-        </p:nvSpPr>
-        <p:spPr>
-          <a:xfrm>
-            <a:off x="6905919" y="1512058"/>
-            <a:ext cx="182880" cy="182880"/>
-          </a:xfrm>
-          <a:prstGeom prst="ellipse">
-            <a:avLst/>
-          </a:prstGeom>
-        </p:spPr>
-        <p:style>
-          <a:lnRef idx="2">
-            <a:schemeClr val="dk1">
-              <a:shade val="50000"/>
-            </a:schemeClr>
-          </a:lnRef>
-          <a:fillRef idx="1">
-            <a:schemeClr val="dk1"/>
-          </a:fillRef>
-          <a:effectRef idx="0">
-            <a:schemeClr val="dk1"/>
-          </a:effectRef>
-          <a:fontRef idx="minor">
-            <a:schemeClr val="lt1"/>
-          </a:fontRef>
-        </p:style>
-        <p:txBody>
-          <a:bodyPr rtlCol="0" anchor="ctr"/>
-          <a:lstStyle/>
-          <a:p>
-            <a:pPr algn="ctr"/>
-            <a:r>
-              <a:rPr lang="en-US" sz="1400" dirty="0"/>
-              <a:t>c</a:t>
-            </a:r>
-          </a:p>
-        </p:txBody>
-      </p:sp>
-      <p:sp>
-        <p:nvSpPr>
-          <p:cNvPr id="7" name="Oval 6">
-            <a:extLst>
-              <a:ext uri="{FF2B5EF4-FFF2-40B4-BE49-F238E27FC236}">
-                <a16:creationId xmlns:a16="http://schemas.microsoft.com/office/drawing/2014/main" id="{45C78218-3D65-4974-8503-EA9AC8FCA830}"/>
-              </a:ext>
-            </a:extLst>
-          </p:cNvPr>
-          <p:cNvSpPr/>
-          <p:nvPr/>
-        </p:nvSpPr>
-        <p:spPr>
-          <a:xfrm>
-            <a:off x="6905919" y="2837467"/>
-            <a:ext cx="182880" cy="182880"/>
-          </a:xfrm>
-          <a:prstGeom prst="ellipse">
-            <a:avLst/>
-          </a:prstGeom>
-        </p:spPr>
-        <p:style>
-          <a:lnRef idx="2">
-            <a:schemeClr val="dk1">
-              <a:shade val="50000"/>
-            </a:schemeClr>
-          </a:lnRef>
-          <a:fillRef idx="1">
-            <a:schemeClr val="dk1"/>
-          </a:fillRef>
-          <a:effectRef idx="0">
-            <a:schemeClr val="dk1"/>
-          </a:effectRef>
-          <a:fontRef idx="minor">
-            <a:schemeClr val="lt1"/>
-          </a:fontRef>
-        </p:style>
-        <p:txBody>
-          <a:bodyPr rtlCol="0" anchor="ctr"/>
-          <a:lstStyle/>
-          <a:p>
-            <a:pPr algn="ctr"/>
-            <a:r>
-              <a:rPr lang="en-US" sz="1400" dirty="0"/>
-              <a:t>f</a:t>
-            </a:r>
-          </a:p>
-        </p:txBody>
-      </p:sp>
-      <p:sp>
-        <p:nvSpPr>
-          <p:cNvPr id="8" name="Oval 7">
-            <a:extLst>
-              <a:ext uri="{FF2B5EF4-FFF2-40B4-BE49-F238E27FC236}">
-                <a16:creationId xmlns:a16="http://schemas.microsoft.com/office/drawing/2014/main" id="{62AC76EE-51A1-47CE-8FC2-B56FDA8BCE23}"/>
-              </a:ext>
-            </a:extLst>
-          </p:cNvPr>
-          <p:cNvSpPr/>
-          <p:nvPr/>
-        </p:nvSpPr>
-        <p:spPr>
-          <a:xfrm>
-            <a:off x="5276653" y="2843125"/>
-            <a:ext cx="182880" cy="182880"/>
-          </a:xfrm>
-          <a:prstGeom prst="ellipse">
-            <a:avLst/>
-          </a:prstGeom>
-        </p:spPr>
-        <p:style>
-          <a:lnRef idx="2">
-            <a:schemeClr val="dk1">
-              <a:shade val="50000"/>
-            </a:schemeClr>
-          </a:lnRef>
-          <a:fillRef idx="1">
-            <a:schemeClr val="dk1"/>
-          </a:fillRef>
-          <a:effectRef idx="0">
-            <a:schemeClr val="dk1"/>
-          </a:effectRef>
-          <a:fontRef idx="minor">
-            <a:schemeClr val="lt1"/>
-          </a:fontRef>
-        </p:style>
-        <p:txBody>
-          <a:bodyPr rtlCol="0" anchor="ctr"/>
-          <a:lstStyle/>
-          <a:p>
-            <a:pPr algn="ctr"/>
-            <a:r>
-              <a:rPr lang="en-US" sz="1400" dirty="0"/>
-              <a:t>e</a:t>
-            </a:r>
-          </a:p>
-        </p:txBody>
-      </p:sp>
-      <p:sp>
-        <p:nvSpPr>
-          <p:cNvPr id="9" name="Oval 8">
-            <a:extLst>
-              <a:ext uri="{FF2B5EF4-FFF2-40B4-BE49-F238E27FC236}">
-                <a16:creationId xmlns:a16="http://schemas.microsoft.com/office/drawing/2014/main" id="{F9663758-79D3-4635-8E73-1F812E5C6316}"/>
-              </a:ext>
-            </a:extLst>
-          </p:cNvPr>
-          <p:cNvSpPr/>
-          <p:nvPr/>
-        </p:nvSpPr>
-        <p:spPr>
-          <a:xfrm>
-            <a:off x="3640161" y="2837467"/>
-            <a:ext cx="182880" cy="182880"/>
-          </a:xfrm>
-          <a:prstGeom prst="ellipse">
-            <a:avLst/>
-          </a:prstGeom>
-        </p:spPr>
-        <p:style>
-          <a:lnRef idx="2">
-            <a:schemeClr val="dk1">
-              <a:shade val="50000"/>
-            </a:schemeClr>
-          </a:lnRef>
-          <a:fillRef idx="1">
-            <a:schemeClr val="dk1"/>
-          </a:fillRef>
-          <a:effectRef idx="0">
-            <a:schemeClr val="dk1"/>
-          </a:effectRef>
-          <a:fontRef idx="minor">
-            <a:schemeClr val="lt1"/>
-          </a:fontRef>
-        </p:style>
-        <p:txBody>
-          <a:bodyPr rtlCol="0" anchor="ctr"/>
-          <a:lstStyle/>
-          <a:p>
-            <a:pPr algn="ctr"/>
-            <a:r>
-              <a:rPr lang="en-US" sz="1400" dirty="0"/>
-              <a:t>d</a:t>
-            </a:r>
-          </a:p>
-        </p:txBody>
-      </p:sp>
-      <p:sp>
-        <p:nvSpPr>
-          <p:cNvPr id="10" name="TextBox 9">
-            <a:extLst>
-              <a:ext uri="{FF2B5EF4-FFF2-40B4-BE49-F238E27FC236}">
-                <a16:creationId xmlns:a16="http://schemas.microsoft.com/office/drawing/2014/main" id="{51EBA926-1948-4284-A07C-91521CF00956}"/>
-              </a:ext>
-            </a:extLst>
-          </p:cNvPr>
-          <p:cNvSpPr txBox="1"/>
-          <p:nvPr/>
-        </p:nvSpPr>
-        <p:spPr>
-          <a:xfrm rot="16200000">
-            <a:off x="927601" y="2017741"/>
-            <a:ext cx="1300898" cy="338554"/>
-          </a:xfrm>
-          <a:prstGeom prst="rect">
-            <a:avLst/>
-          </a:prstGeom>
-          <a:noFill/>
-        </p:spPr>
-        <p:txBody>
-          <a:bodyPr wrap="square" rtlCol="0">
-            <a:spAutoFit/>
-          </a:bodyPr>
-          <a:lstStyle/>
-          <a:p>
-            <a:pPr algn="ctr"/>
-            <a:r>
-              <a:rPr lang="en-US" sz="1600" dirty="0"/>
-              <a:t>Hiring</a:t>
-            </a:r>
-          </a:p>
-        </p:txBody>
-      </p:sp>
-      <p:sp>
-        <p:nvSpPr>
-          <p:cNvPr id="11" name="TextBox 10">
-            <a:extLst>
-              <a:ext uri="{FF2B5EF4-FFF2-40B4-BE49-F238E27FC236}">
-                <a16:creationId xmlns:a16="http://schemas.microsoft.com/office/drawing/2014/main" id="{43409B2F-DF2B-4758-AC98-FCADB08B2795}"/>
-              </a:ext>
-            </a:extLst>
-          </p:cNvPr>
-          <p:cNvSpPr txBox="1"/>
-          <p:nvPr/>
-        </p:nvSpPr>
-        <p:spPr>
-          <a:xfrm rot="16200000">
-            <a:off x="927602" y="3259723"/>
-            <a:ext cx="1300898" cy="338554"/>
-          </a:xfrm>
-          <a:prstGeom prst="rect">
-            <a:avLst/>
-          </a:prstGeom>
-          <a:noFill/>
-        </p:spPr>
-        <p:txBody>
-          <a:bodyPr wrap="square" rtlCol="0">
-            <a:spAutoFit/>
-          </a:bodyPr>
-          <a:lstStyle/>
-          <a:p>
-            <a:pPr algn="ctr"/>
-            <a:r>
-              <a:rPr lang="en-US" sz="1600" dirty="0"/>
-              <a:t>Movies</a:t>
-            </a:r>
-          </a:p>
-        </p:txBody>
-      </p:sp>
-      <p:sp>
-        <p:nvSpPr>
-          <p:cNvPr id="12" name="TextBox 11">
-            <a:extLst>
-              <a:ext uri="{FF2B5EF4-FFF2-40B4-BE49-F238E27FC236}">
-                <a16:creationId xmlns:a16="http://schemas.microsoft.com/office/drawing/2014/main" id="{40D2E83F-1463-441D-96BC-E54C7882B8E8}"/>
-              </a:ext>
-            </a:extLst>
-          </p:cNvPr>
-          <p:cNvSpPr txBox="1"/>
-          <p:nvPr/>
-        </p:nvSpPr>
-        <p:spPr>
-          <a:xfrm>
-            <a:off x="2210036" y="922364"/>
-            <a:ext cx="1708053" cy="523220"/>
-          </a:xfrm>
-          <a:prstGeom prst="rect">
-            <a:avLst/>
-          </a:prstGeom>
-          <a:noFill/>
-        </p:spPr>
-        <p:txBody>
-          <a:bodyPr wrap="square" rtlCol="0">
-            <a:spAutoFit/>
-          </a:bodyPr>
-          <a:lstStyle/>
-          <a:p>
-            <a:pPr algn="ctr"/>
-            <a:r>
-              <a:rPr lang="en-US" sz="1400" dirty="0"/>
-              <a:t>How useful were the recommendations?</a:t>
-            </a:r>
-          </a:p>
-        </p:txBody>
-      </p:sp>
-      <p:sp>
-        <p:nvSpPr>
-          <p:cNvPr id="13" name="TextBox 12">
-            <a:extLst>
-              <a:ext uri="{FF2B5EF4-FFF2-40B4-BE49-F238E27FC236}">
-                <a16:creationId xmlns:a16="http://schemas.microsoft.com/office/drawing/2014/main" id="{B0B7B688-F6BA-417B-9E89-100A27C9FEAC}"/>
-              </a:ext>
-            </a:extLst>
-          </p:cNvPr>
-          <p:cNvSpPr txBox="1"/>
-          <p:nvPr/>
-        </p:nvSpPr>
-        <p:spPr>
-          <a:xfrm>
-            <a:off x="3832391" y="773394"/>
-            <a:ext cx="1708053" cy="738664"/>
-          </a:xfrm>
-          <a:prstGeom prst="rect">
-            <a:avLst/>
-          </a:prstGeom>
-          <a:noFill/>
-        </p:spPr>
-        <p:txBody>
-          <a:bodyPr wrap="square" rtlCol="0">
-            <a:spAutoFit/>
-          </a:bodyPr>
-          <a:lstStyle/>
-          <a:p>
-            <a:pPr algn="ctr"/>
-            <a:r>
-              <a:rPr lang="en-US" sz="1400" dirty="0"/>
-              <a:t>How often did the recommendations affect your decision?</a:t>
-            </a:r>
-          </a:p>
-        </p:txBody>
-      </p:sp>
-      <p:sp>
-        <p:nvSpPr>
-          <p:cNvPr id="14" name="TextBox 13">
-            <a:extLst>
-              <a:ext uri="{FF2B5EF4-FFF2-40B4-BE49-F238E27FC236}">
-                <a16:creationId xmlns:a16="http://schemas.microsoft.com/office/drawing/2014/main" id="{4C9F61B2-811F-4711-A1BE-D7E2EA78C22A}"/>
-              </a:ext>
-            </a:extLst>
-          </p:cNvPr>
-          <p:cNvSpPr txBox="1"/>
-          <p:nvPr/>
-        </p:nvSpPr>
-        <p:spPr>
-          <a:xfrm>
-            <a:off x="5540444" y="922364"/>
-            <a:ext cx="1548355" cy="523220"/>
-          </a:xfrm>
-          <a:prstGeom prst="rect">
-            <a:avLst/>
-          </a:prstGeom>
-          <a:noFill/>
-        </p:spPr>
-        <p:txBody>
-          <a:bodyPr wrap="square" rtlCol="0">
-            <a:spAutoFit/>
-          </a:bodyPr>
-          <a:lstStyle/>
-          <a:p>
-            <a:pPr algn="ctr"/>
-            <a:r>
-              <a:rPr lang="en-US" sz="1400" dirty="0"/>
-              <a:t>How useful were the reviews?</a:t>
-            </a:r>
-          </a:p>
-        </p:txBody>
-      </p:sp>
-      <p:sp>
-        <p:nvSpPr>
-          <p:cNvPr id="15" name="TextBox 14">
-            <a:extLst>
-              <a:ext uri="{FF2B5EF4-FFF2-40B4-BE49-F238E27FC236}">
-                <a16:creationId xmlns:a16="http://schemas.microsoft.com/office/drawing/2014/main" id="{F0D1A989-ED8D-41D8-9080-89802F30190C}"/>
-              </a:ext>
-            </a:extLst>
-          </p:cNvPr>
-          <p:cNvSpPr txBox="1"/>
-          <p:nvPr/>
-        </p:nvSpPr>
-        <p:spPr>
-          <a:xfrm>
-            <a:off x="915916" y="1074904"/>
+            <a:off x="455098" y="517038"/>
             <a:ext cx="1162327" cy="461665"/>
           </a:xfrm>
           <a:prstGeom prst="rect">
@@ -4567,6 +4591,836 @@
     <p:extLst>
       <p:ext uri="{BB962C8B-B14F-4D97-AF65-F5344CB8AC3E}">
         <p14:creationId xmlns:p14="http://schemas.microsoft.com/office/powerpoint/2010/main" val="2065492231"/>
+      </p:ext>
+    </p:extLst>
+  </p:cSld>
+  <p:clrMapOvr>
+    <a:masterClrMapping/>
+  </p:clrMapOvr>
+</p:sld>
+</file>
+
+<file path=ppt/slides/slide5.xml><?xml version="1.0" encoding="utf-8"?>
+<p:sld xmlns:a="http://schemas.openxmlformats.org/drawingml/2006/main" xmlns:r="http://schemas.openxmlformats.org/officeDocument/2006/relationships" xmlns:p="http://schemas.openxmlformats.org/presentationml/2006/main">
+  <p:cSld>
+    <p:spTree>
+      <p:nvGrpSpPr>
+        <p:cNvPr id="1" name=""/>
+        <p:cNvGrpSpPr/>
+        <p:nvPr/>
+      </p:nvGrpSpPr>
+      <p:grpSpPr>
+        <a:xfrm>
+          <a:off x="0" y="0"/>
+          <a:ext cx="0" cy="0"/>
+          <a:chOff x="0" y="0"/>
+          <a:chExt cx="0" cy="0"/>
+        </a:xfrm>
+      </p:grpSpPr>
+      <p:grpSp>
+        <p:nvGrpSpPr>
+          <p:cNvPr id="76" name="Group 75">
+            <a:extLst>
+              <a:ext uri="{FF2B5EF4-FFF2-40B4-BE49-F238E27FC236}">
+                <a16:creationId xmlns:a16="http://schemas.microsoft.com/office/drawing/2014/main" id="{8DB99AF4-0740-4704-9674-350E2A773135}"/>
+              </a:ext>
+            </a:extLst>
+          </p:cNvPr>
+          <p:cNvGrpSpPr/>
+          <p:nvPr/>
+        </p:nvGrpSpPr>
+        <p:grpSpPr>
+          <a:xfrm>
+            <a:off x="2126896" y="1049864"/>
+            <a:ext cx="6001107" cy="3911603"/>
+            <a:chOff x="2126896" y="1049864"/>
+            <a:chExt cx="6001107" cy="3911603"/>
+          </a:xfrm>
+        </p:grpSpPr>
+        <p:pic>
+          <p:nvPicPr>
+            <p:cNvPr id="64" name="Picture 63">
+              <a:extLst>
+                <a:ext uri="{FF2B5EF4-FFF2-40B4-BE49-F238E27FC236}">
+                  <a16:creationId xmlns:a16="http://schemas.microsoft.com/office/drawing/2014/main" id="{DFC694FA-BF56-45FA-8F8B-A46266D480FA}"/>
+                </a:ext>
+              </a:extLst>
+            </p:cNvPr>
+            <p:cNvPicPr>
+              <a:picLocks noChangeAspect="1"/>
+            </p:cNvPicPr>
+            <p:nvPr/>
+          </p:nvPicPr>
+          <p:blipFill rotWithShape="1">
+            <a:blip r:embed="rId2"/>
+            <a:srcRect r="59842"/>
+            <a:stretch/>
+          </p:blipFill>
+          <p:spPr>
+            <a:xfrm>
+              <a:off x="2126896" y="1049866"/>
+              <a:ext cx="2487437" cy="3676207"/>
+            </a:xfrm>
+            <a:prstGeom prst="rect">
+              <a:avLst/>
+            </a:prstGeom>
+          </p:spPr>
+        </p:pic>
+        <p:pic>
+          <p:nvPicPr>
+            <p:cNvPr id="65" name="Picture 64">
+              <a:extLst>
+                <a:ext uri="{FF2B5EF4-FFF2-40B4-BE49-F238E27FC236}">
+                  <a16:creationId xmlns:a16="http://schemas.microsoft.com/office/drawing/2014/main" id="{E35E9534-216E-411C-8E9B-DB2BB1BAEDF4}"/>
+                </a:ext>
+              </a:extLst>
+            </p:cNvPr>
+            <p:cNvPicPr>
+              <a:picLocks noChangeAspect="1"/>
+            </p:cNvPicPr>
+            <p:nvPr/>
+          </p:nvPicPr>
+          <p:blipFill rotWithShape="1">
+            <a:blip r:embed="rId2"/>
+            <a:srcRect l="40295" r="33187"/>
+            <a:stretch/>
+          </p:blipFill>
+          <p:spPr>
+            <a:xfrm>
+              <a:off x="6485468" y="1049864"/>
+              <a:ext cx="1642535" cy="3676207"/>
+            </a:xfrm>
+            <a:prstGeom prst="rect">
+              <a:avLst/>
+            </a:prstGeom>
+          </p:spPr>
+        </p:pic>
+        <p:pic>
+          <p:nvPicPr>
+            <p:cNvPr id="66" name="Picture 65">
+              <a:extLst>
+                <a:ext uri="{FF2B5EF4-FFF2-40B4-BE49-F238E27FC236}">
+                  <a16:creationId xmlns:a16="http://schemas.microsoft.com/office/drawing/2014/main" id="{25EE739B-C04B-4944-AD5C-CFC2D2BCB061}"/>
+                </a:ext>
+              </a:extLst>
+            </p:cNvPr>
+            <p:cNvPicPr>
+              <a:picLocks noChangeAspect="1"/>
+            </p:cNvPicPr>
+            <p:nvPr/>
+          </p:nvPicPr>
+          <p:blipFill rotWithShape="1">
+            <a:blip r:embed="rId2"/>
+            <a:srcRect l="66540" r="6943"/>
+            <a:stretch/>
+          </p:blipFill>
+          <p:spPr>
+            <a:xfrm>
+              <a:off x="4614333" y="1049865"/>
+              <a:ext cx="1642535" cy="3676207"/>
+            </a:xfrm>
+            <a:prstGeom prst="rect">
+              <a:avLst/>
+            </a:prstGeom>
+          </p:spPr>
+        </p:pic>
+        <p:cxnSp>
+          <p:nvCxnSpPr>
+            <p:cNvPr id="68" name="Straight Connector 67">
+              <a:extLst>
+                <a:ext uri="{FF2B5EF4-FFF2-40B4-BE49-F238E27FC236}">
+                  <a16:creationId xmlns:a16="http://schemas.microsoft.com/office/drawing/2014/main" id="{53CE7518-7C1B-4FE0-9E9A-7A3FA73748DB}"/>
+                </a:ext>
+              </a:extLst>
+            </p:cNvPr>
+            <p:cNvCxnSpPr>
+              <a:cxnSpLocks/>
+            </p:cNvCxnSpPr>
+            <p:nvPr/>
+          </p:nvCxnSpPr>
+          <p:spPr>
+            <a:xfrm>
+              <a:off x="6350001" y="1126067"/>
+              <a:ext cx="0" cy="3835400"/>
+            </a:xfrm>
+            <a:prstGeom prst="line">
+              <a:avLst/>
+            </a:prstGeom>
+            <a:ln w="19050">
+              <a:solidFill>
+                <a:schemeClr val="bg2"/>
+              </a:solidFill>
+            </a:ln>
+          </p:spPr>
+          <p:style>
+            <a:lnRef idx="1">
+              <a:schemeClr val="accent1"/>
+            </a:lnRef>
+            <a:fillRef idx="0">
+              <a:schemeClr val="accent1"/>
+            </a:fillRef>
+            <a:effectRef idx="0">
+              <a:schemeClr val="accent1"/>
+            </a:effectRef>
+            <a:fontRef idx="minor">
+              <a:schemeClr val="tx1"/>
+            </a:fontRef>
+          </p:style>
+        </p:cxnSp>
+        <p:sp>
+          <p:nvSpPr>
+            <p:cNvPr id="71" name="TextBox 70">
+              <a:extLst>
+                <a:ext uri="{FF2B5EF4-FFF2-40B4-BE49-F238E27FC236}">
+                  <a16:creationId xmlns:a16="http://schemas.microsoft.com/office/drawing/2014/main" id="{E37E6F8E-93D6-45AB-B8FB-2DE63E3013C8}"/>
+                </a:ext>
+              </a:extLst>
+            </p:cNvPr>
+            <p:cNvSpPr txBox="1"/>
+            <p:nvPr/>
+          </p:nvSpPr>
+          <p:spPr>
+            <a:xfrm>
+              <a:off x="3316818" y="4606905"/>
+              <a:ext cx="2595029" cy="276999"/>
+            </a:xfrm>
+            <a:prstGeom prst="rect">
+              <a:avLst/>
+            </a:prstGeom>
+            <a:noFill/>
+            <a:ln w="19050" cap="rnd">
+              <a:solidFill>
+                <a:schemeClr val="bg2">
+                  <a:lumMod val="90000"/>
+                </a:schemeClr>
+              </a:solidFill>
+            </a:ln>
+          </p:spPr>
+          <p:txBody>
+            <a:bodyPr wrap="square" rtlCol="0">
+              <a:spAutoFit/>
+            </a:bodyPr>
+            <a:lstStyle/>
+            <a:p>
+              <a:r>
+                <a:rPr lang="en-US" sz="1200" dirty="0"/>
+                <a:t>  1 – Not at all useful     5 – Very useful </a:t>
+              </a:r>
+            </a:p>
+          </p:txBody>
+        </p:sp>
+        <p:sp>
+          <p:nvSpPr>
+            <p:cNvPr id="72" name="TextBox 71">
+              <a:extLst>
+                <a:ext uri="{FF2B5EF4-FFF2-40B4-BE49-F238E27FC236}">
+                  <a16:creationId xmlns:a16="http://schemas.microsoft.com/office/drawing/2014/main" id="{A81DEA4E-AE07-4657-BBD6-7C5BA2112794}"/>
+                </a:ext>
+              </a:extLst>
+            </p:cNvPr>
+            <p:cNvSpPr txBox="1"/>
+            <p:nvPr/>
+          </p:nvSpPr>
+          <p:spPr>
+            <a:xfrm>
+              <a:off x="6485468" y="4606905"/>
+              <a:ext cx="1642534" cy="276999"/>
+            </a:xfrm>
+            <a:prstGeom prst="rect">
+              <a:avLst/>
+            </a:prstGeom>
+            <a:noFill/>
+            <a:ln w="19050" cap="rnd">
+              <a:solidFill>
+                <a:schemeClr val="bg2">
+                  <a:lumMod val="90000"/>
+                </a:schemeClr>
+              </a:solidFill>
+            </a:ln>
+          </p:spPr>
+          <p:txBody>
+            <a:bodyPr wrap="square" rtlCol="0">
+              <a:spAutoFit/>
+            </a:bodyPr>
+            <a:lstStyle/>
+            <a:p>
+              <a:pPr algn="ctr"/>
+              <a:r>
+                <a:rPr lang="en-US" sz="1200" dirty="0"/>
+                <a:t>1 – Never     5 – Always</a:t>
+              </a:r>
+            </a:p>
+          </p:txBody>
+        </p:sp>
+      </p:grpSp>
+    </p:spTree>
+    <p:extLst>
+      <p:ext uri="{BB962C8B-B14F-4D97-AF65-F5344CB8AC3E}">
+        <p14:creationId xmlns:p14="http://schemas.microsoft.com/office/powerpoint/2010/main" val="920267960"/>
+      </p:ext>
+    </p:extLst>
+  </p:cSld>
+  <p:clrMapOvr>
+    <a:masterClrMapping/>
+  </p:clrMapOvr>
+</p:sld>
+</file>
+
+<file path=ppt/slides/slide6.xml><?xml version="1.0" encoding="utf-8"?>
+<p:sld xmlns:a="http://schemas.openxmlformats.org/drawingml/2006/main" xmlns:r="http://schemas.openxmlformats.org/officeDocument/2006/relationships" xmlns:p="http://schemas.openxmlformats.org/presentationml/2006/main">
+  <p:cSld>
+    <p:spTree>
+      <p:nvGrpSpPr>
+        <p:cNvPr id="1" name=""/>
+        <p:cNvGrpSpPr/>
+        <p:nvPr/>
+      </p:nvGrpSpPr>
+      <p:grpSpPr>
+        <a:xfrm>
+          <a:off x="0" y="0"/>
+          <a:ext cx="0" cy="0"/>
+          <a:chOff x="0" y="0"/>
+          <a:chExt cx="0" cy="0"/>
+        </a:xfrm>
+      </p:grpSpPr>
+      <p:pic>
+        <p:nvPicPr>
+          <p:cNvPr id="3" name="Picture 2" descr="A picture containing graphical user interface&#10;&#10;Description automatically generated">
+            <a:extLst>
+              <a:ext uri="{FF2B5EF4-FFF2-40B4-BE49-F238E27FC236}">
+                <a16:creationId xmlns:a16="http://schemas.microsoft.com/office/drawing/2014/main" id="{CD43C183-2464-41B7-BDA0-36B2F336203D}"/>
+              </a:ext>
+            </a:extLst>
+          </p:cNvPr>
+          <p:cNvPicPr>
+            <a:picLocks noChangeAspect="1"/>
+          </p:cNvPicPr>
+          <p:nvPr/>
+        </p:nvPicPr>
+        <p:blipFill rotWithShape="1">
+          <a:blip r:embed="rId2">
+            <a:extLst>
+              <a:ext uri="{28A0092B-C50C-407E-A947-70E740481C1C}">
+                <a14:useLocalDpi xmlns:a14="http://schemas.microsoft.com/office/drawing/2010/main" val="0"/>
+              </a:ext>
+            </a:extLst>
+          </a:blip>
+          <a:srcRect l="53966" t="5551" r="8953" b="8028"/>
+          <a:stretch/>
+        </p:blipFill>
+        <p:spPr>
+          <a:xfrm>
+            <a:off x="1162172" y="3619893"/>
+            <a:ext cx="2211964" cy="2577625"/>
+          </a:xfrm>
+          <a:prstGeom prst="rect">
+            <a:avLst/>
+          </a:prstGeom>
+        </p:spPr>
+      </p:pic>
+      <p:pic>
+        <p:nvPicPr>
+          <p:cNvPr id="6" name="Picture 5" descr="A picture containing graphical user interface&#10;&#10;Description automatically generated">
+            <a:extLst>
+              <a:ext uri="{FF2B5EF4-FFF2-40B4-BE49-F238E27FC236}">
+                <a16:creationId xmlns:a16="http://schemas.microsoft.com/office/drawing/2014/main" id="{7443D16B-0FAD-4640-B135-4160EB9F0872}"/>
+              </a:ext>
+            </a:extLst>
+          </p:cNvPr>
+          <p:cNvPicPr>
+            <a:picLocks noChangeAspect="1"/>
+          </p:cNvPicPr>
+          <p:nvPr/>
+        </p:nvPicPr>
+        <p:blipFill rotWithShape="1">
+          <a:blip r:embed="rId2">
+            <a:extLst>
+              <a:ext uri="{28A0092B-C50C-407E-A947-70E740481C1C}">
+                <a14:useLocalDpi xmlns:a14="http://schemas.microsoft.com/office/drawing/2010/main" val="0"/>
+              </a:ext>
+            </a:extLst>
+          </a:blip>
+          <a:srcRect l="9388" t="6901" r="51289" b="11424"/>
+          <a:stretch/>
+        </p:blipFill>
+        <p:spPr>
+          <a:xfrm>
+            <a:off x="1028436" y="1183848"/>
+            <a:ext cx="2345700" cy="2436045"/>
+          </a:xfrm>
+          <a:prstGeom prst="rect">
+            <a:avLst/>
+          </a:prstGeom>
+        </p:spPr>
+      </p:pic>
+      <p:pic>
+        <p:nvPicPr>
+          <p:cNvPr id="8" name="Picture 7" descr="A picture containing graphical user interface&#10;&#10;Description automatically generated">
+            <a:extLst>
+              <a:ext uri="{FF2B5EF4-FFF2-40B4-BE49-F238E27FC236}">
+                <a16:creationId xmlns:a16="http://schemas.microsoft.com/office/drawing/2014/main" id="{099E8B50-9393-457E-A16B-00FE03A26675}"/>
+              </a:ext>
+            </a:extLst>
+          </p:cNvPr>
+          <p:cNvPicPr>
+            <a:picLocks noChangeAspect="1"/>
+          </p:cNvPicPr>
+          <p:nvPr/>
+        </p:nvPicPr>
+        <p:blipFill rotWithShape="1">
+          <a:blip r:embed="rId2">
+            <a:extLst>
+              <a:ext uri="{28A0092B-C50C-407E-A947-70E740481C1C}">
+                <a14:useLocalDpi xmlns:a14="http://schemas.microsoft.com/office/drawing/2010/main" val="0"/>
+              </a:ext>
+            </a:extLst>
+          </a:blip>
+          <a:srcRect l="9388" t="8278" r="87840" b="11424"/>
+          <a:stretch/>
+        </p:blipFill>
+        <p:spPr>
+          <a:xfrm>
+            <a:off x="1028436" y="3711210"/>
+            <a:ext cx="165364" cy="2394989"/>
+          </a:xfrm>
+          <a:prstGeom prst="rect">
+            <a:avLst/>
+          </a:prstGeom>
+        </p:spPr>
+      </p:pic>
+      <p:sp>
+        <p:nvSpPr>
+          <p:cNvPr id="9" name="TextBox 8">
+            <a:extLst>
+              <a:ext uri="{FF2B5EF4-FFF2-40B4-BE49-F238E27FC236}">
+                <a16:creationId xmlns:a16="http://schemas.microsoft.com/office/drawing/2014/main" id="{6B4B378E-5C5B-4BDA-90BD-C320D3378031}"/>
+              </a:ext>
+            </a:extLst>
+          </p:cNvPr>
+          <p:cNvSpPr txBox="1"/>
+          <p:nvPr/>
+        </p:nvSpPr>
+        <p:spPr>
+          <a:xfrm>
+            <a:off x="1211420" y="722183"/>
+            <a:ext cx="2113468" cy="461665"/>
+          </a:xfrm>
+          <a:prstGeom prst="rect">
+            <a:avLst/>
+          </a:prstGeom>
+          <a:noFill/>
+        </p:spPr>
+        <p:txBody>
+          <a:bodyPr wrap="square" rtlCol="0">
+            <a:spAutoFit/>
+          </a:bodyPr>
+          <a:lstStyle/>
+          <a:p>
+            <a:pPr algn="ctr"/>
+            <a:r>
+              <a:rPr lang="en-US" sz="1200" dirty="0"/>
+              <a:t>% of Participants Requesting</a:t>
+            </a:r>
+          </a:p>
+          <a:p>
+            <a:pPr algn="ctr"/>
+            <a:r>
+              <a:rPr lang="en-US" sz="1200" dirty="0"/>
+              <a:t>Recommendation by Round</a:t>
+            </a:r>
+          </a:p>
+        </p:txBody>
+      </p:sp>
+      <p:pic>
+        <p:nvPicPr>
+          <p:cNvPr id="5" name="Picture 4" descr="Chart&#10;&#10;Description automatically generated">
+            <a:extLst>
+              <a:ext uri="{FF2B5EF4-FFF2-40B4-BE49-F238E27FC236}">
+                <a16:creationId xmlns:a16="http://schemas.microsoft.com/office/drawing/2014/main" id="{9109AA51-38B8-45B9-A65C-0C837643AE79}"/>
+              </a:ext>
+            </a:extLst>
+          </p:cNvPr>
+          <p:cNvPicPr>
+            <a:picLocks noChangeAspect="1"/>
+          </p:cNvPicPr>
+          <p:nvPr/>
+        </p:nvPicPr>
+        <p:blipFill rotWithShape="1">
+          <a:blip r:embed="rId3">
+            <a:extLst>
+              <a:ext uri="{28A0092B-C50C-407E-A947-70E740481C1C}">
+                <a14:useLocalDpi xmlns:a14="http://schemas.microsoft.com/office/drawing/2010/main" val="0"/>
+              </a:ext>
+            </a:extLst>
+          </a:blip>
+          <a:srcRect l="9302" t="7441" r="51449" b="11038"/>
+          <a:stretch/>
+        </p:blipFill>
+        <p:spPr>
+          <a:xfrm>
+            <a:off x="4317572" y="1183849"/>
+            <a:ext cx="2345701" cy="2436042"/>
+          </a:xfrm>
+          <a:prstGeom prst="rect">
+            <a:avLst/>
+          </a:prstGeom>
+        </p:spPr>
+      </p:pic>
+      <p:pic>
+        <p:nvPicPr>
+          <p:cNvPr id="22" name="Picture 21" descr="Chart&#10;&#10;Description automatically generated">
+            <a:extLst>
+              <a:ext uri="{FF2B5EF4-FFF2-40B4-BE49-F238E27FC236}">
+                <a16:creationId xmlns:a16="http://schemas.microsoft.com/office/drawing/2014/main" id="{9930E659-9E45-4949-906B-FBE565E1F116}"/>
+              </a:ext>
+            </a:extLst>
+          </p:cNvPr>
+          <p:cNvPicPr>
+            <a:picLocks noChangeAspect="1"/>
+          </p:cNvPicPr>
+          <p:nvPr/>
+        </p:nvPicPr>
+        <p:blipFill rotWithShape="1">
+          <a:blip r:embed="rId3">
+            <a:extLst>
+              <a:ext uri="{28A0092B-C50C-407E-A947-70E740481C1C}">
+                <a14:useLocalDpi xmlns:a14="http://schemas.microsoft.com/office/drawing/2010/main" val="0"/>
+              </a:ext>
+            </a:extLst>
+          </a:blip>
+          <a:srcRect l="53830" t="5541" r="9158" b="8199"/>
+          <a:stretch/>
+        </p:blipFill>
+        <p:spPr>
+          <a:xfrm>
+            <a:off x="4451309" y="3619893"/>
+            <a:ext cx="2211964" cy="2577626"/>
+          </a:xfrm>
+          <a:prstGeom prst="rect">
+            <a:avLst/>
+          </a:prstGeom>
+        </p:spPr>
+      </p:pic>
+      <p:pic>
+        <p:nvPicPr>
+          <p:cNvPr id="24" name="Picture 23" descr="A picture containing graphical user interface&#10;&#10;Description automatically generated">
+            <a:extLst>
+              <a:ext uri="{FF2B5EF4-FFF2-40B4-BE49-F238E27FC236}">
+                <a16:creationId xmlns:a16="http://schemas.microsoft.com/office/drawing/2014/main" id="{29A0470D-6EF1-4D18-A096-070C0182199A}"/>
+              </a:ext>
+            </a:extLst>
+          </p:cNvPr>
+          <p:cNvPicPr>
+            <a:picLocks noChangeAspect="1"/>
+          </p:cNvPicPr>
+          <p:nvPr/>
+        </p:nvPicPr>
+        <p:blipFill rotWithShape="1">
+          <a:blip r:embed="rId2">
+            <a:extLst>
+              <a:ext uri="{28A0092B-C50C-407E-A947-70E740481C1C}">
+                <a14:useLocalDpi xmlns:a14="http://schemas.microsoft.com/office/drawing/2010/main" val="0"/>
+              </a:ext>
+            </a:extLst>
+          </a:blip>
+          <a:srcRect l="9388" t="8278" r="87840" b="11424"/>
+          <a:stretch/>
+        </p:blipFill>
+        <p:spPr>
+          <a:xfrm>
+            <a:off x="4317572" y="3711210"/>
+            <a:ext cx="165364" cy="2394989"/>
+          </a:xfrm>
+          <a:prstGeom prst="rect">
+            <a:avLst/>
+          </a:prstGeom>
+        </p:spPr>
+      </p:pic>
+      <p:sp>
+        <p:nvSpPr>
+          <p:cNvPr id="25" name="TextBox 24">
+            <a:extLst>
+              <a:ext uri="{FF2B5EF4-FFF2-40B4-BE49-F238E27FC236}">
+                <a16:creationId xmlns:a16="http://schemas.microsoft.com/office/drawing/2014/main" id="{17118F67-E1D8-47ED-8646-8029CFC019CE}"/>
+              </a:ext>
+            </a:extLst>
+          </p:cNvPr>
+          <p:cNvSpPr txBox="1"/>
+          <p:nvPr/>
+        </p:nvSpPr>
+        <p:spPr>
+          <a:xfrm>
+            <a:off x="4500557" y="722183"/>
+            <a:ext cx="2113468" cy="461665"/>
+          </a:xfrm>
+          <a:prstGeom prst="rect">
+            <a:avLst/>
+          </a:prstGeom>
+          <a:noFill/>
+        </p:spPr>
+        <p:txBody>
+          <a:bodyPr wrap="square" rtlCol="0">
+            <a:spAutoFit/>
+          </a:bodyPr>
+          <a:lstStyle/>
+          <a:p>
+            <a:pPr algn="ctr"/>
+            <a:r>
+              <a:rPr lang="en-US" sz="1200" dirty="0"/>
+              <a:t>% of Participants Matching</a:t>
+            </a:r>
+          </a:p>
+          <a:p>
+            <a:pPr algn="ctr"/>
+            <a:r>
+              <a:rPr lang="en-US" sz="1200" dirty="0"/>
+              <a:t>AI Selection by Round</a:t>
+            </a:r>
+          </a:p>
+        </p:txBody>
+      </p:sp>
+    </p:spTree>
+    <p:extLst>
+      <p:ext uri="{BB962C8B-B14F-4D97-AF65-F5344CB8AC3E}">
+        <p14:creationId xmlns:p14="http://schemas.microsoft.com/office/powerpoint/2010/main" val="355025388"/>
+      </p:ext>
+    </p:extLst>
+  </p:cSld>
+  <p:clrMapOvr>
+    <a:masterClrMapping/>
+  </p:clrMapOvr>
+</p:sld>
+</file>
+
+<file path=ppt/slides/slide7.xml><?xml version="1.0" encoding="utf-8"?>
+<p:sld xmlns:a="http://schemas.openxmlformats.org/drawingml/2006/main" xmlns:r="http://schemas.openxmlformats.org/officeDocument/2006/relationships" xmlns:p="http://schemas.openxmlformats.org/presentationml/2006/main">
+  <p:cSld>
+    <p:spTree>
+      <p:nvGrpSpPr>
+        <p:cNvPr id="1" name=""/>
+        <p:cNvGrpSpPr/>
+        <p:nvPr/>
+      </p:nvGrpSpPr>
+      <p:grpSpPr>
+        <a:xfrm>
+          <a:off x="0" y="0"/>
+          <a:ext cx="0" cy="0"/>
+          <a:chOff x="0" y="0"/>
+          <a:chExt cx="0" cy="0"/>
+        </a:xfrm>
+      </p:grpSpPr>
+      <p:pic>
+        <p:nvPicPr>
+          <p:cNvPr id="9" name="Picture 8">
+            <a:extLst>
+              <a:ext uri="{FF2B5EF4-FFF2-40B4-BE49-F238E27FC236}">
+                <a16:creationId xmlns:a16="http://schemas.microsoft.com/office/drawing/2014/main" id="{1E7FF46F-DC19-4434-A656-8932ED9194C1}"/>
+              </a:ext>
+            </a:extLst>
+          </p:cNvPr>
+          <p:cNvPicPr>
+            <a:picLocks noChangeAspect="1"/>
+          </p:cNvPicPr>
+          <p:nvPr/>
+        </p:nvPicPr>
+        <p:blipFill>
+          <a:blip r:embed="rId2"/>
+          <a:stretch>
+            <a:fillRect/>
+          </a:stretch>
+        </p:blipFill>
+        <p:spPr>
+          <a:xfrm>
+            <a:off x="534056" y="302915"/>
+            <a:ext cx="2347163" cy="5480779"/>
+          </a:xfrm>
+          <a:prstGeom prst="rect">
+            <a:avLst/>
+          </a:prstGeom>
+        </p:spPr>
+      </p:pic>
+      <p:pic>
+        <p:nvPicPr>
+          <p:cNvPr id="20" name="Picture 19">
+            <a:extLst>
+              <a:ext uri="{FF2B5EF4-FFF2-40B4-BE49-F238E27FC236}">
+                <a16:creationId xmlns:a16="http://schemas.microsoft.com/office/drawing/2014/main" id="{E6FE5D62-47E0-41D2-BD07-25A78C9D4D2E}"/>
+              </a:ext>
+            </a:extLst>
+          </p:cNvPr>
+          <p:cNvPicPr>
+            <a:picLocks noChangeAspect="1"/>
+          </p:cNvPicPr>
+          <p:nvPr/>
+        </p:nvPicPr>
+        <p:blipFill rotWithShape="1">
+          <a:blip r:embed="rId3"/>
+          <a:srcRect l="6385"/>
+          <a:stretch/>
+        </p:blipFill>
+        <p:spPr>
+          <a:xfrm>
+            <a:off x="3031067" y="302914"/>
+            <a:ext cx="2197315" cy="5480779"/>
+          </a:xfrm>
+          <a:prstGeom prst="rect">
+            <a:avLst/>
+          </a:prstGeom>
+        </p:spPr>
+      </p:pic>
+      <p:grpSp>
+        <p:nvGrpSpPr>
+          <p:cNvPr id="30" name="Group 29">
+            <a:extLst>
+              <a:ext uri="{FF2B5EF4-FFF2-40B4-BE49-F238E27FC236}">
+                <a16:creationId xmlns:a16="http://schemas.microsoft.com/office/drawing/2014/main" id="{C64439AA-0075-44D8-B8EE-6A2ABE869AA0}"/>
+              </a:ext>
+            </a:extLst>
+          </p:cNvPr>
+          <p:cNvGrpSpPr/>
+          <p:nvPr/>
+        </p:nvGrpSpPr>
+        <p:grpSpPr>
+          <a:xfrm>
+            <a:off x="6559769" y="302913"/>
+            <a:ext cx="4694327" cy="5480779"/>
+            <a:chOff x="6559769" y="302913"/>
+            <a:chExt cx="4694327" cy="5480779"/>
+          </a:xfrm>
+        </p:grpSpPr>
+        <p:pic>
+          <p:nvPicPr>
+            <p:cNvPr id="25" name="Picture 24">
+              <a:extLst>
+                <a:ext uri="{FF2B5EF4-FFF2-40B4-BE49-F238E27FC236}">
+                  <a16:creationId xmlns:a16="http://schemas.microsoft.com/office/drawing/2014/main" id="{0B6B6586-5BB7-4055-97B2-D1ED3A03D2CB}"/>
+                </a:ext>
+              </a:extLst>
+            </p:cNvPr>
+            <p:cNvPicPr>
+              <a:picLocks noChangeAspect="1"/>
+            </p:cNvPicPr>
+            <p:nvPr/>
+          </p:nvPicPr>
+          <p:blipFill>
+            <a:blip r:embed="rId4"/>
+            <a:stretch>
+              <a:fillRect/>
+            </a:stretch>
+          </p:blipFill>
+          <p:spPr>
+            <a:xfrm>
+              <a:off x="6559769" y="302913"/>
+              <a:ext cx="4694327" cy="5480779"/>
+            </a:xfrm>
+            <a:prstGeom prst="rect">
+              <a:avLst/>
+            </a:prstGeom>
+          </p:spPr>
+        </p:pic>
+        <p:sp>
+          <p:nvSpPr>
+            <p:cNvPr id="28" name="Oval 27">
+              <a:extLst>
+                <a:ext uri="{FF2B5EF4-FFF2-40B4-BE49-F238E27FC236}">
+                  <a16:creationId xmlns:a16="http://schemas.microsoft.com/office/drawing/2014/main" id="{6DF51DAB-64C7-4FE1-8A3D-CF55F1600994}"/>
+                </a:ext>
+              </a:extLst>
+            </p:cNvPr>
+            <p:cNvSpPr/>
+            <p:nvPr/>
+          </p:nvSpPr>
+          <p:spPr>
+            <a:xfrm>
+              <a:off x="6591738" y="577250"/>
+              <a:ext cx="228600" cy="228600"/>
+            </a:xfrm>
+            <a:prstGeom prst="ellipse">
+              <a:avLst/>
+            </a:prstGeom>
+          </p:spPr>
+          <p:style>
+            <a:lnRef idx="2">
+              <a:schemeClr val="dk1">
+                <a:shade val="50000"/>
+              </a:schemeClr>
+            </a:lnRef>
+            <a:fillRef idx="1">
+              <a:schemeClr val="dk1"/>
+            </a:fillRef>
+            <a:effectRef idx="0">
+              <a:schemeClr val="dk1"/>
+            </a:effectRef>
+            <a:fontRef idx="minor">
+              <a:schemeClr val="lt1"/>
+            </a:fontRef>
+          </p:style>
+          <p:txBody>
+            <a:bodyPr rtlCol="0" anchor="ctr"/>
+            <a:lstStyle/>
+            <a:p>
+              <a:pPr algn="ctr"/>
+              <a:r>
+                <a:rPr lang="en-US" sz="1400" dirty="0"/>
+                <a:t>a</a:t>
+              </a:r>
+            </a:p>
+          </p:txBody>
+        </p:sp>
+        <p:sp>
+          <p:nvSpPr>
+            <p:cNvPr id="29" name="Oval 28">
+              <a:extLst>
+                <a:ext uri="{FF2B5EF4-FFF2-40B4-BE49-F238E27FC236}">
+                  <a16:creationId xmlns:a16="http://schemas.microsoft.com/office/drawing/2014/main" id="{F0827BCB-58F6-4DC0-A141-F728E5B96DC7}"/>
+                </a:ext>
+              </a:extLst>
+            </p:cNvPr>
+            <p:cNvSpPr/>
+            <p:nvPr/>
+          </p:nvSpPr>
+          <p:spPr>
+            <a:xfrm>
+              <a:off x="8995832" y="577250"/>
+              <a:ext cx="228600" cy="228600"/>
+            </a:xfrm>
+            <a:prstGeom prst="ellipse">
+              <a:avLst/>
+            </a:prstGeom>
+          </p:spPr>
+          <p:style>
+            <a:lnRef idx="2">
+              <a:schemeClr val="dk1">
+                <a:shade val="50000"/>
+              </a:schemeClr>
+            </a:lnRef>
+            <a:fillRef idx="1">
+              <a:schemeClr val="dk1"/>
+            </a:fillRef>
+            <a:effectRef idx="0">
+              <a:schemeClr val="dk1"/>
+            </a:effectRef>
+            <a:fontRef idx="minor">
+              <a:schemeClr val="lt1"/>
+            </a:fontRef>
+          </p:style>
+          <p:txBody>
+            <a:bodyPr rtlCol="0" anchor="ctr"/>
+            <a:lstStyle/>
+            <a:p>
+              <a:pPr algn="ctr"/>
+              <a:r>
+                <a:rPr lang="en-US" sz="1400" dirty="0"/>
+                <a:t>b</a:t>
+              </a:r>
+            </a:p>
+          </p:txBody>
+        </p:sp>
+      </p:grpSp>
+    </p:spTree>
+    <p:extLst>
+      <p:ext uri="{BB962C8B-B14F-4D97-AF65-F5344CB8AC3E}">
+        <p14:creationId xmlns:p14="http://schemas.microsoft.com/office/powerpoint/2010/main" val="1498292876"/>
       </p:ext>
     </p:extLst>
   </p:cSld>

--- a/server/analysis/charts/figures.pptx
+++ b/server/analysis/charts/figures.pptx
@@ -12,6 +12,9 @@
     <p:sldId id="262" r:id="rId6"/>
     <p:sldId id="260" r:id="rId7"/>
     <p:sldId id="261" r:id="rId8"/>
+    <p:sldId id="263" r:id="rId9"/>
+    <p:sldId id="264" r:id="rId10"/>
+    <p:sldId id="265" r:id="rId11"/>
   </p:sldIdLst>
   <p:sldSz cx="12192000" cy="6858000"/>
   <p:notesSz cx="6858000" cy="9144000"/>
@@ -265,7 +268,7 @@
           <a:p>
             <a:fld id="{3B2CC345-873D-4984-B66F-B40C09CA00A9}" type="datetimeFigureOut">
               <a:rPr lang="en-US" smtClean="0"/>
-              <a:t>4/20/2021</a:t>
+              <a:t>4/22/2021</a:t>
             </a:fld>
             <a:endParaRPr lang="en-US"/>
           </a:p>
@@ -463,7 +466,7 @@
           <a:p>
             <a:fld id="{3B2CC345-873D-4984-B66F-B40C09CA00A9}" type="datetimeFigureOut">
               <a:rPr lang="en-US" smtClean="0"/>
-              <a:t>4/20/2021</a:t>
+              <a:t>4/22/2021</a:t>
             </a:fld>
             <a:endParaRPr lang="en-US"/>
           </a:p>
@@ -671,7 +674,7 @@
           <a:p>
             <a:fld id="{3B2CC345-873D-4984-B66F-B40C09CA00A9}" type="datetimeFigureOut">
               <a:rPr lang="en-US" smtClean="0"/>
-              <a:t>4/20/2021</a:t>
+              <a:t>4/22/2021</a:t>
             </a:fld>
             <a:endParaRPr lang="en-US"/>
           </a:p>
@@ -869,7 +872,7 @@
           <a:p>
             <a:fld id="{3B2CC345-873D-4984-B66F-B40C09CA00A9}" type="datetimeFigureOut">
               <a:rPr lang="en-US" smtClean="0"/>
-              <a:t>4/20/2021</a:t>
+              <a:t>4/22/2021</a:t>
             </a:fld>
             <a:endParaRPr lang="en-US"/>
           </a:p>
@@ -1144,7 +1147,7 @@
           <a:p>
             <a:fld id="{3B2CC345-873D-4984-B66F-B40C09CA00A9}" type="datetimeFigureOut">
               <a:rPr lang="en-US" smtClean="0"/>
-              <a:t>4/20/2021</a:t>
+              <a:t>4/22/2021</a:t>
             </a:fld>
             <a:endParaRPr lang="en-US"/>
           </a:p>
@@ -1409,7 +1412,7 @@
           <a:p>
             <a:fld id="{3B2CC345-873D-4984-B66F-B40C09CA00A9}" type="datetimeFigureOut">
               <a:rPr lang="en-US" smtClean="0"/>
-              <a:t>4/20/2021</a:t>
+              <a:t>4/22/2021</a:t>
             </a:fld>
             <a:endParaRPr lang="en-US"/>
           </a:p>
@@ -1821,7 +1824,7 @@
           <a:p>
             <a:fld id="{3B2CC345-873D-4984-B66F-B40C09CA00A9}" type="datetimeFigureOut">
               <a:rPr lang="en-US" smtClean="0"/>
-              <a:t>4/20/2021</a:t>
+              <a:t>4/22/2021</a:t>
             </a:fld>
             <a:endParaRPr lang="en-US"/>
           </a:p>
@@ -1962,7 +1965,7 @@
           <a:p>
             <a:fld id="{3B2CC345-873D-4984-B66F-B40C09CA00A9}" type="datetimeFigureOut">
               <a:rPr lang="en-US" smtClean="0"/>
-              <a:t>4/20/2021</a:t>
+              <a:t>4/22/2021</a:t>
             </a:fld>
             <a:endParaRPr lang="en-US"/>
           </a:p>
@@ -2075,7 +2078,7 @@
           <a:p>
             <a:fld id="{3B2CC345-873D-4984-B66F-B40C09CA00A9}" type="datetimeFigureOut">
               <a:rPr lang="en-US" smtClean="0"/>
-              <a:t>4/20/2021</a:t>
+              <a:t>4/22/2021</a:t>
             </a:fld>
             <a:endParaRPr lang="en-US"/>
           </a:p>
@@ -2386,7 +2389,7 @@
           <a:p>
             <a:fld id="{3B2CC345-873D-4984-B66F-B40C09CA00A9}" type="datetimeFigureOut">
               <a:rPr lang="en-US" smtClean="0"/>
-              <a:t>4/20/2021</a:t>
+              <a:t>4/22/2021</a:t>
             </a:fld>
             <a:endParaRPr lang="en-US"/>
           </a:p>
@@ -2674,7 +2677,7 @@
           <a:p>
             <a:fld id="{3B2CC345-873D-4984-B66F-B40C09CA00A9}" type="datetimeFigureOut">
               <a:rPr lang="en-US" smtClean="0"/>
-              <a:t>4/20/2021</a:t>
+              <a:t>4/22/2021</a:t>
             </a:fld>
             <a:endParaRPr lang="en-US"/>
           </a:p>
@@ -2915,7 +2918,7 @@
           <a:p>
             <a:fld id="{3B2CC345-873D-4984-B66F-B40C09CA00A9}" type="datetimeFigureOut">
               <a:rPr lang="en-US" smtClean="0"/>
-              <a:t>4/20/2021</a:t>
+              <a:t>4/22/2021</a:t>
             </a:fld>
             <a:endParaRPr lang="en-US"/>
           </a:p>
@@ -3366,6 +3369,198 @@
     <p:extLst>
       <p:ext uri="{BB962C8B-B14F-4D97-AF65-F5344CB8AC3E}">
         <p14:creationId xmlns:p14="http://schemas.microsoft.com/office/powerpoint/2010/main" val="4028035921"/>
+      </p:ext>
+    </p:extLst>
+  </p:cSld>
+  <p:clrMapOvr>
+    <a:masterClrMapping/>
+  </p:clrMapOvr>
+</p:sld>
+</file>
+
+<file path=ppt/slides/slide10.xml><?xml version="1.0" encoding="utf-8"?>
+<p:sld xmlns:a="http://schemas.openxmlformats.org/drawingml/2006/main" xmlns:r="http://schemas.openxmlformats.org/officeDocument/2006/relationships" xmlns:p="http://schemas.openxmlformats.org/presentationml/2006/main">
+  <p:cSld>
+    <p:spTree>
+      <p:nvGrpSpPr>
+        <p:cNvPr id="1" name=""/>
+        <p:cNvGrpSpPr/>
+        <p:nvPr/>
+      </p:nvGrpSpPr>
+      <p:grpSpPr>
+        <a:xfrm>
+          <a:off x="0" y="0"/>
+          <a:ext cx="0" cy="0"/>
+          <a:chOff x="0" y="0"/>
+          <a:chExt cx="0" cy="0"/>
+        </a:xfrm>
+      </p:grpSpPr>
+      <p:grpSp>
+        <p:nvGrpSpPr>
+          <p:cNvPr id="10" name="Group 9">
+            <a:extLst>
+              <a:ext uri="{FF2B5EF4-FFF2-40B4-BE49-F238E27FC236}">
+                <a16:creationId xmlns:a16="http://schemas.microsoft.com/office/drawing/2014/main" id="{D0D87A24-A68C-4A1D-8DF0-A514A69D6C35}"/>
+              </a:ext>
+            </a:extLst>
+          </p:cNvPr>
+          <p:cNvGrpSpPr/>
+          <p:nvPr/>
+        </p:nvGrpSpPr>
+        <p:grpSpPr>
+          <a:xfrm>
+            <a:off x="1104350" y="404221"/>
+            <a:ext cx="8838095" cy="5279676"/>
+            <a:chOff x="1104350" y="404221"/>
+            <a:chExt cx="8838095" cy="5279676"/>
+          </a:xfrm>
+        </p:grpSpPr>
+        <p:pic>
+          <p:nvPicPr>
+            <p:cNvPr id="3" name="Picture 2" descr="Chart, box and whisker chart&#10;&#10;Description automatically generated">
+              <a:extLst>
+                <a:ext uri="{FF2B5EF4-FFF2-40B4-BE49-F238E27FC236}">
+                  <a16:creationId xmlns:a16="http://schemas.microsoft.com/office/drawing/2014/main" id="{433934F6-8091-49A9-BA81-A8DCB716BBBF}"/>
+                </a:ext>
+              </a:extLst>
+            </p:cNvPr>
+            <p:cNvPicPr>
+              <a:picLocks noChangeAspect="1"/>
+            </p:cNvPicPr>
+            <p:nvPr/>
+          </p:nvPicPr>
+          <p:blipFill rotWithShape="1">
+            <a:blip r:embed="rId2">
+              <a:extLst>
+                <a:ext uri="{28A0092B-C50C-407E-A947-70E740481C1C}">
+                  <a14:useLocalDpi xmlns:a14="http://schemas.microsoft.com/office/drawing/2010/main" val="0"/>
+                </a:ext>
+              </a:extLst>
+            </a:blip>
+            <a:srcRect l="50000"/>
+            <a:stretch/>
+          </p:blipFill>
+          <p:spPr>
+            <a:xfrm>
+              <a:off x="6996413" y="2839453"/>
+              <a:ext cx="2946031" cy="2844444"/>
+            </a:xfrm>
+            <a:prstGeom prst="rect">
+              <a:avLst/>
+            </a:prstGeom>
+          </p:spPr>
+        </p:pic>
+        <p:pic>
+          <p:nvPicPr>
+            <p:cNvPr id="5" name="Picture 4" descr="Chart, box and whisker chart&#10;&#10;Description automatically generated">
+              <a:extLst>
+                <a:ext uri="{FF2B5EF4-FFF2-40B4-BE49-F238E27FC236}">
+                  <a16:creationId xmlns:a16="http://schemas.microsoft.com/office/drawing/2014/main" id="{1EB17EE6-8FB5-429C-BBC9-BD9D8DEEF884}"/>
+                </a:ext>
+              </a:extLst>
+            </p:cNvPr>
+            <p:cNvPicPr>
+              <a:picLocks noChangeAspect="1"/>
+            </p:cNvPicPr>
+            <p:nvPr/>
+          </p:nvPicPr>
+          <p:blipFill rotWithShape="1">
+            <a:blip r:embed="rId3">
+              <a:extLst>
+                <a:ext uri="{28A0092B-C50C-407E-A947-70E740481C1C}">
+                  <a14:useLocalDpi xmlns:a14="http://schemas.microsoft.com/office/drawing/2010/main" val="0"/>
+                </a:ext>
+              </a:extLst>
+            </a:blip>
+            <a:srcRect l="50000" b="14386"/>
+            <a:stretch/>
+          </p:blipFill>
+          <p:spPr>
+            <a:xfrm>
+              <a:off x="6996414" y="404221"/>
+              <a:ext cx="2946031" cy="2435232"/>
+            </a:xfrm>
+            <a:prstGeom prst="rect">
+              <a:avLst/>
+            </a:prstGeom>
+          </p:spPr>
+        </p:pic>
+        <p:pic>
+          <p:nvPicPr>
+            <p:cNvPr id="7" name="Picture 6" descr="Chart, box and whisker chart&#10;&#10;Description automatically generated">
+              <a:extLst>
+                <a:ext uri="{FF2B5EF4-FFF2-40B4-BE49-F238E27FC236}">
+                  <a16:creationId xmlns:a16="http://schemas.microsoft.com/office/drawing/2014/main" id="{7D54EEC9-347C-4C62-9090-9F30BED7FD93}"/>
+                </a:ext>
+              </a:extLst>
+            </p:cNvPr>
+            <p:cNvPicPr>
+              <a:picLocks noChangeAspect="1"/>
+            </p:cNvPicPr>
+            <p:nvPr/>
+          </p:nvPicPr>
+          <p:blipFill>
+            <a:blip r:embed="rId4">
+              <a:extLst>
+                <a:ext uri="{28A0092B-C50C-407E-A947-70E740481C1C}">
+                  <a14:useLocalDpi xmlns:a14="http://schemas.microsoft.com/office/drawing/2010/main" val="0"/>
+                </a:ext>
+              </a:extLst>
+            </a:blip>
+            <a:stretch>
+              <a:fillRect/>
+            </a:stretch>
+          </p:blipFill>
+          <p:spPr>
+            <a:xfrm>
+              <a:off x="1104350" y="2839453"/>
+              <a:ext cx="5892063" cy="2844444"/>
+            </a:xfrm>
+            <a:prstGeom prst="rect">
+              <a:avLst/>
+            </a:prstGeom>
+          </p:spPr>
+        </p:pic>
+        <p:pic>
+          <p:nvPicPr>
+            <p:cNvPr id="9" name="Picture 8" descr="Chart&#10;&#10;Description automatically generated with medium confidence">
+              <a:extLst>
+                <a:ext uri="{FF2B5EF4-FFF2-40B4-BE49-F238E27FC236}">
+                  <a16:creationId xmlns:a16="http://schemas.microsoft.com/office/drawing/2014/main" id="{E10EA8EA-1280-42E2-A918-21A31963A598}"/>
+                </a:ext>
+              </a:extLst>
+            </p:cNvPr>
+            <p:cNvPicPr>
+              <a:picLocks noChangeAspect="1"/>
+            </p:cNvPicPr>
+            <p:nvPr/>
+          </p:nvPicPr>
+          <p:blipFill rotWithShape="1">
+            <a:blip r:embed="rId5">
+              <a:extLst>
+                <a:ext uri="{28A0092B-C50C-407E-A947-70E740481C1C}">
+                  <a14:useLocalDpi xmlns:a14="http://schemas.microsoft.com/office/drawing/2010/main" val="0"/>
+                </a:ext>
+              </a:extLst>
+            </a:blip>
+            <a:srcRect b="14386"/>
+            <a:stretch/>
+          </p:blipFill>
+          <p:spPr>
+            <a:xfrm>
+              <a:off x="1104351" y="404221"/>
+              <a:ext cx="5892063" cy="2435232"/>
+            </a:xfrm>
+            <a:prstGeom prst="rect">
+              <a:avLst/>
+            </a:prstGeom>
+          </p:spPr>
+        </p:pic>
+      </p:grpSp>
+    </p:spTree>
+    <p:extLst>
+      <p:ext uri="{BB962C8B-B14F-4D97-AF65-F5344CB8AC3E}">
+        <p14:creationId xmlns:p14="http://schemas.microsoft.com/office/powerpoint/2010/main" val="36897945"/>
       </p:ext>
     </p:extLst>
   </p:cSld>
@@ -5430,6 +5625,194 @@
 </p:sld>
 </file>
 
+<file path=ppt/slides/slide8.xml><?xml version="1.0" encoding="utf-8"?>
+<p:sld xmlns:a="http://schemas.openxmlformats.org/drawingml/2006/main" xmlns:r="http://schemas.openxmlformats.org/officeDocument/2006/relationships" xmlns:p="http://schemas.openxmlformats.org/presentationml/2006/main">
+  <p:cSld>
+    <p:spTree>
+      <p:nvGrpSpPr>
+        <p:cNvPr id="1" name=""/>
+        <p:cNvGrpSpPr/>
+        <p:nvPr/>
+      </p:nvGrpSpPr>
+      <p:grpSpPr>
+        <a:xfrm>
+          <a:off x="0" y="0"/>
+          <a:ext cx="0" cy="0"/>
+          <a:chOff x="0" y="0"/>
+          <a:chExt cx="0" cy="0"/>
+        </a:xfrm>
+      </p:grpSpPr>
+      <p:pic>
+        <p:nvPicPr>
+          <p:cNvPr id="17" name="Picture 16" descr="Chart, box and whisker chart&#10;&#10;Description automatically generated">
+            <a:extLst>
+              <a:ext uri="{FF2B5EF4-FFF2-40B4-BE49-F238E27FC236}">
+                <a16:creationId xmlns:a16="http://schemas.microsoft.com/office/drawing/2014/main" id="{7F42F359-66B1-49DF-9D45-6F0FFA2878A8}"/>
+              </a:ext>
+            </a:extLst>
+          </p:cNvPr>
+          <p:cNvPicPr>
+            <a:picLocks noChangeAspect="1"/>
+          </p:cNvPicPr>
+          <p:nvPr/>
+        </p:nvPicPr>
+        <p:blipFill>
+          <a:blip r:embed="rId2">
+            <a:extLst>
+              <a:ext uri="{28A0092B-C50C-407E-A947-70E740481C1C}">
+                <a14:useLocalDpi xmlns:a14="http://schemas.microsoft.com/office/drawing/2010/main" val="0"/>
+              </a:ext>
+            </a:extLst>
+          </a:blip>
+          <a:stretch>
+            <a:fillRect/>
+          </a:stretch>
+        </p:blipFill>
+        <p:spPr>
+          <a:xfrm>
+            <a:off x="3149968" y="2006778"/>
+            <a:ext cx="5892063" cy="2844444"/>
+          </a:xfrm>
+          <a:prstGeom prst="rect">
+            <a:avLst/>
+          </a:prstGeom>
+        </p:spPr>
+      </p:pic>
+    </p:spTree>
+    <p:extLst>
+      <p:ext uri="{BB962C8B-B14F-4D97-AF65-F5344CB8AC3E}">
+        <p14:creationId xmlns:p14="http://schemas.microsoft.com/office/powerpoint/2010/main" val="3958827437"/>
+      </p:ext>
+    </p:extLst>
+  </p:cSld>
+  <p:clrMapOvr>
+    <a:masterClrMapping/>
+  </p:clrMapOvr>
+</p:sld>
+</file>
+
+<file path=ppt/slides/slide9.xml><?xml version="1.0" encoding="utf-8"?>
+<p:sld xmlns:a="http://schemas.openxmlformats.org/drawingml/2006/main" xmlns:r="http://schemas.openxmlformats.org/officeDocument/2006/relationships" xmlns:p="http://schemas.openxmlformats.org/presentationml/2006/main">
+  <p:cSld>
+    <p:spTree>
+      <p:nvGrpSpPr>
+        <p:cNvPr id="1" name=""/>
+        <p:cNvGrpSpPr/>
+        <p:nvPr/>
+      </p:nvGrpSpPr>
+      <p:grpSpPr>
+        <a:xfrm>
+          <a:off x="0" y="0"/>
+          <a:ext cx="0" cy="0"/>
+          <a:chOff x="0" y="0"/>
+          <a:chExt cx="0" cy="0"/>
+        </a:xfrm>
+      </p:grpSpPr>
+      <p:grpSp>
+        <p:nvGrpSpPr>
+          <p:cNvPr id="6" name="Group 5">
+            <a:extLst>
+              <a:ext uri="{FF2B5EF4-FFF2-40B4-BE49-F238E27FC236}">
+                <a16:creationId xmlns:a16="http://schemas.microsoft.com/office/drawing/2014/main" id="{4872F904-CA7D-4A09-ADF8-817DC4B957E5}"/>
+              </a:ext>
+            </a:extLst>
+          </p:cNvPr>
+          <p:cNvGrpSpPr/>
+          <p:nvPr/>
+        </p:nvGrpSpPr>
+        <p:grpSpPr>
+          <a:xfrm>
+            <a:off x="1028233" y="1838416"/>
+            <a:ext cx="8838094" cy="2844444"/>
+            <a:chOff x="1028233" y="1838416"/>
+            <a:chExt cx="8838094" cy="2844444"/>
+          </a:xfrm>
+        </p:grpSpPr>
+        <p:pic>
+          <p:nvPicPr>
+            <p:cNvPr id="3" name="Picture 2" descr="Calendar&#10;&#10;Description automatically generated with medium confidence">
+              <a:extLst>
+                <a:ext uri="{FF2B5EF4-FFF2-40B4-BE49-F238E27FC236}">
+                  <a16:creationId xmlns:a16="http://schemas.microsoft.com/office/drawing/2014/main" id="{D9CB664A-CEE9-4DEC-A299-1B3D3531F6C5}"/>
+                </a:ext>
+              </a:extLst>
+            </p:cNvPr>
+            <p:cNvPicPr>
+              <a:picLocks noChangeAspect="1"/>
+            </p:cNvPicPr>
+            <p:nvPr/>
+          </p:nvPicPr>
+          <p:blipFill rotWithShape="1">
+            <a:blip r:embed="rId2">
+              <a:extLst>
+                <a:ext uri="{28A0092B-C50C-407E-A947-70E740481C1C}">
+                  <a14:useLocalDpi xmlns:a14="http://schemas.microsoft.com/office/drawing/2010/main" val="0"/>
+                </a:ext>
+              </a:extLst>
+            </a:blip>
+            <a:srcRect l="50000"/>
+            <a:stretch/>
+          </p:blipFill>
+          <p:spPr>
+            <a:xfrm>
+              <a:off x="6920296" y="1838416"/>
+              <a:ext cx="2946031" cy="2844444"/>
+            </a:xfrm>
+            <a:prstGeom prst="rect">
+              <a:avLst/>
+            </a:prstGeom>
+          </p:spPr>
+        </p:pic>
+        <p:pic>
+          <p:nvPicPr>
+            <p:cNvPr id="5" name="Picture 4" descr="Chart, box and whisker chart&#10;&#10;Description automatically generated">
+              <a:extLst>
+                <a:ext uri="{FF2B5EF4-FFF2-40B4-BE49-F238E27FC236}">
+                  <a16:creationId xmlns:a16="http://schemas.microsoft.com/office/drawing/2014/main" id="{B0B91903-2A3E-48F8-AFB1-4577A0A01DB9}"/>
+                </a:ext>
+              </a:extLst>
+            </p:cNvPr>
+            <p:cNvPicPr>
+              <a:picLocks noChangeAspect="1"/>
+            </p:cNvPicPr>
+            <p:nvPr/>
+          </p:nvPicPr>
+          <p:blipFill>
+            <a:blip r:embed="rId3">
+              <a:extLst>
+                <a:ext uri="{28A0092B-C50C-407E-A947-70E740481C1C}">
+                  <a14:useLocalDpi xmlns:a14="http://schemas.microsoft.com/office/drawing/2010/main" val="0"/>
+                </a:ext>
+              </a:extLst>
+            </a:blip>
+            <a:stretch>
+              <a:fillRect/>
+            </a:stretch>
+          </p:blipFill>
+          <p:spPr>
+            <a:xfrm>
+              <a:off x="1028233" y="1838416"/>
+              <a:ext cx="5892063" cy="2844444"/>
+            </a:xfrm>
+            <a:prstGeom prst="rect">
+              <a:avLst/>
+            </a:prstGeom>
+          </p:spPr>
+        </p:pic>
+      </p:grpSp>
+    </p:spTree>
+    <p:extLst>
+      <p:ext uri="{BB962C8B-B14F-4D97-AF65-F5344CB8AC3E}">
+        <p14:creationId xmlns:p14="http://schemas.microsoft.com/office/powerpoint/2010/main" val="1415894141"/>
+      </p:ext>
+    </p:extLst>
+  </p:cSld>
+  <p:clrMapOvr>
+    <a:masterClrMapping/>
+  </p:clrMapOvr>
+</p:sld>
+</file>
+
 <file path=ppt/theme/theme1.xml><?xml version="1.0" encoding="utf-8"?>
 <a:theme xmlns:a="http://schemas.openxmlformats.org/drawingml/2006/main" name="Office Theme">
   <a:themeElements>

--- a/server/analysis/charts/figures.pptx
+++ b/server/analysis/charts/figures.pptx
@@ -5,16 +5,17 @@
     <p:sldMasterId id="2147483648" r:id="rId1"/>
   </p:sldMasterIdLst>
   <p:sldIdLst>
-    <p:sldId id="256" r:id="rId2"/>
-    <p:sldId id="257" r:id="rId3"/>
-    <p:sldId id="258" r:id="rId4"/>
-    <p:sldId id="259" r:id="rId5"/>
-    <p:sldId id="262" r:id="rId6"/>
-    <p:sldId id="260" r:id="rId7"/>
-    <p:sldId id="261" r:id="rId8"/>
-    <p:sldId id="263" r:id="rId9"/>
-    <p:sldId id="264" r:id="rId10"/>
-    <p:sldId id="265" r:id="rId11"/>
+    <p:sldId id="266" r:id="rId2"/>
+    <p:sldId id="256" r:id="rId3"/>
+    <p:sldId id="257" r:id="rId4"/>
+    <p:sldId id="258" r:id="rId5"/>
+    <p:sldId id="259" r:id="rId6"/>
+    <p:sldId id="262" r:id="rId7"/>
+    <p:sldId id="260" r:id="rId8"/>
+    <p:sldId id="261" r:id="rId9"/>
+    <p:sldId id="263" r:id="rId10"/>
+    <p:sldId id="264" r:id="rId11"/>
+    <p:sldId id="265" r:id="rId12"/>
   </p:sldIdLst>
   <p:sldSz cx="12192000" cy="6858000"/>
   <p:notesSz cx="6858000" cy="9144000"/>
@@ -268,7 +269,7 @@
           <a:p>
             <a:fld id="{3B2CC345-873D-4984-B66F-B40C09CA00A9}" type="datetimeFigureOut">
               <a:rPr lang="en-US" smtClean="0"/>
-              <a:t>4/22/2021</a:t>
+              <a:t>4/27/2021</a:t>
             </a:fld>
             <a:endParaRPr lang="en-US"/>
           </a:p>
@@ -466,7 +467,7 @@
           <a:p>
             <a:fld id="{3B2CC345-873D-4984-B66F-B40C09CA00A9}" type="datetimeFigureOut">
               <a:rPr lang="en-US" smtClean="0"/>
-              <a:t>4/22/2021</a:t>
+              <a:t>4/27/2021</a:t>
             </a:fld>
             <a:endParaRPr lang="en-US"/>
           </a:p>
@@ -674,7 +675,7 @@
           <a:p>
             <a:fld id="{3B2CC345-873D-4984-B66F-B40C09CA00A9}" type="datetimeFigureOut">
               <a:rPr lang="en-US" smtClean="0"/>
-              <a:t>4/22/2021</a:t>
+              <a:t>4/27/2021</a:t>
             </a:fld>
             <a:endParaRPr lang="en-US"/>
           </a:p>
@@ -872,7 +873,7 @@
           <a:p>
             <a:fld id="{3B2CC345-873D-4984-B66F-B40C09CA00A9}" type="datetimeFigureOut">
               <a:rPr lang="en-US" smtClean="0"/>
-              <a:t>4/22/2021</a:t>
+              <a:t>4/27/2021</a:t>
             </a:fld>
             <a:endParaRPr lang="en-US"/>
           </a:p>
@@ -1147,7 +1148,7 @@
           <a:p>
             <a:fld id="{3B2CC345-873D-4984-B66F-B40C09CA00A9}" type="datetimeFigureOut">
               <a:rPr lang="en-US" smtClean="0"/>
-              <a:t>4/22/2021</a:t>
+              <a:t>4/27/2021</a:t>
             </a:fld>
             <a:endParaRPr lang="en-US"/>
           </a:p>
@@ -1412,7 +1413,7 @@
           <a:p>
             <a:fld id="{3B2CC345-873D-4984-B66F-B40C09CA00A9}" type="datetimeFigureOut">
               <a:rPr lang="en-US" smtClean="0"/>
-              <a:t>4/22/2021</a:t>
+              <a:t>4/27/2021</a:t>
             </a:fld>
             <a:endParaRPr lang="en-US"/>
           </a:p>
@@ -1824,7 +1825,7 @@
           <a:p>
             <a:fld id="{3B2CC345-873D-4984-B66F-B40C09CA00A9}" type="datetimeFigureOut">
               <a:rPr lang="en-US" smtClean="0"/>
-              <a:t>4/22/2021</a:t>
+              <a:t>4/27/2021</a:t>
             </a:fld>
             <a:endParaRPr lang="en-US"/>
           </a:p>
@@ -1965,7 +1966,7 @@
           <a:p>
             <a:fld id="{3B2CC345-873D-4984-B66F-B40C09CA00A9}" type="datetimeFigureOut">
               <a:rPr lang="en-US" smtClean="0"/>
-              <a:t>4/22/2021</a:t>
+              <a:t>4/27/2021</a:t>
             </a:fld>
             <a:endParaRPr lang="en-US"/>
           </a:p>
@@ -2078,7 +2079,7 @@
           <a:p>
             <a:fld id="{3B2CC345-873D-4984-B66F-B40C09CA00A9}" type="datetimeFigureOut">
               <a:rPr lang="en-US" smtClean="0"/>
-              <a:t>4/22/2021</a:t>
+              <a:t>4/27/2021</a:t>
             </a:fld>
             <a:endParaRPr lang="en-US"/>
           </a:p>
@@ -2389,7 +2390,7 @@
           <a:p>
             <a:fld id="{3B2CC345-873D-4984-B66F-B40C09CA00A9}" type="datetimeFigureOut">
               <a:rPr lang="en-US" smtClean="0"/>
-              <a:t>4/22/2021</a:t>
+              <a:t>4/27/2021</a:t>
             </a:fld>
             <a:endParaRPr lang="en-US"/>
           </a:p>
@@ -2677,7 +2678,7 @@
           <a:p>
             <a:fld id="{3B2CC345-873D-4984-B66F-B40C09CA00A9}" type="datetimeFigureOut">
               <a:rPr lang="en-US" smtClean="0"/>
-              <a:t>4/22/2021</a:t>
+              <a:t>4/27/2021</a:t>
             </a:fld>
             <a:endParaRPr lang="en-US"/>
           </a:p>
@@ -2918,7 +2919,7 @@
           <a:p>
             <a:fld id="{3B2CC345-873D-4984-B66F-B40C09CA00A9}" type="datetimeFigureOut">
               <a:rPr lang="en-US" smtClean="0"/>
-              <a:t>4/22/2021</a:t>
+              <a:t>4/27/2021</a:t>
             </a:fld>
             <a:endParaRPr lang="en-US"/>
           </a:p>
@@ -3335,40 +3336,311 @@
           <a:chExt cx="0" cy="0"/>
         </a:xfrm>
       </p:grpSpPr>
-      <p:pic>
-        <p:nvPicPr>
-          <p:cNvPr id="7" name="Picture 6">
-            <a:extLst>
-              <a:ext uri="{FF2B5EF4-FFF2-40B4-BE49-F238E27FC236}">
-                <a16:creationId xmlns:a16="http://schemas.microsoft.com/office/drawing/2014/main" id="{BB3D565B-69CD-4AA2-A329-F028FFE01676}"/>
-              </a:ext>
-            </a:extLst>
-          </p:cNvPr>
-          <p:cNvPicPr>
-            <a:picLocks noChangeAspect="1"/>
-          </p:cNvPicPr>
+      <p:grpSp>
+        <p:nvGrpSpPr>
+          <p:cNvPr id="9" name="Group 8">
+            <a:extLst>
+              <a:ext uri="{FF2B5EF4-FFF2-40B4-BE49-F238E27FC236}">
+                <a16:creationId xmlns:a16="http://schemas.microsoft.com/office/drawing/2014/main" id="{E8300DEB-EFB1-4AEB-B5E4-2492D6B9DF19}"/>
+              </a:ext>
+            </a:extLst>
+          </p:cNvPr>
+          <p:cNvGrpSpPr/>
           <p:nvPr/>
-        </p:nvPicPr>
-        <p:blipFill>
-          <a:blip r:embed="rId2"/>
-          <a:stretch>
-            <a:fillRect/>
-          </a:stretch>
-        </p:blipFill>
-        <p:spPr>
+        </p:nvGrpSpPr>
+        <p:grpSpPr>
           <a:xfrm>
-            <a:off x="2101253" y="975575"/>
-            <a:ext cx="3200677" cy="2286198"/>
+            <a:off x="757727" y="1028492"/>
+            <a:ext cx="10658133" cy="4801016"/>
+            <a:chOff x="757727" y="1028492"/>
+            <a:chExt cx="10658133" cy="4801016"/>
           </a:xfrm>
-          <a:prstGeom prst="rect">
-            <a:avLst/>
-          </a:prstGeom>
-        </p:spPr>
-      </p:pic>
+        </p:grpSpPr>
+        <p:pic>
+          <p:nvPicPr>
+            <p:cNvPr id="3" name="Picture 2" descr="Graphical user interface, application, website&#10;&#10;Description automatically generated">
+              <a:extLst>
+                <a:ext uri="{FF2B5EF4-FFF2-40B4-BE49-F238E27FC236}">
+                  <a16:creationId xmlns:a16="http://schemas.microsoft.com/office/drawing/2014/main" id="{80B99CCA-C16A-46E9-BDDA-927328C736FC}"/>
+                </a:ext>
+              </a:extLst>
+            </p:cNvPr>
+            <p:cNvPicPr>
+              <a:picLocks noChangeAspect="1"/>
+            </p:cNvPicPr>
+            <p:nvPr/>
+          </p:nvPicPr>
+          <p:blipFill rotWithShape="1">
+            <a:blip r:embed="rId2">
+              <a:extLst>
+                <a:ext uri="{28A0092B-C50C-407E-A947-70E740481C1C}">
+                  <a14:useLocalDpi xmlns:a14="http://schemas.microsoft.com/office/drawing/2010/main" val="0"/>
+                </a:ext>
+              </a:extLst>
+            </a:blip>
+            <a:srcRect l="1" r="172"/>
+            <a:stretch/>
+          </p:blipFill>
+          <p:spPr>
+            <a:xfrm>
+              <a:off x="757727" y="1028492"/>
+              <a:ext cx="10658133" cy="4801016"/>
+            </a:xfrm>
+            <a:prstGeom prst="rect">
+              <a:avLst/>
+            </a:prstGeom>
+          </p:spPr>
+        </p:pic>
+        <p:sp>
+          <p:nvSpPr>
+            <p:cNvPr id="4" name="Oval 3">
+              <a:extLst>
+                <a:ext uri="{FF2B5EF4-FFF2-40B4-BE49-F238E27FC236}">
+                  <a16:creationId xmlns:a16="http://schemas.microsoft.com/office/drawing/2014/main" id="{BE1407CF-2B10-454B-ACCA-A209E7CD5972}"/>
+                </a:ext>
+              </a:extLst>
+            </p:cNvPr>
+            <p:cNvSpPr/>
+            <p:nvPr/>
+          </p:nvSpPr>
+          <p:spPr>
+            <a:xfrm>
+              <a:off x="3631370" y="1869244"/>
+              <a:ext cx="274320" cy="274320"/>
+            </a:xfrm>
+            <a:prstGeom prst="ellipse">
+              <a:avLst/>
+            </a:prstGeom>
+          </p:spPr>
+          <p:style>
+            <a:lnRef idx="2">
+              <a:schemeClr val="dk1">
+                <a:shade val="50000"/>
+              </a:schemeClr>
+            </a:lnRef>
+            <a:fillRef idx="1">
+              <a:schemeClr val="dk1"/>
+            </a:fillRef>
+            <a:effectRef idx="0">
+              <a:schemeClr val="dk1"/>
+            </a:effectRef>
+            <a:fontRef idx="minor">
+              <a:schemeClr val="lt1"/>
+            </a:fontRef>
+          </p:style>
+          <p:txBody>
+            <a:bodyPr rtlCol="0" anchor="ctr"/>
+            <a:lstStyle/>
+            <a:p>
+              <a:pPr algn="ctr"/>
+              <a:r>
+                <a:rPr lang="en-US" dirty="0"/>
+                <a:t>a</a:t>
+              </a:r>
+            </a:p>
+          </p:txBody>
+        </p:sp>
+        <p:sp>
+          <p:nvSpPr>
+            <p:cNvPr id="5" name="Oval 4">
+              <a:extLst>
+                <a:ext uri="{FF2B5EF4-FFF2-40B4-BE49-F238E27FC236}">
+                  <a16:creationId xmlns:a16="http://schemas.microsoft.com/office/drawing/2014/main" id="{41EEE4F2-2B89-4280-B6BF-F82A33F085AC}"/>
+                </a:ext>
+              </a:extLst>
+            </p:cNvPr>
+            <p:cNvSpPr/>
+            <p:nvPr/>
+          </p:nvSpPr>
+          <p:spPr>
+            <a:xfrm>
+              <a:off x="1201289" y="2534342"/>
+              <a:ext cx="274320" cy="274320"/>
+            </a:xfrm>
+            <a:prstGeom prst="ellipse">
+              <a:avLst/>
+            </a:prstGeom>
+          </p:spPr>
+          <p:style>
+            <a:lnRef idx="2">
+              <a:schemeClr val="dk1">
+                <a:shade val="50000"/>
+              </a:schemeClr>
+            </a:lnRef>
+            <a:fillRef idx="1">
+              <a:schemeClr val="dk1"/>
+            </a:fillRef>
+            <a:effectRef idx="0">
+              <a:schemeClr val="dk1"/>
+            </a:effectRef>
+            <a:fontRef idx="minor">
+              <a:schemeClr val="lt1"/>
+            </a:fontRef>
+          </p:style>
+          <p:txBody>
+            <a:bodyPr rtlCol="0" anchor="ctr"/>
+            <a:lstStyle/>
+            <a:p>
+              <a:pPr algn="ctr"/>
+              <a:r>
+                <a:rPr lang="en-US" dirty="0"/>
+                <a:t>b</a:t>
+              </a:r>
+            </a:p>
+          </p:txBody>
+        </p:sp>
+        <p:sp>
+          <p:nvSpPr>
+            <p:cNvPr id="6" name="Oval 5">
+              <a:extLst>
+                <a:ext uri="{FF2B5EF4-FFF2-40B4-BE49-F238E27FC236}">
+                  <a16:creationId xmlns:a16="http://schemas.microsoft.com/office/drawing/2014/main" id="{DE2295A5-78DC-4FDC-A753-60D265FA423D}"/>
+                </a:ext>
+              </a:extLst>
+            </p:cNvPr>
+            <p:cNvSpPr/>
+            <p:nvPr/>
+          </p:nvSpPr>
+          <p:spPr>
+            <a:xfrm>
+              <a:off x="6479308" y="2534342"/>
+              <a:ext cx="274320" cy="274320"/>
+            </a:xfrm>
+            <a:prstGeom prst="ellipse">
+              <a:avLst/>
+            </a:prstGeom>
+          </p:spPr>
+          <p:style>
+            <a:lnRef idx="2">
+              <a:schemeClr val="dk1">
+                <a:shade val="50000"/>
+              </a:schemeClr>
+            </a:lnRef>
+            <a:fillRef idx="1">
+              <a:schemeClr val="dk1"/>
+            </a:fillRef>
+            <a:effectRef idx="0">
+              <a:schemeClr val="dk1"/>
+            </a:effectRef>
+            <a:fontRef idx="minor">
+              <a:schemeClr val="lt1"/>
+            </a:fontRef>
+          </p:style>
+          <p:txBody>
+            <a:bodyPr rtlCol="0" anchor="ctr"/>
+            <a:lstStyle/>
+            <a:p>
+              <a:pPr algn="ctr"/>
+              <a:r>
+                <a:rPr lang="en-US" dirty="0"/>
+                <a:t>c</a:t>
+              </a:r>
+            </a:p>
+          </p:txBody>
+        </p:sp>
+        <p:sp>
+          <p:nvSpPr>
+            <p:cNvPr id="7" name="Oval 6">
+              <a:extLst>
+                <a:ext uri="{FF2B5EF4-FFF2-40B4-BE49-F238E27FC236}">
+                  <a16:creationId xmlns:a16="http://schemas.microsoft.com/office/drawing/2014/main" id="{D0295353-3F93-44EC-8C8B-0560C883E796}"/>
+                </a:ext>
+              </a:extLst>
+            </p:cNvPr>
+            <p:cNvSpPr/>
+            <p:nvPr/>
+          </p:nvSpPr>
+          <p:spPr>
+            <a:xfrm>
+              <a:off x="2866850" y="3199440"/>
+              <a:ext cx="274320" cy="274320"/>
+            </a:xfrm>
+            <a:prstGeom prst="ellipse">
+              <a:avLst/>
+            </a:prstGeom>
+          </p:spPr>
+          <p:style>
+            <a:lnRef idx="2">
+              <a:schemeClr val="dk1">
+                <a:shade val="50000"/>
+              </a:schemeClr>
+            </a:lnRef>
+            <a:fillRef idx="1">
+              <a:schemeClr val="dk1"/>
+            </a:fillRef>
+            <a:effectRef idx="0">
+              <a:schemeClr val="dk1"/>
+            </a:effectRef>
+            <a:fontRef idx="minor">
+              <a:schemeClr val="lt1"/>
+            </a:fontRef>
+          </p:style>
+          <p:txBody>
+            <a:bodyPr rtlCol="0" anchor="ctr"/>
+            <a:lstStyle/>
+            <a:p>
+              <a:pPr algn="ctr"/>
+              <a:r>
+                <a:rPr lang="en-US" dirty="0"/>
+                <a:t>d</a:t>
+              </a:r>
+            </a:p>
+          </p:txBody>
+        </p:sp>
+        <p:sp>
+          <p:nvSpPr>
+            <p:cNvPr id="8" name="Oval 7">
+              <a:extLst>
+                <a:ext uri="{FF2B5EF4-FFF2-40B4-BE49-F238E27FC236}">
+                  <a16:creationId xmlns:a16="http://schemas.microsoft.com/office/drawing/2014/main" id="{1D756AAC-9D27-43DF-9053-6FB10AC9D125}"/>
+                </a:ext>
+              </a:extLst>
+            </p:cNvPr>
+            <p:cNvSpPr/>
+            <p:nvPr/>
+          </p:nvSpPr>
+          <p:spPr>
+            <a:xfrm>
+              <a:off x="812024" y="3619441"/>
+              <a:ext cx="274320" cy="274320"/>
+            </a:xfrm>
+            <a:prstGeom prst="ellipse">
+              <a:avLst/>
+            </a:prstGeom>
+          </p:spPr>
+          <p:style>
+            <a:lnRef idx="2">
+              <a:schemeClr val="dk1">
+                <a:shade val="50000"/>
+              </a:schemeClr>
+            </a:lnRef>
+            <a:fillRef idx="1">
+              <a:schemeClr val="dk1"/>
+            </a:fillRef>
+            <a:effectRef idx="0">
+              <a:schemeClr val="dk1"/>
+            </a:effectRef>
+            <a:fontRef idx="minor">
+              <a:schemeClr val="lt1"/>
+            </a:fontRef>
+          </p:style>
+          <p:txBody>
+            <a:bodyPr rtlCol="0" anchor="ctr"/>
+            <a:lstStyle/>
+            <a:p>
+              <a:pPr algn="ctr"/>
+              <a:r>
+                <a:rPr lang="en-US" dirty="0"/>
+                <a:t>e</a:t>
+              </a:r>
+            </a:p>
+          </p:txBody>
+        </p:sp>
+      </p:grpSp>
     </p:spTree>
     <p:extLst>
       <p:ext uri="{BB962C8B-B14F-4D97-AF65-F5344CB8AC3E}">
-        <p14:creationId xmlns:p14="http://schemas.microsoft.com/office/powerpoint/2010/main" val="4028035921"/>
+        <p14:creationId xmlns:p14="http://schemas.microsoft.com/office/powerpoint/2010/main" val="2115308728"/>
       </p:ext>
     </p:extLst>
   </p:cSld>
@@ -3379,6 +3651,128 @@
 </file>
 
 <file path=ppt/slides/slide10.xml><?xml version="1.0" encoding="utf-8"?>
+<p:sld xmlns:a="http://schemas.openxmlformats.org/drawingml/2006/main" xmlns:r="http://schemas.openxmlformats.org/officeDocument/2006/relationships" xmlns:p="http://schemas.openxmlformats.org/presentationml/2006/main">
+  <p:cSld>
+    <p:spTree>
+      <p:nvGrpSpPr>
+        <p:cNvPr id="1" name=""/>
+        <p:cNvGrpSpPr/>
+        <p:nvPr/>
+      </p:nvGrpSpPr>
+      <p:grpSpPr>
+        <a:xfrm>
+          <a:off x="0" y="0"/>
+          <a:ext cx="0" cy="0"/>
+          <a:chOff x="0" y="0"/>
+          <a:chExt cx="0" cy="0"/>
+        </a:xfrm>
+      </p:grpSpPr>
+      <p:grpSp>
+        <p:nvGrpSpPr>
+          <p:cNvPr id="6" name="Group 5">
+            <a:extLst>
+              <a:ext uri="{FF2B5EF4-FFF2-40B4-BE49-F238E27FC236}">
+                <a16:creationId xmlns:a16="http://schemas.microsoft.com/office/drawing/2014/main" id="{4872F904-CA7D-4A09-ADF8-817DC4B957E5}"/>
+              </a:ext>
+            </a:extLst>
+          </p:cNvPr>
+          <p:cNvGrpSpPr/>
+          <p:nvPr/>
+        </p:nvGrpSpPr>
+        <p:grpSpPr>
+          <a:xfrm>
+            <a:off x="1028233" y="1838416"/>
+            <a:ext cx="8838094" cy="2844444"/>
+            <a:chOff x="1028233" y="1838416"/>
+            <a:chExt cx="8838094" cy="2844444"/>
+          </a:xfrm>
+        </p:grpSpPr>
+        <p:pic>
+          <p:nvPicPr>
+            <p:cNvPr id="3" name="Picture 2" descr="Calendar&#10;&#10;Description automatically generated with medium confidence">
+              <a:extLst>
+                <a:ext uri="{FF2B5EF4-FFF2-40B4-BE49-F238E27FC236}">
+                  <a16:creationId xmlns:a16="http://schemas.microsoft.com/office/drawing/2014/main" id="{D9CB664A-CEE9-4DEC-A299-1B3D3531F6C5}"/>
+                </a:ext>
+              </a:extLst>
+            </p:cNvPr>
+            <p:cNvPicPr>
+              <a:picLocks noChangeAspect="1"/>
+            </p:cNvPicPr>
+            <p:nvPr/>
+          </p:nvPicPr>
+          <p:blipFill rotWithShape="1">
+            <a:blip r:embed="rId2">
+              <a:extLst>
+                <a:ext uri="{28A0092B-C50C-407E-A947-70E740481C1C}">
+                  <a14:useLocalDpi xmlns:a14="http://schemas.microsoft.com/office/drawing/2010/main" val="0"/>
+                </a:ext>
+              </a:extLst>
+            </a:blip>
+            <a:srcRect l="50000"/>
+            <a:stretch/>
+          </p:blipFill>
+          <p:spPr>
+            <a:xfrm>
+              <a:off x="6920296" y="1838416"/>
+              <a:ext cx="2946031" cy="2844444"/>
+            </a:xfrm>
+            <a:prstGeom prst="rect">
+              <a:avLst/>
+            </a:prstGeom>
+          </p:spPr>
+        </p:pic>
+        <p:pic>
+          <p:nvPicPr>
+            <p:cNvPr id="5" name="Picture 4" descr="Chart, box and whisker chart&#10;&#10;Description automatically generated">
+              <a:extLst>
+                <a:ext uri="{FF2B5EF4-FFF2-40B4-BE49-F238E27FC236}">
+                  <a16:creationId xmlns:a16="http://schemas.microsoft.com/office/drawing/2014/main" id="{B0B91903-2A3E-48F8-AFB1-4577A0A01DB9}"/>
+                </a:ext>
+              </a:extLst>
+            </p:cNvPr>
+            <p:cNvPicPr>
+              <a:picLocks noChangeAspect="1"/>
+            </p:cNvPicPr>
+            <p:nvPr/>
+          </p:nvPicPr>
+          <p:blipFill>
+            <a:blip r:embed="rId3">
+              <a:extLst>
+                <a:ext uri="{28A0092B-C50C-407E-A947-70E740481C1C}">
+                  <a14:useLocalDpi xmlns:a14="http://schemas.microsoft.com/office/drawing/2010/main" val="0"/>
+                </a:ext>
+              </a:extLst>
+            </a:blip>
+            <a:stretch>
+              <a:fillRect/>
+            </a:stretch>
+          </p:blipFill>
+          <p:spPr>
+            <a:xfrm>
+              <a:off x="1028233" y="1838416"/>
+              <a:ext cx="5892063" cy="2844444"/>
+            </a:xfrm>
+            <a:prstGeom prst="rect">
+              <a:avLst/>
+            </a:prstGeom>
+          </p:spPr>
+        </p:pic>
+      </p:grpSp>
+    </p:spTree>
+    <p:extLst>
+      <p:ext uri="{BB962C8B-B14F-4D97-AF65-F5344CB8AC3E}">
+        <p14:creationId xmlns:p14="http://schemas.microsoft.com/office/powerpoint/2010/main" val="1415894141"/>
+      </p:ext>
+    </p:extLst>
+  </p:cSld>
+  <p:clrMapOvr>
+    <a:masterClrMapping/>
+  </p:clrMapOvr>
+</p:sld>
+</file>
+
+<file path=ppt/slides/slide11.xml><?xml version="1.0" encoding="utf-8"?>
 <p:sld xmlns:a="http://schemas.openxmlformats.org/drawingml/2006/main" xmlns:r="http://schemas.openxmlformats.org/officeDocument/2006/relationships" xmlns:p="http://schemas.openxmlformats.org/presentationml/2006/main">
   <p:cSld>
     <p:spTree>
@@ -3589,6 +3983,66 @@
       </p:grpSpPr>
       <p:pic>
         <p:nvPicPr>
+          <p:cNvPr id="7" name="Picture 6">
+            <a:extLst>
+              <a:ext uri="{FF2B5EF4-FFF2-40B4-BE49-F238E27FC236}">
+                <a16:creationId xmlns:a16="http://schemas.microsoft.com/office/drawing/2014/main" id="{BB3D565B-69CD-4AA2-A329-F028FFE01676}"/>
+              </a:ext>
+            </a:extLst>
+          </p:cNvPr>
+          <p:cNvPicPr>
+            <a:picLocks noChangeAspect="1"/>
+          </p:cNvPicPr>
+          <p:nvPr/>
+        </p:nvPicPr>
+        <p:blipFill>
+          <a:blip r:embed="rId2"/>
+          <a:stretch>
+            <a:fillRect/>
+          </a:stretch>
+        </p:blipFill>
+        <p:spPr>
+          <a:xfrm>
+            <a:off x="2101253" y="975575"/>
+            <a:ext cx="3200677" cy="2286198"/>
+          </a:xfrm>
+          <a:prstGeom prst="rect">
+            <a:avLst/>
+          </a:prstGeom>
+        </p:spPr>
+      </p:pic>
+    </p:spTree>
+    <p:extLst>
+      <p:ext uri="{BB962C8B-B14F-4D97-AF65-F5344CB8AC3E}">
+        <p14:creationId xmlns:p14="http://schemas.microsoft.com/office/powerpoint/2010/main" val="4028035921"/>
+      </p:ext>
+    </p:extLst>
+  </p:cSld>
+  <p:clrMapOvr>
+    <a:masterClrMapping/>
+  </p:clrMapOvr>
+</p:sld>
+</file>
+
+<file path=ppt/slides/slide3.xml><?xml version="1.0" encoding="utf-8"?>
+<p:sld xmlns:a="http://schemas.openxmlformats.org/drawingml/2006/main" xmlns:r="http://schemas.openxmlformats.org/officeDocument/2006/relationships" xmlns:p="http://schemas.openxmlformats.org/presentationml/2006/main">
+  <p:cSld>
+    <p:spTree>
+      <p:nvGrpSpPr>
+        <p:cNvPr id="1" name=""/>
+        <p:cNvGrpSpPr/>
+        <p:nvPr/>
+      </p:nvGrpSpPr>
+      <p:grpSpPr>
+        <a:xfrm>
+          <a:off x="0" y="0"/>
+          <a:ext cx="0" cy="0"/>
+          <a:chOff x="0" y="0"/>
+          <a:chExt cx="0" cy="0"/>
+        </a:xfrm>
+      </p:grpSpPr>
+      <p:pic>
+        <p:nvPicPr>
           <p:cNvPr id="6" name="Picture 5">
             <a:extLst>
               <a:ext uri="{FF2B5EF4-FFF2-40B4-BE49-F238E27FC236}">
@@ -3630,7 +4084,7 @@
 </p:sld>
 </file>
 
-<file path=ppt/slides/slide3.xml><?xml version="1.0" encoding="utf-8"?>
+<file path=ppt/slides/slide4.xml><?xml version="1.0" encoding="utf-8"?>
 <p:sld xmlns:a="http://schemas.openxmlformats.org/drawingml/2006/main" xmlns:r="http://schemas.openxmlformats.org/officeDocument/2006/relationships" xmlns:p="http://schemas.openxmlformats.org/presentationml/2006/main">
   <p:cSld>
     <p:spTree>
@@ -4010,7 +4464,7 @@
         <p:spPr>
           <a:xfrm>
             <a:off x="1874421" y="821080"/>
-            <a:ext cx="3892146" cy="307777"/>
+            <a:ext cx="3870474" cy="307777"/>
           </a:xfrm>
           <a:prstGeom prst="rect">
             <a:avLst/>
@@ -4152,7 +4606,7 @@
 </p:sld>
 </file>
 
-<file path=ppt/slides/slide4.xml><?xml version="1.0" encoding="utf-8"?>
+<file path=ppt/slides/slide5.xml><?xml version="1.0" encoding="utf-8"?>
 <p:sld xmlns:a="http://schemas.openxmlformats.org/drawingml/2006/main" xmlns:r="http://schemas.openxmlformats.org/officeDocument/2006/relationships" xmlns:p="http://schemas.openxmlformats.org/presentationml/2006/main">
   <p:cSld>
     <p:spTree>
@@ -4795,7 +5249,7 @@
 </p:sld>
 </file>
 
-<file path=ppt/slides/slide5.xml><?xml version="1.0" encoding="utf-8"?>
+<file path=ppt/slides/slide6.xml><?xml version="1.0" encoding="utf-8"?>
 <p:sld xmlns:a="http://schemas.openxmlformats.org/drawingml/2006/main" xmlns:r="http://schemas.openxmlformats.org/officeDocument/2006/relationships" xmlns:p="http://schemas.openxmlformats.org/presentationml/2006/main">
   <p:cSld>
     <p:spTree>
@@ -5061,7 +5515,7 @@
 </p:sld>
 </file>
 
-<file path=ppt/slides/slide6.xml><?xml version="1.0" encoding="utf-8"?>
+<file path=ppt/slides/slide7.xml><?xml version="1.0" encoding="utf-8"?>
 <p:sld xmlns:a="http://schemas.openxmlformats.org/drawingml/2006/main" xmlns:r="http://schemas.openxmlformats.org/officeDocument/2006/relationships" xmlns:p="http://schemas.openxmlformats.org/presentationml/2006/main">
   <p:cSld>
     <p:spTree>
@@ -5387,7 +5841,7 @@
 </p:sld>
 </file>
 
-<file path=ppt/slides/slide7.xml><?xml version="1.0" encoding="utf-8"?>
+<file path=ppt/slides/slide8.xml><?xml version="1.0" encoding="utf-8"?>
 <p:sld xmlns:a="http://schemas.openxmlformats.org/drawingml/2006/main" xmlns:r="http://schemas.openxmlformats.org/officeDocument/2006/relationships" xmlns:p="http://schemas.openxmlformats.org/presentationml/2006/main">
   <p:cSld>
     <p:spTree>
@@ -5625,7 +6079,7 @@
 </p:sld>
 </file>
 
-<file path=ppt/slides/slide8.xml><?xml version="1.0" encoding="utf-8"?>
+<file path=ppt/slides/slide9.xml><?xml version="1.0" encoding="utf-8"?>
 <p:sld xmlns:a="http://schemas.openxmlformats.org/drawingml/2006/main" xmlns:r="http://schemas.openxmlformats.org/officeDocument/2006/relationships" xmlns:p="http://schemas.openxmlformats.org/presentationml/2006/main">
   <p:cSld>
     <p:spTree>
@@ -5682,128 +6136,6 @@
     <p:extLst>
       <p:ext uri="{BB962C8B-B14F-4D97-AF65-F5344CB8AC3E}">
         <p14:creationId xmlns:p14="http://schemas.microsoft.com/office/powerpoint/2010/main" val="3958827437"/>
-      </p:ext>
-    </p:extLst>
-  </p:cSld>
-  <p:clrMapOvr>
-    <a:masterClrMapping/>
-  </p:clrMapOvr>
-</p:sld>
-</file>
-
-<file path=ppt/slides/slide9.xml><?xml version="1.0" encoding="utf-8"?>
-<p:sld xmlns:a="http://schemas.openxmlformats.org/drawingml/2006/main" xmlns:r="http://schemas.openxmlformats.org/officeDocument/2006/relationships" xmlns:p="http://schemas.openxmlformats.org/presentationml/2006/main">
-  <p:cSld>
-    <p:spTree>
-      <p:nvGrpSpPr>
-        <p:cNvPr id="1" name=""/>
-        <p:cNvGrpSpPr/>
-        <p:nvPr/>
-      </p:nvGrpSpPr>
-      <p:grpSpPr>
-        <a:xfrm>
-          <a:off x="0" y="0"/>
-          <a:ext cx="0" cy="0"/>
-          <a:chOff x="0" y="0"/>
-          <a:chExt cx="0" cy="0"/>
-        </a:xfrm>
-      </p:grpSpPr>
-      <p:grpSp>
-        <p:nvGrpSpPr>
-          <p:cNvPr id="6" name="Group 5">
-            <a:extLst>
-              <a:ext uri="{FF2B5EF4-FFF2-40B4-BE49-F238E27FC236}">
-                <a16:creationId xmlns:a16="http://schemas.microsoft.com/office/drawing/2014/main" id="{4872F904-CA7D-4A09-ADF8-817DC4B957E5}"/>
-              </a:ext>
-            </a:extLst>
-          </p:cNvPr>
-          <p:cNvGrpSpPr/>
-          <p:nvPr/>
-        </p:nvGrpSpPr>
-        <p:grpSpPr>
-          <a:xfrm>
-            <a:off x="1028233" y="1838416"/>
-            <a:ext cx="8838094" cy="2844444"/>
-            <a:chOff x="1028233" y="1838416"/>
-            <a:chExt cx="8838094" cy="2844444"/>
-          </a:xfrm>
-        </p:grpSpPr>
-        <p:pic>
-          <p:nvPicPr>
-            <p:cNvPr id="3" name="Picture 2" descr="Calendar&#10;&#10;Description automatically generated with medium confidence">
-              <a:extLst>
-                <a:ext uri="{FF2B5EF4-FFF2-40B4-BE49-F238E27FC236}">
-                  <a16:creationId xmlns:a16="http://schemas.microsoft.com/office/drawing/2014/main" id="{D9CB664A-CEE9-4DEC-A299-1B3D3531F6C5}"/>
-                </a:ext>
-              </a:extLst>
-            </p:cNvPr>
-            <p:cNvPicPr>
-              <a:picLocks noChangeAspect="1"/>
-            </p:cNvPicPr>
-            <p:nvPr/>
-          </p:nvPicPr>
-          <p:blipFill rotWithShape="1">
-            <a:blip r:embed="rId2">
-              <a:extLst>
-                <a:ext uri="{28A0092B-C50C-407E-A947-70E740481C1C}">
-                  <a14:useLocalDpi xmlns:a14="http://schemas.microsoft.com/office/drawing/2010/main" val="0"/>
-                </a:ext>
-              </a:extLst>
-            </a:blip>
-            <a:srcRect l="50000"/>
-            <a:stretch/>
-          </p:blipFill>
-          <p:spPr>
-            <a:xfrm>
-              <a:off x="6920296" y="1838416"/>
-              <a:ext cx="2946031" cy="2844444"/>
-            </a:xfrm>
-            <a:prstGeom prst="rect">
-              <a:avLst/>
-            </a:prstGeom>
-          </p:spPr>
-        </p:pic>
-        <p:pic>
-          <p:nvPicPr>
-            <p:cNvPr id="5" name="Picture 4" descr="Chart, box and whisker chart&#10;&#10;Description automatically generated">
-              <a:extLst>
-                <a:ext uri="{FF2B5EF4-FFF2-40B4-BE49-F238E27FC236}">
-                  <a16:creationId xmlns:a16="http://schemas.microsoft.com/office/drawing/2014/main" id="{B0B91903-2A3E-48F8-AFB1-4577A0A01DB9}"/>
-                </a:ext>
-              </a:extLst>
-            </p:cNvPr>
-            <p:cNvPicPr>
-              <a:picLocks noChangeAspect="1"/>
-            </p:cNvPicPr>
-            <p:nvPr/>
-          </p:nvPicPr>
-          <p:blipFill>
-            <a:blip r:embed="rId3">
-              <a:extLst>
-                <a:ext uri="{28A0092B-C50C-407E-A947-70E740481C1C}">
-                  <a14:useLocalDpi xmlns:a14="http://schemas.microsoft.com/office/drawing/2010/main" val="0"/>
-                </a:ext>
-              </a:extLst>
-            </a:blip>
-            <a:stretch>
-              <a:fillRect/>
-            </a:stretch>
-          </p:blipFill>
-          <p:spPr>
-            <a:xfrm>
-              <a:off x="1028233" y="1838416"/>
-              <a:ext cx="5892063" cy="2844444"/>
-            </a:xfrm>
-            <a:prstGeom prst="rect">
-              <a:avLst/>
-            </a:prstGeom>
-          </p:spPr>
-        </p:pic>
-      </p:grpSp>
-    </p:spTree>
-    <p:extLst>
-      <p:ext uri="{BB962C8B-B14F-4D97-AF65-F5344CB8AC3E}">
-        <p14:creationId xmlns:p14="http://schemas.microsoft.com/office/powerpoint/2010/main" val="1415894141"/>
       </p:ext>
     </p:extLst>
   </p:cSld>

--- a/server/analysis/charts/figures.pptx
+++ b/server/analysis/charts/figures.pptx
@@ -11,11 +11,13 @@
     <p:sldId id="258" r:id="rId5"/>
     <p:sldId id="259" r:id="rId6"/>
     <p:sldId id="262" r:id="rId7"/>
-    <p:sldId id="260" r:id="rId8"/>
-    <p:sldId id="261" r:id="rId9"/>
-    <p:sldId id="263" r:id="rId10"/>
-    <p:sldId id="264" r:id="rId11"/>
-    <p:sldId id="265" r:id="rId12"/>
+    <p:sldId id="267" r:id="rId8"/>
+    <p:sldId id="268" r:id="rId9"/>
+    <p:sldId id="260" r:id="rId10"/>
+    <p:sldId id="261" r:id="rId11"/>
+    <p:sldId id="263" r:id="rId12"/>
+    <p:sldId id="264" r:id="rId13"/>
+    <p:sldId id="265" r:id="rId14"/>
   </p:sldIdLst>
   <p:sldSz cx="12192000" cy="6858000"/>
   <p:notesSz cx="6858000" cy="9144000"/>
@@ -269,7 +271,7 @@
           <a:p>
             <a:fld id="{3B2CC345-873D-4984-B66F-B40C09CA00A9}" type="datetimeFigureOut">
               <a:rPr lang="en-US" smtClean="0"/>
-              <a:t>4/27/2021</a:t>
+              <a:t>4/30/2021</a:t>
             </a:fld>
             <a:endParaRPr lang="en-US"/>
           </a:p>
@@ -467,7 +469,7 @@
           <a:p>
             <a:fld id="{3B2CC345-873D-4984-B66F-B40C09CA00A9}" type="datetimeFigureOut">
               <a:rPr lang="en-US" smtClean="0"/>
-              <a:t>4/27/2021</a:t>
+              <a:t>4/30/2021</a:t>
             </a:fld>
             <a:endParaRPr lang="en-US"/>
           </a:p>
@@ -675,7 +677,7 @@
           <a:p>
             <a:fld id="{3B2CC345-873D-4984-B66F-B40C09CA00A9}" type="datetimeFigureOut">
               <a:rPr lang="en-US" smtClean="0"/>
-              <a:t>4/27/2021</a:t>
+              <a:t>4/30/2021</a:t>
             </a:fld>
             <a:endParaRPr lang="en-US"/>
           </a:p>
@@ -873,7 +875,7 @@
           <a:p>
             <a:fld id="{3B2CC345-873D-4984-B66F-B40C09CA00A9}" type="datetimeFigureOut">
               <a:rPr lang="en-US" smtClean="0"/>
-              <a:t>4/27/2021</a:t>
+              <a:t>4/30/2021</a:t>
             </a:fld>
             <a:endParaRPr lang="en-US"/>
           </a:p>
@@ -1148,7 +1150,7 @@
           <a:p>
             <a:fld id="{3B2CC345-873D-4984-B66F-B40C09CA00A9}" type="datetimeFigureOut">
               <a:rPr lang="en-US" smtClean="0"/>
-              <a:t>4/27/2021</a:t>
+              <a:t>4/30/2021</a:t>
             </a:fld>
             <a:endParaRPr lang="en-US"/>
           </a:p>
@@ -1413,7 +1415,7 @@
           <a:p>
             <a:fld id="{3B2CC345-873D-4984-B66F-B40C09CA00A9}" type="datetimeFigureOut">
               <a:rPr lang="en-US" smtClean="0"/>
-              <a:t>4/27/2021</a:t>
+              <a:t>4/30/2021</a:t>
             </a:fld>
             <a:endParaRPr lang="en-US"/>
           </a:p>
@@ -1825,7 +1827,7 @@
           <a:p>
             <a:fld id="{3B2CC345-873D-4984-B66F-B40C09CA00A9}" type="datetimeFigureOut">
               <a:rPr lang="en-US" smtClean="0"/>
-              <a:t>4/27/2021</a:t>
+              <a:t>4/30/2021</a:t>
             </a:fld>
             <a:endParaRPr lang="en-US"/>
           </a:p>
@@ -1966,7 +1968,7 @@
           <a:p>
             <a:fld id="{3B2CC345-873D-4984-B66F-B40C09CA00A9}" type="datetimeFigureOut">
               <a:rPr lang="en-US" smtClean="0"/>
-              <a:t>4/27/2021</a:t>
+              <a:t>4/30/2021</a:t>
             </a:fld>
             <a:endParaRPr lang="en-US"/>
           </a:p>
@@ -2079,7 +2081,7 @@
           <a:p>
             <a:fld id="{3B2CC345-873D-4984-B66F-B40C09CA00A9}" type="datetimeFigureOut">
               <a:rPr lang="en-US" smtClean="0"/>
-              <a:t>4/27/2021</a:t>
+              <a:t>4/30/2021</a:t>
             </a:fld>
             <a:endParaRPr lang="en-US"/>
           </a:p>
@@ -2390,7 +2392,7 @@
           <a:p>
             <a:fld id="{3B2CC345-873D-4984-B66F-B40C09CA00A9}" type="datetimeFigureOut">
               <a:rPr lang="en-US" smtClean="0"/>
-              <a:t>4/27/2021</a:t>
+              <a:t>4/30/2021</a:t>
             </a:fld>
             <a:endParaRPr lang="en-US"/>
           </a:p>
@@ -2678,7 +2680,7 @@
           <a:p>
             <a:fld id="{3B2CC345-873D-4984-B66F-B40C09CA00A9}" type="datetimeFigureOut">
               <a:rPr lang="en-US" smtClean="0"/>
-              <a:t>4/27/2021</a:t>
+              <a:t>4/30/2021</a:t>
             </a:fld>
             <a:endParaRPr lang="en-US"/>
           </a:p>
@@ -2919,7 +2921,7 @@
           <a:p>
             <a:fld id="{3B2CC345-873D-4984-B66F-B40C09CA00A9}" type="datetimeFigureOut">
               <a:rPr lang="en-US" smtClean="0"/>
-              <a:t>4/27/2021</a:t>
+              <a:t>4/30/2021</a:t>
             </a:fld>
             <a:endParaRPr lang="en-US"/>
           </a:p>
@@ -3667,6 +3669,310 @@
           <a:chExt cx="0" cy="0"/>
         </a:xfrm>
       </p:grpSpPr>
+      <p:pic>
+        <p:nvPicPr>
+          <p:cNvPr id="9" name="Picture 8">
+            <a:extLst>
+              <a:ext uri="{FF2B5EF4-FFF2-40B4-BE49-F238E27FC236}">
+                <a16:creationId xmlns:a16="http://schemas.microsoft.com/office/drawing/2014/main" id="{1E7FF46F-DC19-4434-A656-8932ED9194C1}"/>
+              </a:ext>
+            </a:extLst>
+          </p:cNvPr>
+          <p:cNvPicPr>
+            <a:picLocks noChangeAspect="1"/>
+          </p:cNvPicPr>
+          <p:nvPr/>
+        </p:nvPicPr>
+        <p:blipFill>
+          <a:blip r:embed="rId2"/>
+          <a:stretch>
+            <a:fillRect/>
+          </a:stretch>
+        </p:blipFill>
+        <p:spPr>
+          <a:xfrm>
+            <a:off x="534056" y="302915"/>
+            <a:ext cx="2347163" cy="5480779"/>
+          </a:xfrm>
+          <a:prstGeom prst="rect">
+            <a:avLst/>
+          </a:prstGeom>
+        </p:spPr>
+      </p:pic>
+      <p:pic>
+        <p:nvPicPr>
+          <p:cNvPr id="20" name="Picture 19">
+            <a:extLst>
+              <a:ext uri="{FF2B5EF4-FFF2-40B4-BE49-F238E27FC236}">
+                <a16:creationId xmlns:a16="http://schemas.microsoft.com/office/drawing/2014/main" id="{E6FE5D62-47E0-41D2-BD07-25A78C9D4D2E}"/>
+              </a:ext>
+            </a:extLst>
+          </p:cNvPr>
+          <p:cNvPicPr>
+            <a:picLocks noChangeAspect="1"/>
+          </p:cNvPicPr>
+          <p:nvPr/>
+        </p:nvPicPr>
+        <p:blipFill rotWithShape="1">
+          <a:blip r:embed="rId3"/>
+          <a:srcRect l="6385"/>
+          <a:stretch/>
+        </p:blipFill>
+        <p:spPr>
+          <a:xfrm>
+            <a:off x="3031067" y="302914"/>
+            <a:ext cx="2197315" cy="5480779"/>
+          </a:xfrm>
+          <a:prstGeom prst="rect">
+            <a:avLst/>
+          </a:prstGeom>
+        </p:spPr>
+      </p:pic>
+      <p:grpSp>
+        <p:nvGrpSpPr>
+          <p:cNvPr id="30" name="Group 29">
+            <a:extLst>
+              <a:ext uri="{FF2B5EF4-FFF2-40B4-BE49-F238E27FC236}">
+                <a16:creationId xmlns:a16="http://schemas.microsoft.com/office/drawing/2014/main" id="{C64439AA-0075-44D8-B8EE-6A2ABE869AA0}"/>
+              </a:ext>
+            </a:extLst>
+          </p:cNvPr>
+          <p:cNvGrpSpPr/>
+          <p:nvPr/>
+        </p:nvGrpSpPr>
+        <p:grpSpPr>
+          <a:xfrm>
+            <a:off x="6559769" y="302913"/>
+            <a:ext cx="4694327" cy="5480779"/>
+            <a:chOff x="6559769" y="302913"/>
+            <a:chExt cx="4694327" cy="5480779"/>
+          </a:xfrm>
+        </p:grpSpPr>
+        <p:pic>
+          <p:nvPicPr>
+            <p:cNvPr id="25" name="Picture 24">
+              <a:extLst>
+                <a:ext uri="{FF2B5EF4-FFF2-40B4-BE49-F238E27FC236}">
+                  <a16:creationId xmlns:a16="http://schemas.microsoft.com/office/drawing/2014/main" id="{0B6B6586-5BB7-4055-97B2-D1ED3A03D2CB}"/>
+                </a:ext>
+              </a:extLst>
+            </p:cNvPr>
+            <p:cNvPicPr>
+              <a:picLocks noChangeAspect="1"/>
+            </p:cNvPicPr>
+            <p:nvPr/>
+          </p:nvPicPr>
+          <p:blipFill>
+            <a:blip r:embed="rId4"/>
+            <a:stretch>
+              <a:fillRect/>
+            </a:stretch>
+          </p:blipFill>
+          <p:spPr>
+            <a:xfrm>
+              <a:off x="6559769" y="302913"/>
+              <a:ext cx="4694327" cy="5480779"/>
+            </a:xfrm>
+            <a:prstGeom prst="rect">
+              <a:avLst/>
+            </a:prstGeom>
+          </p:spPr>
+        </p:pic>
+        <p:sp>
+          <p:nvSpPr>
+            <p:cNvPr id="28" name="Oval 27">
+              <a:extLst>
+                <a:ext uri="{FF2B5EF4-FFF2-40B4-BE49-F238E27FC236}">
+                  <a16:creationId xmlns:a16="http://schemas.microsoft.com/office/drawing/2014/main" id="{6DF51DAB-64C7-4FE1-8A3D-CF55F1600994}"/>
+                </a:ext>
+              </a:extLst>
+            </p:cNvPr>
+            <p:cNvSpPr/>
+            <p:nvPr/>
+          </p:nvSpPr>
+          <p:spPr>
+            <a:xfrm>
+              <a:off x="6591738" y="577250"/>
+              <a:ext cx="228600" cy="228600"/>
+            </a:xfrm>
+            <a:prstGeom prst="ellipse">
+              <a:avLst/>
+            </a:prstGeom>
+          </p:spPr>
+          <p:style>
+            <a:lnRef idx="2">
+              <a:schemeClr val="dk1">
+                <a:shade val="50000"/>
+              </a:schemeClr>
+            </a:lnRef>
+            <a:fillRef idx="1">
+              <a:schemeClr val="dk1"/>
+            </a:fillRef>
+            <a:effectRef idx="0">
+              <a:schemeClr val="dk1"/>
+            </a:effectRef>
+            <a:fontRef idx="minor">
+              <a:schemeClr val="lt1"/>
+            </a:fontRef>
+          </p:style>
+          <p:txBody>
+            <a:bodyPr rtlCol="0" anchor="ctr"/>
+            <a:lstStyle/>
+            <a:p>
+              <a:pPr algn="ctr"/>
+              <a:r>
+                <a:rPr lang="en-US" sz="1400" dirty="0"/>
+                <a:t>a</a:t>
+              </a:r>
+            </a:p>
+          </p:txBody>
+        </p:sp>
+        <p:sp>
+          <p:nvSpPr>
+            <p:cNvPr id="29" name="Oval 28">
+              <a:extLst>
+                <a:ext uri="{FF2B5EF4-FFF2-40B4-BE49-F238E27FC236}">
+                  <a16:creationId xmlns:a16="http://schemas.microsoft.com/office/drawing/2014/main" id="{F0827BCB-58F6-4DC0-A141-F728E5B96DC7}"/>
+                </a:ext>
+              </a:extLst>
+            </p:cNvPr>
+            <p:cNvSpPr/>
+            <p:nvPr/>
+          </p:nvSpPr>
+          <p:spPr>
+            <a:xfrm>
+              <a:off x="8995832" y="577250"/>
+              <a:ext cx="228600" cy="228600"/>
+            </a:xfrm>
+            <a:prstGeom prst="ellipse">
+              <a:avLst/>
+            </a:prstGeom>
+          </p:spPr>
+          <p:style>
+            <a:lnRef idx="2">
+              <a:schemeClr val="dk1">
+                <a:shade val="50000"/>
+              </a:schemeClr>
+            </a:lnRef>
+            <a:fillRef idx="1">
+              <a:schemeClr val="dk1"/>
+            </a:fillRef>
+            <a:effectRef idx="0">
+              <a:schemeClr val="dk1"/>
+            </a:effectRef>
+            <a:fontRef idx="minor">
+              <a:schemeClr val="lt1"/>
+            </a:fontRef>
+          </p:style>
+          <p:txBody>
+            <a:bodyPr rtlCol="0" anchor="ctr"/>
+            <a:lstStyle/>
+            <a:p>
+              <a:pPr algn="ctr"/>
+              <a:r>
+                <a:rPr lang="en-US" sz="1400" dirty="0"/>
+                <a:t>b</a:t>
+              </a:r>
+            </a:p>
+          </p:txBody>
+        </p:sp>
+      </p:grpSp>
+    </p:spTree>
+    <p:extLst>
+      <p:ext uri="{BB962C8B-B14F-4D97-AF65-F5344CB8AC3E}">
+        <p14:creationId xmlns:p14="http://schemas.microsoft.com/office/powerpoint/2010/main" val="1498292876"/>
+      </p:ext>
+    </p:extLst>
+  </p:cSld>
+  <p:clrMapOvr>
+    <a:masterClrMapping/>
+  </p:clrMapOvr>
+</p:sld>
+</file>
+
+<file path=ppt/slides/slide11.xml><?xml version="1.0" encoding="utf-8"?>
+<p:sld xmlns:a="http://schemas.openxmlformats.org/drawingml/2006/main" xmlns:r="http://schemas.openxmlformats.org/officeDocument/2006/relationships" xmlns:p="http://schemas.openxmlformats.org/presentationml/2006/main">
+  <p:cSld>
+    <p:spTree>
+      <p:nvGrpSpPr>
+        <p:cNvPr id="1" name=""/>
+        <p:cNvGrpSpPr/>
+        <p:nvPr/>
+      </p:nvGrpSpPr>
+      <p:grpSpPr>
+        <a:xfrm>
+          <a:off x="0" y="0"/>
+          <a:ext cx="0" cy="0"/>
+          <a:chOff x="0" y="0"/>
+          <a:chExt cx="0" cy="0"/>
+        </a:xfrm>
+      </p:grpSpPr>
+      <p:pic>
+        <p:nvPicPr>
+          <p:cNvPr id="17" name="Picture 16" descr="Chart, box and whisker chart&#10;&#10;Description automatically generated">
+            <a:extLst>
+              <a:ext uri="{FF2B5EF4-FFF2-40B4-BE49-F238E27FC236}">
+                <a16:creationId xmlns:a16="http://schemas.microsoft.com/office/drawing/2014/main" id="{7F42F359-66B1-49DF-9D45-6F0FFA2878A8}"/>
+              </a:ext>
+            </a:extLst>
+          </p:cNvPr>
+          <p:cNvPicPr>
+            <a:picLocks noChangeAspect="1"/>
+          </p:cNvPicPr>
+          <p:nvPr/>
+        </p:nvPicPr>
+        <p:blipFill>
+          <a:blip r:embed="rId2">
+            <a:extLst>
+              <a:ext uri="{28A0092B-C50C-407E-A947-70E740481C1C}">
+                <a14:useLocalDpi xmlns:a14="http://schemas.microsoft.com/office/drawing/2010/main" val="0"/>
+              </a:ext>
+            </a:extLst>
+          </a:blip>
+          <a:stretch>
+            <a:fillRect/>
+          </a:stretch>
+        </p:blipFill>
+        <p:spPr>
+          <a:xfrm>
+            <a:off x="3149968" y="2006778"/>
+            <a:ext cx="5892063" cy="2844444"/>
+          </a:xfrm>
+          <a:prstGeom prst="rect">
+            <a:avLst/>
+          </a:prstGeom>
+        </p:spPr>
+      </p:pic>
+    </p:spTree>
+    <p:extLst>
+      <p:ext uri="{BB962C8B-B14F-4D97-AF65-F5344CB8AC3E}">
+        <p14:creationId xmlns:p14="http://schemas.microsoft.com/office/powerpoint/2010/main" val="3958827437"/>
+      </p:ext>
+    </p:extLst>
+  </p:cSld>
+  <p:clrMapOvr>
+    <a:masterClrMapping/>
+  </p:clrMapOvr>
+</p:sld>
+</file>
+
+<file path=ppt/slides/slide12.xml><?xml version="1.0" encoding="utf-8"?>
+<p:sld xmlns:a="http://schemas.openxmlformats.org/drawingml/2006/main" xmlns:r="http://schemas.openxmlformats.org/officeDocument/2006/relationships" xmlns:p="http://schemas.openxmlformats.org/presentationml/2006/main">
+  <p:cSld>
+    <p:spTree>
+      <p:nvGrpSpPr>
+        <p:cNvPr id="1" name=""/>
+        <p:cNvGrpSpPr/>
+        <p:nvPr/>
+      </p:nvGrpSpPr>
+      <p:grpSpPr>
+        <a:xfrm>
+          <a:off x="0" y="0"/>
+          <a:ext cx="0" cy="0"/>
+          <a:chOff x="0" y="0"/>
+          <a:chExt cx="0" cy="0"/>
+        </a:xfrm>
+      </p:grpSpPr>
       <p:grpSp>
         <p:nvGrpSpPr>
           <p:cNvPr id="6" name="Group 5">
@@ -3772,7 +4078,7 @@
 </p:sld>
 </file>
 
-<file path=ppt/slides/slide11.xml><?xml version="1.0" encoding="utf-8"?>
+<file path=ppt/slides/slide13.xml><?xml version="1.0" encoding="utf-8"?>
 <p:sld xmlns:a="http://schemas.openxmlformats.org/drawingml/2006/main" xmlns:r="http://schemas.openxmlformats.org/officeDocument/2006/relationships" xmlns:p="http://schemas.openxmlformats.org/presentationml/2006/main">
   <p:cSld>
     <p:spTree>
@@ -5532,306 +5838,103 @@
           <a:chExt cx="0" cy="0"/>
         </a:xfrm>
       </p:grpSpPr>
-      <p:pic>
-        <p:nvPicPr>
-          <p:cNvPr id="3" name="Picture 2" descr="A picture containing graphical user interface&#10;&#10;Description automatically generated">
-            <a:extLst>
-              <a:ext uri="{FF2B5EF4-FFF2-40B4-BE49-F238E27FC236}">
-                <a16:creationId xmlns:a16="http://schemas.microsoft.com/office/drawing/2014/main" id="{CD43C183-2464-41B7-BDA0-36B2F336203D}"/>
-              </a:ext>
-            </a:extLst>
-          </p:cNvPr>
-          <p:cNvPicPr>
-            <a:picLocks noChangeAspect="1"/>
-          </p:cNvPicPr>
+      <p:grpSp>
+        <p:nvGrpSpPr>
+          <p:cNvPr id="6" name="Group 5">
+            <a:extLst>
+              <a:ext uri="{FF2B5EF4-FFF2-40B4-BE49-F238E27FC236}">
+                <a16:creationId xmlns:a16="http://schemas.microsoft.com/office/drawing/2014/main" id="{16523EC4-459B-4D1E-9E94-FDE875FAC9C7}"/>
+              </a:ext>
+            </a:extLst>
+          </p:cNvPr>
+          <p:cNvGrpSpPr/>
           <p:nvPr/>
-        </p:nvPicPr>
-        <p:blipFill rotWithShape="1">
-          <a:blip r:embed="rId2">
-            <a:extLst>
-              <a:ext uri="{28A0092B-C50C-407E-A947-70E740481C1C}">
-                <a14:useLocalDpi xmlns:a14="http://schemas.microsoft.com/office/drawing/2010/main" val="0"/>
-              </a:ext>
-            </a:extLst>
-          </a:blip>
-          <a:srcRect l="53966" t="5551" r="8953" b="8028"/>
-          <a:stretch/>
-        </p:blipFill>
-        <p:spPr>
+        </p:nvGrpSpPr>
+        <p:grpSpPr>
           <a:xfrm>
-            <a:off x="1162172" y="3619893"/>
-            <a:ext cx="2211964" cy="2577625"/>
+            <a:off x="610286" y="1204501"/>
+            <a:ext cx="10359029" cy="3657144"/>
+            <a:chOff x="610286" y="1204501"/>
+            <a:chExt cx="10359029" cy="3657144"/>
           </a:xfrm>
-          <a:prstGeom prst="rect">
-            <a:avLst/>
-          </a:prstGeom>
-        </p:spPr>
-      </p:pic>
-      <p:pic>
-        <p:nvPicPr>
-          <p:cNvPr id="6" name="Picture 5" descr="A picture containing graphical user interface&#10;&#10;Description automatically generated">
-            <a:extLst>
-              <a:ext uri="{FF2B5EF4-FFF2-40B4-BE49-F238E27FC236}">
-                <a16:creationId xmlns:a16="http://schemas.microsoft.com/office/drawing/2014/main" id="{7443D16B-0FAD-4640-B135-4160EB9F0872}"/>
-              </a:ext>
-            </a:extLst>
-          </p:cNvPr>
-          <p:cNvPicPr>
-            <a:picLocks noChangeAspect="1"/>
-          </p:cNvPicPr>
-          <p:nvPr/>
-        </p:nvPicPr>
-        <p:blipFill rotWithShape="1">
-          <a:blip r:embed="rId2">
-            <a:extLst>
-              <a:ext uri="{28A0092B-C50C-407E-A947-70E740481C1C}">
-                <a14:useLocalDpi xmlns:a14="http://schemas.microsoft.com/office/drawing/2010/main" val="0"/>
-              </a:ext>
-            </a:extLst>
-          </a:blip>
-          <a:srcRect l="9388" t="6901" r="51289" b="11424"/>
-          <a:stretch/>
-        </p:blipFill>
-        <p:spPr>
-          <a:xfrm>
-            <a:off x="1028436" y="1183848"/>
-            <a:ext cx="2345700" cy="2436045"/>
-          </a:xfrm>
-          <a:prstGeom prst="rect">
-            <a:avLst/>
-          </a:prstGeom>
-        </p:spPr>
-      </p:pic>
-      <p:pic>
-        <p:nvPicPr>
-          <p:cNvPr id="8" name="Picture 7" descr="A picture containing graphical user interface&#10;&#10;Description automatically generated">
-            <a:extLst>
-              <a:ext uri="{FF2B5EF4-FFF2-40B4-BE49-F238E27FC236}">
-                <a16:creationId xmlns:a16="http://schemas.microsoft.com/office/drawing/2014/main" id="{099E8B50-9393-457E-A16B-00FE03A26675}"/>
-              </a:ext>
-            </a:extLst>
-          </p:cNvPr>
-          <p:cNvPicPr>
-            <a:picLocks noChangeAspect="1"/>
-          </p:cNvPicPr>
-          <p:nvPr/>
-        </p:nvPicPr>
-        <p:blipFill rotWithShape="1">
-          <a:blip r:embed="rId2">
-            <a:extLst>
-              <a:ext uri="{28A0092B-C50C-407E-A947-70E740481C1C}">
-                <a14:useLocalDpi xmlns:a14="http://schemas.microsoft.com/office/drawing/2010/main" val="0"/>
-              </a:ext>
-            </a:extLst>
-          </a:blip>
-          <a:srcRect l="9388" t="8278" r="87840" b="11424"/>
-          <a:stretch/>
-        </p:blipFill>
-        <p:spPr>
-          <a:xfrm>
-            <a:off x="1028436" y="3711210"/>
-            <a:ext cx="165364" cy="2394989"/>
-          </a:xfrm>
-          <a:prstGeom prst="rect">
-            <a:avLst/>
-          </a:prstGeom>
-        </p:spPr>
-      </p:pic>
-      <p:sp>
-        <p:nvSpPr>
-          <p:cNvPr id="9" name="TextBox 8">
-            <a:extLst>
-              <a:ext uri="{FF2B5EF4-FFF2-40B4-BE49-F238E27FC236}">
-                <a16:creationId xmlns:a16="http://schemas.microsoft.com/office/drawing/2014/main" id="{6B4B378E-5C5B-4BDA-90BD-C320D3378031}"/>
-              </a:ext>
-            </a:extLst>
-          </p:cNvPr>
-          <p:cNvSpPr txBox="1"/>
-          <p:nvPr/>
-        </p:nvSpPr>
-        <p:spPr>
-          <a:xfrm>
-            <a:off x="1211420" y="722183"/>
-            <a:ext cx="2113468" cy="461665"/>
-          </a:xfrm>
-          <a:prstGeom prst="rect">
-            <a:avLst/>
-          </a:prstGeom>
-          <a:noFill/>
-        </p:spPr>
-        <p:txBody>
-          <a:bodyPr wrap="square" rtlCol="0">
-            <a:spAutoFit/>
-          </a:bodyPr>
-          <a:lstStyle/>
-          <a:p>
-            <a:pPr algn="ctr"/>
-            <a:r>
-              <a:rPr lang="en-US" sz="1200" dirty="0"/>
-              <a:t>% of Participants Requesting</a:t>
-            </a:r>
-          </a:p>
-          <a:p>
-            <a:pPr algn="ctr"/>
-            <a:r>
-              <a:rPr lang="en-US" sz="1200" dirty="0"/>
-              <a:t>Recommendation by Round</a:t>
-            </a:r>
-          </a:p>
-        </p:txBody>
-      </p:sp>
-      <p:pic>
-        <p:nvPicPr>
-          <p:cNvPr id="5" name="Picture 4" descr="Chart&#10;&#10;Description automatically generated">
-            <a:extLst>
-              <a:ext uri="{FF2B5EF4-FFF2-40B4-BE49-F238E27FC236}">
-                <a16:creationId xmlns:a16="http://schemas.microsoft.com/office/drawing/2014/main" id="{9109AA51-38B8-45B9-A65C-0C837643AE79}"/>
-              </a:ext>
-            </a:extLst>
-          </p:cNvPr>
-          <p:cNvPicPr>
-            <a:picLocks noChangeAspect="1"/>
-          </p:cNvPicPr>
-          <p:nvPr/>
-        </p:nvPicPr>
-        <p:blipFill rotWithShape="1">
-          <a:blip r:embed="rId3">
-            <a:extLst>
-              <a:ext uri="{28A0092B-C50C-407E-A947-70E740481C1C}">
-                <a14:useLocalDpi xmlns:a14="http://schemas.microsoft.com/office/drawing/2010/main" val="0"/>
-              </a:ext>
-            </a:extLst>
-          </a:blip>
-          <a:srcRect l="9302" t="7441" r="51449" b="11038"/>
-          <a:stretch/>
-        </p:blipFill>
-        <p:spPr>
-          <a:xfrm>
-            <a:off x="4317572" y="1183849"/>
-            <a:ext cx="2345701" cy="2436042"/>
-          </a:xfrm>
-          <a:prstGeom prst="rect">
-            <a:avLst/>
-          </a:prstGeom>
-        </p:spPr>
-      </p:pic>
-      <p:pic>
-        <p:nvPicPr>
-          <p:cNvPr id="22" name="Picture 21" descr="Chart&#10;&#10;Description automatically generated">
-            <a:extLst>
-              <a:ext uri="{FF2B5EF4-FFF2-40B4-BE49-F238E27FC236}">
-                <a16:creationId xmlns:a16="http://schemas.microsoft.com/office/drawing/2014/main" id="{9930E659-9E45-4949-906B-FBE565E1F116}"/>
-              </a:ext>
-            </a:extLst>
-          </p:cNvPr>
-          <p:cNvPicPr>
-            <a:picLocks noChangeAspect="1"/>
-          </p:cNvPicPr>
-          <p:nvPr/>
-        </p:nvPicPr>
-        <p:blipFill rotWithShape="1">
-          <a:blip r:embed="rId3">
-            <a:extLst>
-              <a:ext uri="{28A0092B-C50C-407E-A947-70E740481C1C}">
-                <a14:useLocalDpi xmlns:a14="http://schemas.microsoft.com/office/drawing/2010/main" val="0"/>
-              </a:ext>
-            </a:extLst>
-          </a:blip>
-          <a:srcRect l="53830" t="5541" r="9158" b="8199"/>
-          <a:stretch/>
-        </p:blipFill>
-        <p:spPr>
-          <a:xfrm>
-            <a:off x="4451309" y="3619893"/>
-            <a:ext cx="2211964" cy="2577626"/>
-          </a:xfrm>
-          <a:prstGeom prst="rect">
-            <a:avLst/>
-          </a:prstGeom>
-        </p:spPr>
-      </p:pic>
-      <p:pic>
-        <p:nvPicPr>
-          <p:cNvPr id="24" name="Picture 23" descr="A picture containing graphical user interface&#10;&#10;Description automatically generated">
-            <a:extLst>
-              <a:ext uri="{FF2B5EF4-FFF2-40B4-BE49-F238E27FC236}">
-                <a16:creationId xmlns:a16="http://schemas.microsoft.com/office/drawing/2014/main" id="{29A0470D-6EF1-4D18-A096-070C0182199A}"/>
-              </a:ext>
-            </a:extLst>
-          </p:cNvPr>
-          <p:cNvPicPr>
-            <a:picLocks noChangeAspect="1"/>
-          </p:cNvPicPr>
-          <p:nvPr/>
-        </p:nvPicPr>
-        <p:blipFill rotWithShape="1">
-          <a:blip r:embed="rId2">
-            <a:extLst>
-              <a:ext uri="{28A0092B-C50C-407E-A947-70E740481C1C}">
-                <a14:useLocalDpi xmlns:a14="http://schemas.microsoft.com/office/drawing/2010/main" val="0"/>
-              </a:ext>
-            </a:extLst>
-          </a:blip>
-          <a:srcRect l="9388" t="8278" r="87840" b="11424"/>
-          <a:stretch/>
-        </p:blipFill>
-        <p:spPr>
-          <a:xfrm>
-            <a:off x="4317572" y="3711210"/>
-            <a:ext cx="165364" cy="2394989"/>
-          </a:xfrm>
-          <a:prstGeom prst="rect">
-            <a:avLst/>
-          </a:prstGeom>
-        </p:spPr>
-      </p:pic>
-      <p:sp>
-        <p:nvSpPr>
-          <p:cNvPr id="25" name="TextBox 24">
-            <a:extLst>
-              <a:ext uri="{FF2B5EF4-FFF2-40B4-BE49-F238E27FC236}">
-                <a16:creationId xmlns:a16="http://schemas.microsoft.com/office/drawing/2014/main" id="{17118F67-E1D8-47ED-8646-8029CFC019CE}"/>
-              </a:ext>
-            </a:extLst>
-          </p:cNvPr>
-          <p:cNvSpPr txBox="1"/>
-          <p:nvPr/>
-        </p:nvSpPr>
-        <p:spPr>
-          <a:xfrm>
-            <a:off x="4500557" y="722183"/>
-            <a:ext cx="2113468" cy="461665"/>
-          </a:xfrm>
-          <a:prstGeom prst="rect">
-            <a:avLst/>
-          </a:prstGeom>
-          <a:noFill/>
-        </p:spPr>
-        <p:txBody>
-          <a:bodyPr wrap="square" rtlCol="0">
-            <a:spAutoFit/>
-          </a:bodyPr>
-          <a:lstStyle/>
-          <a:p>
-            <a:pPr algn="ctr"/>
-            <a:r>
-              <a:rPr lang="en-US" sz="1200" dirty="0"/>
-              <a:t>% of Participants Matching</a:t>
-            </a:r>
-          </a:p>
-          <a:p>
-            <a:pPr algn="ctr"/>
-            <a:r>
-              <a:rPr lang="en-US" sz="1200" dirty="0"/>
-              <a:t>AI Selection by Round</a:t>
-            </a:r>
-          </a:p>
-        </p:txBody>
-      </p:sp>
+        </p:grpSpPr>
+        <p:pic>
+          <p:nvPicPr>
+            <p:cNvPr id="3" name="Picture 2" descr="Chart, bar chart&#10;&#10;Description automatically generated">
+              <a:extLst>
+                <a:ext uri="{FF2B5EF4-FFF2-40B4-BE49-F238E27FC236}">
+                  <a16:creationId xmlns:a16="http://schemas.microsoft.com/office/drawing/2014/main" id="{7ED42983-A116-4AAD-B452-1CE4548BEEAD}"/>
+                </a:ext>
+              </a:extLst>
+            </p:cNvPr>
+            <p:cNvPicPr>
+              <a:picLocks noChangeAspect="1"/>
+            </p:cNvPicPr>
+            <p:nvPr/>
+          </p:nvPicPr>
+          <p:blipFill>
+            <a:blip r:embed="rId2">
+              <a:extLst>
+                <a:ext uri="{28A0092B-C50C-407E-A947-70E740481C1C}">
+                  <a14:useLocalDpi xmlns:a14="http://schemas.microsoft.com/office/drawing/2010/main" val="0"/>
+                </a:ext>
+              </a:extLst>
+            </a:blip>
+            <a:stretch>
+              <a:fillRect/>
+            </a:stretch>
+          </p:blipFill>
+          <p:spPr>
+            <a:xfrm>
+              <a:off x="5483601" y="1204502"/>
+              <a:ext cx="5485714" cy="3657143"/>
+            </a:xfrm>
+            <a:prstGeom prst="rect">
+              <a:avLst/>
+            </a:prstGeom>
+          </p:spPr>
+        </p:pic>
+        <p:pic>
+          <p:nvPicPr>
+            <p:cNvPr id="5" name="Picture 4" descr="Chart, bar chart&#10;&#10;Description automatically generated">
+              <a:extLst>
+                <a:ext uri="{FF2B5EF4-FFF2-40B4-BE49-F238E27FC236}">
+                  <a16:creationId xmlns:a16="http://schemas.microsoft.com/office/drawing/2014/main" id="{2FA4484F-6558-4198-BCD7-7FDBF9AAA9F2}"/>
+                </a:ext>
+              </a:extLst>
+            </p:cNvPr>
+            <p:cNvPicPr>
+              <a:picLocks noChangeAspect="1"/>
+            </p:cNvPicPr>
+            <p:nvPr/>
+          </p:nvPicPr>
+          <p:blipFill>
+            <a:blip r:embed="rId3">
+              <a:extLst>
+                <a:ext uri="{28A0092B-C50C-407E-A947-70E740481C1C}">
+                  <a14:useLocalDpi xmlns:a14="http://schemas.microsoft.com/office/drawing/2010/main" val="0"/>
+                </a:ext>
+              </a:extLst>
+            </a:blip>
+            <a:stretch>
+              <a:fillRect/>
+            </a:stretch>
+          </p:blipFill>
+          <p:spPr>
+            <a:xfrm>
+              <a:off x="610286" y="1204501"/>
+              <a:ext cx="5485714" cy="3657143"/>
+            </a:xfrm>
+            <a:prstGeom prst="rect">
+              <a:avLst/>
+            </a:prstGeom>
+          </p:spPr>
+        </p:pic>
+      </p:grpSp>
     </p:spTree>
     <p:extLst>
       <p:ext uri="{BB962C8B-B14F-4D97-AF65-F5344CB8AC3E}">
-        <p14:creationId xmlns:p14="http://schemas.microsoft.com/office/powerpoint/2010/main" val="355025388"/>
+        <p14:creationId xmlns:p14="http://schemas.microsoft.com/office/powerpoint/2010/main" val="2586527548"/>
       </p:ext>
     </p:extLst>
   </p:cSld>
@@ -5858,71 +5961,12 @@
           <a:chExt cx="0" cy="0"/>
         </a:xfrm>
       </p:grpSpPr>
-      <p:pic>
-        <p:nvPicPr>
-          <p:cNvPr id="9" name="Picture 8">
-            <a:extLst>
-              <a:ext uri="{FF2B5EF4-FFF2-40B4-BE49-F238E27FC236}">
-                <a16:creationId xmlns:a16="http://schemas.microsoft.com/office/drawing/2014/main" id="{1E7FF46F-DC19-4434-A656-8932ED9194C1}"/>
-              </a:ext>
-            </a:extLst>
-          </p:cNvPr>
-          <p:cNvPicPr>
-            <a:picLocks noChangeAspect="1"/>
-          </p:cNvPicPr>
-          <p:nvPr/>
-        </p:nvPicPr>
-        <p:blipFill>
-          <a:blip r:embed="rId2"/>
-          <a:stretch>
-            <a:fillRect/>
-          </a:stretch>
-        </p:blipFill>
-        <p:spPr>
-          <a:xfrm>
-            <a:off x="534056" y="302915"/>
-            <a:ext cx="2347163" cy="5480779"/>
-          </a:xfrm>
-          <a:prstGeom prst="rect">
-            <a:avLst/>
-          </a:prstGeom>
-        </p:spPr>
-      </p:pic>
-      <p:pic>
-        <p:nvPicPr>
-          <p:cNvPr id="20" name="Picture 19">
-            <a:extLst>
-              <a:ext uri="{FF2B5EF4-FFF2-40B4-BE49-F238E27FC236}">
-                <a16:creationId xmlns:a16="http://schemas.microsoft.com/office/drawing/2014/main" id="{E6FE5D62-47E0-41D2-BD07-25A78C9D4D2E}"/>
-              </a:ext>
-            </a:extLst>
-          </p:cNvPr>
-          <p:cNvPicPr>
-            <a:picLocks noChangeAspect="1"/>
-          </p:cNvPicPr>
-          <p:nvPr/>
-        </p:nvPicPr>
-        <p:blipFill rotWithShape="1">
-          <a:blip r:embed="rId3"/>
-          <a:srcRect l="6385"/>
-          <a:stretch/>
-        </p:blipFill>
-        <p:spPr>
-          <a:xfrm>
-            <a:off x="3031067" y="302914"/>
-            <a:ext cx="2197315" cy="5480779"/>
-          </a:xfrm>
-          <a:prstGeom prst="rect">
-            <a:avLst/>
-          </a:prstGeom>
-        </p:spPr>
-      </p:pic>
       <p:grpSp>
         <p:nvGrpSpPr>
-          <p:cNvPr id="30" name="Group 29">
-            <a:extLst>
-              <a:ext uri="{FF2B5EF4-FFF2-40B4-BE49-F238E27FC236}">
-                <a16:creationId xmlns:a16="http://schemas.microsoft.com/office/drawing/2014/main" id="{C64439AA-0075-44D8-B8EE-6A2ABE869AA0}"/>
+          <p:cNvPr id="22" name="Group 21">
+            <a:extLst>
+              <a:ext uri="{FF2B5EF4-FFF2-40B4-BE49-F238E27FC236}">
+                <a16:creationId xmlns:a16="http://schemas.microsoft.com/office/drawing/2014/main" id="{D5BFBF5E-987C-426D-9E28-104B6EC61DC2}"/>
               </a:ext>
             </a:extLst>
           </p:cNvPr>
@@ -5931,18 +5975,18 @@
         </p:nvGrpSpPr>
         <p:grpSpPr>
           <a:xfrm>
-            <a:off x="6559769" y="302913"/>
-            <a:ext cx="4694327" cy="5480779"/>
-            <a:chOff x="6559769" y="302913"/>
-            <a:chExt cx="4694327" cy="5480779"/>
+            <a:off x="3246120" y="803933"/>
+            <a:ext cx="4741353" cy="4097429"/>
+            <a:chOff x="3246120" y="803933"/>
+            <a:chExt cx="4741353" cy="4097429"/>
           </a:xfrm>
         </p:grpSpPr>
         <p:pic>
           <p:nvPicPr>
-            <p:cNvPr id="25" name="Picture 24">
+            <p:cNvPr id="3" name="Picture 2" descr="Chart, bar chart&#10;&#10;Description automatically generated">
               <a:extLst>
                 <a:ext uri="{FF2B5EF4-FFF2-40B4-BE49-F238E27FC236}">
-                  <a16:creationId xmlns:a16="http://schemas.microsoft.com/office/drawing/2014/main" id="{0B6B6586-5BB7-4055-97B2-D1ED3A03D2CB}"/>
+                  <a16:creationId xmlns:a16="http://schemas.microsoft.com/office/drawing/2014/main" id="{DC88DCC9-EE37-4057-B099-3B51D4BBE6E9}"/>
                 </a:ext>
               </a:extLst>
             </p:cNvPr>
@@ -5951,16 +5995,56 @@
             </p:cNvPicPr>
             <p:nvPr/>
           </p:nvPicPr>
-          <p:blipFill>
-            <a:blip r:embed="rId4"/>
-            <a:stretch>
-              <a:fillRect/>
-            </a:stretch>
+          <p:blipFill rotWithShape="1">
+            <a:blip r:embed="rId2">
+              <a:extLst>
+                <a:ext uri="{28A0092B-C50C-407E-A947-70E740481C1C}">
+                  <a14:useLocalDpi xmlns:a14="http://schemas.microsoft.com/office/drawing/2010/main" val="0"/>
+                </a:ext>
+              </a:extLst>
+            </a:blip>
+            <a:srcRect l="11916" t="11374" r="51925" b="11037"/>
+            <a:stretch/>
           </p:blipFill>
           <p:spPr>
             <a:xfrm>
-              <a:off x="6559769" y="302913"/>
-              <a:ext cx="4694327" cy="5480779"/>
+              <a:off x="5711767" y="1424941"/>
+              <a:ext cx="2244752" cy="1608108"/>
+            </a:xfrm>
+            <a:prstGeom prst="rect">
+              <a:avLst/>
+            </a:prstGeom>
+          </p:spPr>
+        </p:pic>
+        <p:pic>
+          <p:nvPicPr>
+            <p:cNvPr id="6" name="Picture 5" descr="Chart, bar chart&#10;&#10;Description automatically generated">
+              <a:extLst>
+                <a:ext uri="{FF2B5EF4-FFF2-40B4-BE49-F238E27FC236}">
+                  <a16:creationId xmlns:a16="http://schemas.microsoft.com/office/drawing/2014/main" id="{75A649F3-B39F-4E10-9F2E-B128DE2BA6AA}"/>
+                </a:ext>
+              </a:extLst>
+            </p:cNvPr>
+            <p:cNvPicPr>
+              <a:picLocks noChangeAspect="1"/>
+            </p:cNvPicPr>
+            <p:nvPr/>
+          </p:nvPicPr>
+          <p:blipFill rotWithShape="1">
+            <a:blip r:embed="rId2">
+              <a:extLst>
+                <a:ext uri="{28A0092B-C50C-407E-A947-70E740481C1C}">
+                  <a14:useLocalDpi xmlns:a14="http://schemas.microsoft.com/office/drawing/2010/main" val="0"/>
+                </a:ext>
+              </a:extLst>
+            </a:blip>
+            <a:srcRect l="54257" t="11400" r="9245" b="6116"/>
+            <a:stretch/>
+          </p:blipFill>
+          <p:spPr>
+            <a:xfrm>
+              <a:off x="5721773" y="3191799"/>
+              <a:ext cx="2265700" cy="1709563"/>
             </a:xfrm>
             <a:prstGeom prst="rect">
               <a:avLst/>
@@ -5969,98 +6053,335 @@
         </p:pic>
         <p:sp>
           <p:nvSpPr>
-            <p:cNvPr id="28" name="Oval 27">
+            <p:cNvPr id="7" name="TextBox 6">
               <a:extLst>
                 <a:ext uri="{FF2B5EF4-FFF2-40B4-BE49-F238E27FC236}">
-                  <a16:creationId xmlns:a16="http://schemas.microsoft.com/office/drawing/2014/main" id="{6DF51DAB-64C7-4FE1-8A3D-CF55F1600994}"/>
+                  <a16:creationId xmlns:a16="http://schemas.microsoft.com/office/drawing/2014/main" id="{7BB2913E-B176-48CD-A50F-75C5B61B6334}"/>
                 </a:ext>
               </a:extLst>
             </p:cNvPr>
-            <p:cNvSpPr/>
+            <p:cNvSpPr txBox="1"/>
             <p:nvPr/>
           </p:nvSpPr>
           <p:spPr>
             <a:xfrm>
-              <a:off x="6591738" y="577250"/>
-              <a:ext cx="228600" cy="228600"/>
+              <a:off x="5777409" y="803933"/>
+              <a:ext cx="2113468" cy="461665"/>
             </a:xfrm>
-            <a:prstGeom prst="ellipse">
+            <a:prstGeom prst="rect">
               <a:avLst/>
             </a:prstGeom>
+            <a:noFill/>
           </p:spPr>
-          <p:style>
-            <a:lnRef idx="2">
-              <a:schemeClr val="dk1">
-                <a:shade val="50000"/>
-              </a:schemeClr>
-            </a:lnRef>
-            <a:fillRef idx="1">
-              <a:schemeClr val="dk1"/>
-            </a:fillRef>
-            <a:effectRef idx="0">
-              <a:schemeClr val="dk1"/>
-            </a:effectRef>
-            <a:fontRef idx="minor">
-              <a:schemeClr val="lt1"/>
-            </a:fontRef>
-          </p:style>
           <p:txBody>
-            <a:bodyPr rtlCol="0" anchor="ctr"/>
+            <a:bodyPr wrap="square" rtlCol="0">
+              <a:spAutoFit/>
+            </a:bodyPr>
             <a:lstStyle/>
             <a:p>
               <a:pPr algn="ctr"/>
               <a:r>
-                <a:rPr lang="en-US" sz="1400" dirty="0"/>
-                <a:t>a</a:t>
+                <a:rPr lang="en-US" sz="1200" dirty="0"/>
+                <a:t>% of Participants Matching</a:t>
+              </a:r>
+            </a:p>
+            <a:p>
+              <a:pPr algn="ctr"/>
+              <a:r>
+                <a:rPr lang="en-US" sz="1200" dirty="0"/>
+                <a:t>AI Selection by Round</a:t>
+              </a:r>
+            </a:p>
+          </p:txBody>
+        </p:sp>
+        <p:pic>
+          <p:nvPicPr>
+            <p:cNvPr id="5" name="Picture 4" descr="Chart&#10;&#10;Description automatically generated">
+              <a:extLst>
+                <a:ext uri="{FF2B5EF4-FFF2-40B4-BE49-F238E27FC236}">
+                  <a16:creationId xmlns:a16="http://schemas.microsoft.com/office/drawing/2014/main" id="{DCD0C38C-0B8F-40E6-90A5-C6C59E8D5AA0}"/>
+                </a:ext>
+              </a:extLst>
+            </p:cNvPr>
+            <p:cNvPicPr>
+              <a:picLocks noChangeAspect="1"/>
+            </p:cNvPicPr>
+            <p:nvPr/>
+          </p:nvPicPr>
+          <p:blipFill rotWithShape="1">
+            <a:blip r:embed="rId3">
+              <a:extLst>
+                <a:ext uri="{28A0092B-C50C-407E-A947-70E740481C1C}">
+                  <a14:useLocalDpi xmlns:a14="http://schemas.microsoft.com/office/drawing/2010/main" val="0"/>
+                </a:ext>
+              </a:extLst>
+            </a:blip>
+            <a:srcRect l="9568" t="11223" r="51710" b="10711"/>
+            <a:stretch/>
+          </p:blipFill>
+          <p:spPr>
+            <a:xfrm>
+              <a:off x="3246120" y="1411452"/>
+              <a:ext cx="2411113" cy="1620303"/>
+            </a:xfrm>
+            <a:prstGeom prst="rect">
+              <a:avLst/>
+            </a:prstGeom>
+          </p:spPr>
+        </p:pic>
+        <p:pic>
+          <p:nvPicPr>
+            <p:cNvPr id="9" name="Picture 8" descr="Chart&#10;&#10;Description automatically generated">
+              <a:extLst>
+                <a:ext uri="{FF2B5EF4-FFF2-40B4-BE49-F238E27FC236}">
+                  <a16:creationId xmlns:a16="http://schemas.microsoft.com/office/drawing/2014/main" id="{58B1262B-37C2-4E00-8F53-C8D478BB609D}"/>
+                </a:ext>
+              </a:extLst>
+            </p:cNvPr>
+            <p:cNvPicPr>
+              <a:picLocks noChangeAspect="1"/>
+            </p:cNvPicPr>
+            <p:nvPr/>
+          </p:nvPicPr>
+          <p:blipFill rotWithShape="1">
+            <a:blip r:embed="rId3">
+              <a:extLst>
+                <a:ext uri="{28A0092B-C50C-407E-A947-70E740481C1C}">
+                  <a14:useLocalDpi xmlns:a14="http://schemas.microsoft.com/office/drawing/2010/main" val="0"/>
+                </a:ext>
+              </a:extLst>
+            </a:blip>
+            <a:srcRect l="54188" t="11285" r="9573" b="5649"/>
+            <a:stretch/>
+          </p:blipFill>
+          <p:spPr>
+            <a:xfrm>
+              <a:off x="3398981" y="3182035"/>
+              <a:ext cx="2250227" cy="1719327"/>
+            </a:xfrm>
+            <a:prstGeom prst="rect">
+              <a:avLst/>
+            </a:prstGeom>
+          </p:spPr>
+        </p:pic>
+        <p:sp>
+          <p:nvSpPr>
+            <p:cNvPr id="12" name="TextBox 11">
+              <a:extLst>
+                <a:ext uri="{FF2B5EF4-FFF2-40B4-BE49-F238E27FC236}">
+                  <a16:creationId xmlns:a16="http://schemas.microsoft.com/office/drawing/2014/main" id="{4DEDE5BE-82AE-4D41-84C6-EE37374AB481}"/>
+                </a:ext>
+              </a:extLst>
+            </p:cNvPr>
+            <p:cNvSpPr txBox="1"/>
+            <p:nvPr/>
+          </p:nvSpPr>
+          <p:spPr>
+            <a:xfrm>
+              <a:off x="3467360" y="803933"/>
+              <a:ext cx="2113468" cy="461665"/>
+            </a:xfrm>
+            <a:prstGeom prst="rect">
+              <a:avLst/>
+            </a:prstGeom>
+            <a:noFill/>
+          </p:spPr>
+          <p:txBody>
+            <a:bodyPr wrap="square" rtlCol="0">
+              <a:spAutoFit/>
+            </a:bodyPr>
+            <a:lstStyle/>
+            <a:p>
+              <a:pPr algn="ctr"/>
+              <a:r>
+                <a:rPr lang="en-US" sz="1200" dirty="0"/>
+                <a:t>% of Participants Requesting</a:t>
+              </a:r>
+            </a:p>
+            <a:p>
+              <a:pPr algn="ctr"/>
+              <a:r>
+                <a:rPr lang="en-US" sz="1200" dirty="0"/>
+                <a:t>Recommendation by Round</a:t>
+              </a:r>
+            </a:p>
+          </p:txBody>
+        </p:sp>
+        <p:pic>
+          <p:nvPicPr>
+            <p:cNvPr id="14" name="Picture 13" descr="Chart&#10;&#10;Description automatically generated">
+              <a:extLst>
+                <a:ext uri="{FF2B5EF4-FFF2-40B4-BE49-F238E27FC236}">
+                  <a16:creationId xmlns:a16="http://schemas.microsoft.com/office/drawing/2014/main" id="{58E6E136-09F4-45D3-B482-7DCAA1000C39}"/>
+                </a:ext>
+              </a:extLst>
+            </p:cNvPr>
+            <p:cNvPicPr>
+              <a:picLocks noChangeAspect="1"/>
+            </p:cNvPicPr>
+            <p:nvPr/>
+          </p:nvPicPr>
+          <p:blipFill rotWithShape="1">
+            <a:blip r:embed="rId3">
+              <a:extLst>
+                <a:ext uri="{28A0092B-C50C-407E-A947-70E740481C1C}">
+                  <a14:useLocalDpi xmlns:a14="http://schemas.microsoft.com/office/drawing/2010/main" val="0"/>
+                </a:ext>
+              </a:extLst>
+            </a:blip>
+            <a:srcRect l="9400" t="11223" r="87984" b="10711"/>
+            <a:stretch/>
+          </p:blipFill>
+          <p:spPr>
+            <a:xfrm>
+              <a:off x="3246120" y="3182035"/>
+              <a:ext cx="162868" cy="1620303"/>
+            </a:xfrm>
+            <a:prstGeom prst="rect">
+              <a:avLst/>
+            </a:prstGeom>
+          </p:spPr>
+        </p:pic>
+        <p:sp>
+          <p:nvSpPr>
+            <p:cNvPr id="17" name="TextBox 16">
+              <a:extLst>
+                <a:ext uri="{FF2B5EF4-FFF2-40B4-BE49-F238E27FC236}">
+                  <a16:creationId xmlns:a16="http://schemas.microsoft.com/office/drawing/2014/main" id="{2B2F99B7-D69E-4D4C-AC2B-20A7F3E8174F}"/>
+                </a:ext>
+              </a:extLst>
+            </p:cNvPr>
+            <p:cNvSpPr txBox="1"/>
+            <p:nvPr/>
+          </p:nvSpPr>
+          <p:spPr>
+            <a:xfrm>
+              <a:off x="4124340" y="3025776"/>
+              <a:ext cx="809516" cy="223138"/>
+            </a:xfrm>
+            <a:prstGeom prst="rect">
+              <a:avLst/>
+            </a:prstGeom>
+            <a:noFill/>
+          </p:spPr>
+          <p:txBody>
+            <a:bodyPr wrap="square" rtlCol="0">
+              <a:spAutoFit/>
+            </a:bodyPr>
+            <a:lstStyle/>
+            <a:p>
+              <a:pPr algn="ctr"/>
+              <a:r>
+                <a:rPr lang="en-US" sz="800" dirty="0"/>
+                <a:t>Movies Task</a:t>
               </a:r>
             </a:p>
           </p:txBody>
         </p:sp>
         <p:sp>
           <p:nvSpPr>
-            <p:cNvPr id="29" name="Oval 28">
+            <p:cNvPr id="19" name="TextBox 18">
               <a:extLst>
                 <a:ext uri="{FF2B5EF4-FFF2-40B4-BE49-F238E27FC236}">
-                  <a16:creationId xmlns:a16="http://schemas.microsoft.com/office/drawing/2014/main" id="{F0827BCB-58F6-4DC0-A141-F728E5B96DC7}"/>
+                  <a16:creationId xmlns:a16="http://schemas.microsoft.com/office/drawing/2014/main" id="{F94230CF-E8E1-42C6-87D8-63E63C2A21B5}"/>
                 </a:ext>
               </a:extLst>
             </p:cNvPr>
-            <p:cNvSpPr/>
+            <p:cNvSpPr txBox="1"/>
             <p:nvPr/>
           </p:nvSpPr>
           <p:spPr>
             <a:xfrm>
-              <a:off x="8995832" y="577250"/>
-              <a:ext cx="228600" cy="228600"/>
+              <a:off x="6427119" y="3026544"/>
+              <a:ext cx="809516" cy="223138"/>
             </a:xfrm>
-            <a:prstGeom prst="ellipse">
+            <a:prstGeom prst="rect">
               <a:avLst/>
             </a:prstGeom>
+            <a:noFill/>
           </p:spPr>
-          <p:style>
-            <a:lnRef idx="2">
-              <a:schemeClr val="dk1">
-                <a:shade val="50000"/>
-              </a:schemeClr>
-            </a:lnRef>
-            <a:fillRef idx="1">
-              <a:schemeClr val="dk1"/>
-            </a:fillRef>
-            <a:effectRef idx="0">
-              <a:schemeClr val="dk1"/>
-            </a:effectRef>
-            <a:fontRef idx="minor">
-              <a:schemeClr val="lt1"/>
-            </a:fontRef>
-          </p:style>
           <p:txBody>
-            <a:bodyPr rtlCol="0" anchor="ctr"/>
+            <a:bodyPr wrap="square" rtlCol="0">
+              <a:spAutoFit/>
+            </a:bodyPr>
             <a:lstStyle/>
             <a:p>
               <a:pPr algn="ctr"/>
               <a:r>
-                <a:rPr lang="en-US" sz="1400" dirty="0"/>
-                <a:t>b</a:t>
+                <a:rPr lang="en-US" sz="800" dirty="0"/>
+                <a:t>Movies Task</a:t>
+              </a:r>
+            </a:p>
+          </p:txBody>
+        </p:sp>
+        <p:sp>
+          <p:nvSpPr>
+            <p:cNvPr id="20" name="TextBox 19">
+              <a:extLst>
+                <a:ext uri="{FF2B5EF4-FFF2-40B4-BE49-F238E27FC236}">
+                  <a16:creationId xmlns:a16="http://schemas.microsoft.com/office/drawing/2014/main" id="{4522C2CF-564C-4FB7-9898-16FEBE6A7920}"/>
+                </a:ext>
+              </a:extLst>
+            </p:cNvPr>
+            <p:cNvSpPr txBox="1"/>
+            <p:nvPr/>
+          </p:nvSpPr>
+          <p:spPr>
+            <a:xfrm>
+              <a:off x="4115356" y="1261172"/>
+              <a:ext cx="809516" cy="223138"/>
+            </a:xfrm>
+            <a:prstGeom prst="rect">
+              <a:avLst/>
+            </a:prstGeom>
+            <a:noFill/>
+          </p:spPr>
+          <p:txBody>
+            <a:bodyPr wrap="square" rtlCol="0">
+              <a:spAutoFit/>
+            </a:bodyPr>
+            <a:lstStyle/>
+            <a:p>
+              <a:pPr algn="ctr"/>
+              <a:r>
+                <a:rPr lang="en-US" sz="800" dirty="0"/>
+                <a:t>Hiring Task</a:t>
+              </a:r>
+            </a:p>
+          </p:txBody>
+        </p:sp>
+        <p:sp>
+          <p:nvSpPr>
+            <p:cNvPr id="21" name="TextBox 20">
+              <a:extLst>
+                <a:ext uri="{FF2B5EF4-FFF2-40B4-BE49-F238E27FC236}">
+                  <a16:creationId xmlns:a16="http://schemas.microsoft.com/office/drawing/2014/main" id="{361549F7-DD86-4D98-9EF8-C7660B8411AE}"/>
+                </a:ext>
+              </a:extLst>
+            </p:cNvPr>
+            <p:cNvSpPr txBox="1"/>
+            <p:nvPr/>
+          </p:nvSpPr>
+          <p:spPr>
+            <a:xfrm>
+              <a:off x="6449865" y="1261172"/>
+              <a:ext cx="809516" cy="223138"/>
+            </a:xfrm>
+            <a:prstGeom prst="rect">
+              <a:avLst/>
+            </a:prstGeom>
+            <a:noFill/>
+          </p:spPr>
+          <p:txBody>
+            <a:bodyPr wrap="square" rtlCol="0">
+              <a:spAutoFit/>
+            </a:bodyPr>
+            <a:lstStyle/>
+            <a:p>
+              <a:pPr algn="ctr"/>
+              <a:r>
+                <a:rPr lang="en-US" sz="800" dirty="0"/>
+                <a:t>Hiring Task</a:t>
               </a:r>
             </a:p>
           </p:txBody>
@@ -6069,7 +6390,7 @@
     </p:spTree>
     <p:extLst>
       <p:ext uri="{BB962C8B-B14F-4D97-AF65-F5344CB8AC3E}">
-        <p14:creationId xmlns:p14="http://schemas.microsoft.com/office/powerpoint/2010/main" val="1498292876"/>
+        <p14:creationId xmlns:p14="http://schemas.microsoft.com/office/powerpoint/2010/main" val="851940790"/>
       </p:ext>
     </p:extLst>
   </p:cSld>
@@ -6098,10 +6419,10 @@
       </p:grpSpPr>
       <p:pic>
         <p:nvPicPr>
-          <p:cNvPr id="17" name="Picture 16" descr="Chart, box and whisker chart&#10;&#10;Description automatically generated">
-            <a:extLst>
-              <a:ext uri="{FF2B5EF4-FFF2-40B4-BE49-F238E27FC236}">
-                <a16:creationId xmlns:a16="http://schemas.microsoft.com/office/drawing/2014/main" id="{7F42F359-66B1-49DF-9D45-6F0FFA2878A8}"/>
+          <p:cNvPr id="3" name="Picture 2" descr="A picture containing graphical user interface&#10;&#10;Description automatically generated">
+            <a:extLst>
+              <a:ext uri="{FF2B5EF4-FFF2-40B4-BE49-F238E27FC236}">
+                <a16:creationId xmlns:a16="http://schemas.microsoft.com/office/drawing/2014/main" id="{CD43C183-2464-41B7-BDA0-36B2F336203D}"/>
               </a:ext>
             </a:extLst>
           </p:cNvPr>
@@ -6110,7 +6431,7 @@
           </p:cNvPicPr>
           <p:nvPr/>
         </p:nvPicPr>
-        <p:blipFill>
+        <p:blipFill rotWithShape="1">
           <a:blip r:embed="rId2">
             <a:extLst>
               <a:ext uri="{28A0092B-C50C-407E-A947-70E740481C1C}">
@@ -6118,24 +6439,284 @@
               </a:ext>
             </a:extLst>
           </a:blip>
-          <a:stretch>
-            <a:fillRect/>
-          </a:stretch>
+          <a:srcRect l="53966" t="5551" r="8953" b="8028"/>
+          <a:stretch/>
         </p:blipFill>
         <p:spPr>
           <a:xfrm>
-            <a:off x="3149968" y="2006778"/>
-            <a:ext cx="5892063" cy="2844444"/>
+            <a:off x="1162172" y="3619893"/>
+            <a:ext cx="2211964" cy="2577625"/>
           </a:xfrm>
           <a:prstGeom prst="rect">
             <a:avLst/>
           </a:prstGeom>
         </p:spPr>
       </p:pic>
+      <p:pic>
+        <p:nvPicPr>
+          <p:cNvPr id="6" name="Picture 5" descr="A picture containing graphical user interface&#10;&#10;Description automatically generated">
+            <a:extLst>
+              <a:ext uri="{FF2B5EF4-FFF2-40B4-BE49-F238E27FC236}">
+                <a16:creationId xmlns:a16="http://schemas.microsoft.com/office/drawing/2014/main" id="{7443D16B-0FAD-4640-B135-4160EB9F0872}"/>
+              </a:ext>
+            </a:extLst>
+          </p:cNvPr>
+          <p:cNvPicPr>
+            <a:picLocks noChangeAspect="1"/>
+          </p:cNvPicPr>
+          <p:nvPr/>
+        </p:nvPicPr>
+        <p:blipFill rotWithShape="1">
+          <a:blip r:embed="rId2">
+            <a:extLst>
+              <a:ext uri="{28A0092B-C50C-407E-A947-70E740481C1C}">
+                <a14:useLocalDpi xmlns:a14="http://schemas.microsoft.com/office/drawing/2010/main" val="0"/>
+              </a:ext>
+            </a:extLst>
+          </a:blip>
+          <a:srcRect l="9388" t="6901" r="51289" b="11424"/>
+          <a:stretch/>
+        </p:blipFill>
+        <p:spPr>
+          <a:xfrm>
+            <a:off x="1028436" y="1183848"/>
+            <a:ext cx="2345700" cy="2436045"/>
+          </a:xfrm>
+          <a:prstGeom prst="rect">
+            <a:avLst/>
+          </a:prstGeom>
+        </p:spPr>
+      </p:pic>
+      <p:pic>
+        <p:nvPicPr>
+          <p:cNvPr id="8" name="Picture 7" descr="A picture containing graphical user interface&#10;&#10;Description automatically generated">
+            <a:extLst>
+              <a:ext uri="{FF2B5EF4-FFF2-40B4-BE49-F238E27FC236}">
+                <a16:creationId xmlns:a16="http://schemas.microsoft.com/office/drawing/2014/main" id="{099E8B50-9393-457E-A16B-00FE03A26675}"/>
+              </a:ext>
+            </a:extLst>
+          </p:cNvPr>
+          <p:cNvPicPr>
+            <a:picLocks noChangeAspect="1"/>
+          </p:cNvPicPr>
+          <p:nvPr/>
+        </p:nvPicPr>
+        <p:blipFill rotWithShape="1">
+          <a:blip r:embed="rId2">
+            <a:extLst>
+              <a:ext uri="{28A0092B-C50C-407E-A947-70E740481C1C}">
+                <a14:useLocalDpi xmlns:a14="http://schemas.microsoft.com/office/drawing/2010/main" val="0"/>
+              </a:ext>
+            </a:extLst>
+          </a:blip>
+          <a:srcRect l="9388" t="8278" r="87840" b="11424"/>
+          <a:stretch/>
+        </p:blipFill>
+        <p:spPr>
+          <a:xfrm>
+            <a:off x="1028436" y="3711210"/>
+            <a:ext cx="165364" cy="2394989"/>
+          </a:xfrm>
+          <a:prstGeom prst="rect">
+            <a:avLst/>
+          </a:prstGeom>
+        </p:spPr>
+      </p:pic>
+      <p:sp>
+        <p:nvSpPr>
+          <p:cNvPr id="9" name="TextBox 8">
+            <a:extLst>
+              <a:ext uri="{FF2B5EF4-FFF2-40B4-BE49-F238E27FC236}">
+                <a16:creationId xmlns:a16="http://schemas.microsoft.com/office/drawing/2014/main" id="{6B4B378E-5C5B-4BDA-90BD-C320D3378031}"/>
+              </a:ext>
+            </a:extLst>
+          </p:cNvPr>
+          <p:cNvSpPr txBox="1"/>
+          <p:nvPr/>
+        </p:nvSpPr>
+        <p:spPr>
+          <a:xfrm>
+            <a:off x="1211420" y="722183"/>
+            <a:ext cx="2113468" cy="461665"/>
+          </a:xfrm>
+          <a:prstGeom prst="rect">
+            <a:avLst/>
+          </a:prstGeom>
+          <a:noFill/>
+        </p:spPr>
+        <p:txBody>
+          <a:bodyPr wrap="square" rtlCol="0">
+            <a:spAutoFit/>
+          </a:bodyPr>
+          <a:lstStyle/>
+          <a:p>
+            <a:pPr algn="ctr"/>
+            <a:r>
+              <a:rPr lang="en-US" sz="1200" dirty="0"/>
+              <a:t>% of Participants Requesting</a:t>
+            </a:r>
+          </a:p>
+          <a:p>
+            <a:pPr algn="ctr"/>
+            <a:r>
+              <a:rPr lang="en-US" sz="1200" dirty="0"/>
+              <a:t>Recommendation by Round</a:t>
+            </a:r>
+          </a:p>
+        </p:txBody>
+      </p:sp>
+      <p:pic>
+        <p:nvPicPr>
+          <p:cNvPr id="5" name="Picture 4" descr="Chart&#10;&#10;Description automatically generated">
+            <a:extLst>
+              <a:ext uri="{FF2B5EF4-FFF2-40B4-BE49-F238E27FC236}">
+                <a16:creationId xmlns:a16="http://schemas.microsoft.com/office/drawing/2014/main" id="{9109AA51-38B8-45B9-A65C-0C837643AE79}"/>
+              </a:ext>
+            </a:extLst>
+          </p:cNvPr>
+          <p:cNvPicPr>
+            <a:picLocks noChangeAspect="1"/>
+          </p:cNvPicPr>
+          <p:nvPr/>
+        </p:nvPicPr>
+        <p:blipFill rotWithShape="1">
+          <a:blip r:embed="rId3">
+            <a:extLst>
+              <a:ext uri="{28A0092B-C50C-407E-A947-70E740481C1C}">
+                <a14:useLocalDpi xmlns:a14="http://schemas.microsoft.com/office/drawing/2010/main" val="0"/>
+              </a:ext>
+            </a:extLst>
+          </a:blip>
+          <a:srcRect l="9302" t="7441" r="51449" b="11038"/>
+          <a:stretch/>
+        </p:blipFill>
+        <p:spPr>
+          <a:xfrm>
+            <a:off x="4317572" y="1183849"/>
+            <a:ext cx="2345701" cy="2436042"/>
+          </a:xfrm>
+          <a:prstGeom prst="rect">
+            <a:avLst/>
+          </a:prstGeom>
+        </p:spPr>
+      </p:pic>
+      <p:pic>
+        <p:nvPicPr>
+          <p:cNvPr id="22" name="Picture 21" descr="Chart&#10;&#10;Description automatically generated">
+            <a:extLst>
+              <a:ext uri="{FF2B5EF4-FFF2-40B4-BE49-F238E27FC236}">
+                <a16:creationId xmlns:a16="http://schemas.microsoft.com/office/drawing/2014/main" id="{9930E659-9E45-4949-906B-FBE565E1F116}"/>
+              </a:ext>
+            </a:extLst>
+          </p:cNvPr>
+          <p:cNvPicPr>
+            <a:picLocks noChangeAspect="1"/>
+          </p:cNvPicPr>
+          <p:nvPr/>
+        </p:nvPicPr>
+        <p:blipFill rotWithShape="1">
+          <a:blip r:embed="rId3">
+            <a:extLst>
+              <a:ext uri="{28A0092B-C50C-407E-A947-70E740481C1C}">
+                <a14:useLocalDpi xmlns:a14="http://schemas.microsoft.com/office/drawing/2010/main" val="0"/>
+              </a:ext>
+            </a:extLst>
+          </a:blip>
+          <a:srcRect l="53830" t="5541" r="9158" b="8199"/>
+          <a:stretch/>
+        </p:blipFill>
+        <p:spPr>
+          <a:xfrm>
+            <a:off x="4451309" y="3619893"/>
+            <a:ext cx="2211964" cy="2577626"/>
+          </a:xfrm>
+          <a:prstGeom prst="rect">
+            <a:avLst/>
+          </a:prstGeom>
+        </p:spPr>
+      </p:pic>
+      <p:pic>
+        <p:nvPicPr>
+          <p:cNvPr id="24" name="Picture 23" descr="A picture containing graphical user interface&#10;&#10;Description automatically generated">
+            <a:extLst>
+              <a:ext uri="{FF2B5EF4-FFF2-40B4-BE49-F238E27FC236}">
+                <a16:creationId xmlns:a16="http://schemas.microsoft.com/office/drawing/2014/main" id="{29A0470D-6EF1-4D18-A096-070C0182199A}"/>
+              </a:ext>
+            </a:extLst>
+          </p:cNvPr>
+          <p:cNvPicPr>
+            <a:picLocks noChangeAspect="1"/>
+          </p:cNvPicPr>
+          <p:nvPr/>
+        </p:nvPicPr>
+        <p:blipFill rotWithShape="1">
+          <a:blip r:embed="rId2">
+            <a:extLst>
+              <a:ext uri="{28A0092B-C50C-407E-A947-70E740481C1C}">
+                <a14:useLocalDpi xmlns:a14="http://schemas.microsoft.com/office/drawing/2010/main" val="0"/>
+              </a:ext>
+            </a:extLst>
+          </a:blip>
+          <a:srcRect l="9388" t="8278" r="87840" b="11424"/>
+          <a:stretch/>
+        </p:blipFill>
+        <p:spPr>
+          <a:xfrm>
+            <a:off x="4317572" y="3711210"/>
+            <a:ext cx="165364" cy="2394989"/>
+          </a:xfrm>
+          <a:prstGeom prst="rect">
+            <a:avLst/>
+          </a:prstGeom>
+        </p:spPr>
+      </p:pic>
+      <p:sp>
+        <p:nvSpPr>
+          <p:cNvPr id="25" name="TextBox 24">
+            <a:extLst>
+              <a:ext uri="{FF2B5EF4-FFF2-40B4-BE49-F238E27FC236}">
+                <a16:creationId xmlns:a16="http://schemas.microsoft.com/office/drawing/2014/main" id="{17118F67-E1D8-47ED-8646-8029CFC019CE}"/>
+              </a:ext>
+            </a:extLst>
+          </p:cNvPr>
+          <p:cNvSpPr txBox="1"/>
+          <p:nvPr/>
+        </p:nvSpPr>
+        <p:spPr>
+          <a:xfrm>
+            <a:off x="4500557" y="722183"/>
+            <a:ext cx="2113468" cy="461665"/>
+          </a:xfrm>
+          <a:prstGeom prst="rect">
+            <a:avLst/>
+          </a:prstGeom>
+          <a:noFill/>
+        </p:spPr>
+        <p:txBody>
+          <a:bodyPr wrap="square" rtlCol="0">
+            <a:spAutoFit/>
+          </a:bodyPr>
+          <a:lstStyle/>
+          <a:p>
+            <a:pPr algn="ctr"/>
+            <a:r>
+              <a:rPr lang="en-US" sz="1200" dirty="0"/>
+              <a:t>% of Participants Matching</a:t>
+            </a:r>
+          </a:p>
+          <a:p>
+            <a:pPr algn="ctr"/>
+            <a:r>
+              <a:rPr lang="en-US" sz="1200" dirty="0"/>
+              <a:t>AI Selection by Round</a:t>
+            </a:r>
+          </a:p>
+        </p:txBody>
+      </p:sp>
     </p:spTree>
     <p:extLst>
       <p:ext uri="{BB962C8B-B14F-4D97-AF65-F5344CB8AC3E}">
-        <p14:creationId xmlns:p14="http://schemas.microsoft.com/office/powerpoint/2010/main" val="3958827437"/>
+        <p14:creationId xmlns:p14="http://schemas.microsoft.com/office/powerpoint/2010/main" val="355025388"/>
       </p:ext>
     </p:extLst>
   </p:cSld>
